--- a/ccn/randy_slides/oreilly_ccn_neuron.pptx
+++ b/ccn/randy_slides/oreilly_ccn_neuron.pptx
@@ -5,47 +5,48 @@
     <p:sldMasterId id="2147483648" r:id="rId1"/>
   </p:sldMasterIdLst>
   <p:notesMasterIdLst>
-    <p:notesMasterId r:id="rId40"/>
+    <p:notesMasterId r:id="rId41"/>
   </p:notesMasterIdLst>
   <p:sldIdLst>
     <p:sldId id="256" r:id="rId2"/>
     <p:sldId id="257" r:id="rId3"/>
     <p:sldId id="258" r:id="rId4"/>
     <p:sldId id="259" r:id="rId5"/>
-    <p:sldId id="260" r:id="rId6"/>
-    <p:sldId id="261" r:id="rId7"/>
-    <p:sldId id="262" r:id="rId8"/>
-    <p:sldId id="263" r:id="rId9"/>
-    <p:sldId id="264" r:id="rId10"/>
-    <p:sldId id="265" r:id="rId11"/>
-    <p:sldId id="266" r:id="rId12"/>
-    <p:sldId id="270" r:id="rId13"/>
-    <p:sldId id="268" r:id="rId14"/>
-    <p:sldId id="267" r:id="rId15"/>
-    <p:sldId id="269" r:id="rId16"/>
-    <p:sldId id="271" r:id="rId17"/>
-    <p:sldId id="272" r:id="rId18"/>
-    <p:sldId id="273" r:id="rId19"/>
-    <p:sldId id="274" r:id="rId20"/>
-    <p:sldId id="293" r:id="rId21"/>
-    <p:sldId id="292" r:id="rId22"/>
-    <p:sldId id="275" r:id="rId23"/>
-    <p:sldId id="276" r:id="rId24"/>
-    <p:sldId id="277" r:id="rId25"/>
-    <p:sldId id="278" r:id="rId26"/>
-    <p:sldId id="280" r:id="rId27"/>
-    <p:sldId id="279" r:id="rId28"/>
-    <p:sldId id="281" r:id="rId29"/>
-    <p:sldId id="282" r:id="rId30"/>
-    <p:sldId id="283" r:id="rId31"/>
-    <p:sldId id="284" r:id="rId32"/>
-    <p:sldId id="291" r:id="rId33"/>
-    <p:sldId id="290" r:id="rId34"/>
-    <p:sldId id="285" r:id="rId35"/>
-    <p:sldId id="286" r:id="rId36"/>
-    <p:sldId id="287" r:id="rId37"/>
-    <p:sldId id="289" r:id="rId38"/>
-    <p:sldId id="288" r:id="rId39"/>
+    <p:sldId id="292" r:id="rId6"/>
+    <p:sldId id="260" r:id="rId7"/>
+    <p:sldId id="261" r:id="rId8"/>
+    <p:sldId id="262" r:id="rId9"/>
+    <p:sldId id="263" r:id="rId10"/>
+    <p:sldId id="264" r:id="rId11"/>
+    <p:sldId id="265" r:id="rId12"/>
+    <p:sldId id="266" r:id="rId13"/>
+    <p:sldId id="270" r:id="rId14"/>
+    <p:sldId id="268" r:id="rId15"/>
+    <p:sldId id="267" r:id="rId16"/>
+    <p:sldId id="269" r:id="rId17"/>
+    <p:sldId id="271" r:id="rId18"/>
+    <p:sldId id="272" r:id="rId19"/>
+    <p:sldId id="273" r:id="rId20"/>
+    <p:sldId id="274" r:id="rId21"/>
+    <p:sldId id="275" r:id="rId22"/>
+    <p:sldId id="293" r:id="rId23"/>
+    <p:sldId id="294" r:id="rId24"/>
+    <p:sldId id="276" r:id="rId25"/>
+    <p:sldId id="277" r:id="rId26"/>
+    <p:sldId id="278" r:id="rId27"/>
+    <p:sldId id="280" r:id="rId28"/>
+    <p:sldId id="279" r:id="rId29"/>
+    <p:sldId id="281" r:id="rId30"/>
+    <p:sldId id="282" r:id="rId31"/>
+    <p:sldId id="283" r:id="rId32"/>
+    <p:sldId id="284" r:id="rId33"/>
+    <p:sldId id="286" r:id="rId34"/>
+    <p:sldId id="287" r:id="rId35"/>
+    <p:sldId id="289" r:id="rId36"/>
+    <p:sldId id="288" r:id="rId37"/>
+    <p:sldId id="291" r:id="rId38"/>
+    <p:sldId id="290" r:id="rId39"/>
+    <p:sldId id="285" r:id="rId40"/>
   </p:sldIdLst>
   <p:sldSz cx="10077450" cy="7562850"/>
   <p:notesSz cx="7772400" cy="10058400"/>
@@ -728,6 +729,91 @@
 </p:notesMaster>
 </file>
 
+<file path=ppt/notesSlides/notesSlide1.xml><?xml version="1.0" encoding="utf-8"?>
+<p:notes xmlns:a="http://schemas.openxmlformats.org/drawingml/2006/main" xmlns:r="http://schemas.openxmlformats.org/officeDocument/2006/relationships" xmlns:p="http://schemas.openxmlformats.org/presentationml/2006/main">
+  <p:cSld>
+    <p:spTree>
+      <p:nvGrpSpPr>
+        <p:cNvPr id="1" name=""/>
+        <p:cNvGrpSpPr/>
+        <p:nvPr/>
+      </p:nvGrpSpPr>
+      <p:grpSpPr>
+        <a:xfrm>
+          <a:off x="0" y="0"/>
+          <a:ext cx="0" cy="0"/>
+          <a:chOff x="0" y="0"/>
+          <a:chExt cx="0" cy="0"/>
+        </a:xfrm>
+      </p:grpSpPr>
+      <p:sp>
+        <p:nvSpPr>
+          <p:cNvPr id="2" name="Slide Image Placeholder 1"/>
+          <p:cNvSpPr>
+            <a:spLocks noGrp="1" noRot="1" noChangeAspect="1"/>
+          </p:cNvSpPr>
+          <p:nvPr>
+            <p:ph type="sldImg"/>
+          </p:nvPr>
+        </p:nvSpPr>
+        <p:spPr/>
+      </p:sp>
+      <p:sp>
+        <p:nvSpPr>
+          <p:cNvPr id="3" name="Notes Placeholder 2"/>
+          <p:cNvSpPr>
+            <a:spLocks noGrp="1"/>
+          </p:cNvSpPr>
+          <p:nvPr>
+            <p:ph type="body" idx="1"/>
+          </p:nvPr>
+        </p:nvSpPr>
+        <p:spPr/>
+        <p:txBody>
+          <a:bodyPr/>
+          <a:lstStyle/>
+          <a:p>
+            <a:endParaRPr lang="en-US" dirty="0"/>
+          </a:p>
+        </p:txBody>
+      </p:sp>
+      <p:sp>
+        <p:nvSpPr>
+          <p:cNvPr id="4" name="Slide Number Placeholder 3"/>
+          <p:cNvSpPr>
+            <a:spLocks noGrp="1"/>
+          </p:cNvSpPr>
+          <p:nvPr>
+            <p:ph type="sldNum"/>
+          </p:nvPr>
+        </p:nvSpPr>
+        <p:spPr/>
+        <p:txBody>
+          <a:bodyPr/>
+          <a:lstStyle/>
+          <a:p>
+            <a:fld id="{47050F4D-C8E8-3F4B-A05D-07E398CC0A55}" type="slidenum">
+              <a:rPr lang="en-US" smtClean="0"/>
+              <a:pPr/>
+              <a:t>22</a:t>
+            </a:fld>
+            <a:endParaRPr lang="en-US"/>
+          </a:p>
+        </p:txBody>
+      </p:sp>
+    </p:spTree>
+    <p:extLst>
+      <p:ext uri="{BB962C8B-B14F-4D97-AF65-F5344CB8AC3E}">
+        <p14:creationId xmlns:p14="http://schemas.microsoft.com/office/powerpoint/2010/main" val="3708303646"/>
+      </p:ext>
+    </p:extLst>
+  </p:cSld>
+  <p:clrMapOvr>
+    <a:masterClrMapping/>
+  </p:clrMapOvr>
+</p:notes>
+</file>
+
 <file path=ppt/slideLayouts/slideLayout1.xml><?xml version="1.0" encoding="utf-8"?>
 <p:sldLayout xmlns:a="http://schemas.openxmlformats.org/drawingml/2006/main" xmlns:r="http://schemas.openxmlformats.org/officeDocument/2006/relationships" xmlns:p="http://schemas.openxmlformats.org/presentationml/2006/main" type="title" preserve="1">
   <p:cSld name="Title Slide">
@@ -766,10 +852,9 @@
           <a:lstStyle/>
           <a:p>
             <a:r>
-              <a:rPr lang="en-US" smtClean="0"/>
+              <a:rPr lang="en-US"/>
               <a:t>Click to edit Master title style</a:t>
             </a:r>
-            <a:endParaRPr lang="en-US"/>
           </a:p>
         </p:txBody>
       </p:sp>
@@ -831,10 +916,9 @@
           </a:lstStyle>
           <a:p>
             <a:r>
-              <a:rPr lang="en-US" smtClean="0"/>
+              <a:rPr lang="en-US"/>
               <a:t>Click to edit Master subtitle style</a:t>
             </a:r>
-            <a:endParaRPr lang="en-US"/>
           </a:p>
         </p:txBody>
       </p:sp>
@@ -953,10 +1037,9 @@
           <a:lstStyle/>
           <a:p>
             <a:r>
-              <a:rPr lang="en-US" smtClean="0"/>
+              <a:rPr lang="en-US"/>
               <a:t>Click to edit Master title style</a:t>
             </a:r>
-            <a:endParaRPr lang="en-US"/>
           </a:p>
         </p:txBody>
       </p:sp>
@@ -977,38 +1060,37 @@
           <a:p>
             <a:pPr lvl="0"/>
             <a:r>
-              <a:rPr lang="en-US" smtClean="0"/>
+              <a:rPr lang="en-US"/>
               <a:t>Click to edit Master text styles</a:t>
             </a:r>
           </a:p>
           <a:p>
             <a:pPr lvl="1"/>
             <a:r>
-              <a:rPr lang="en-US" smtClean="0"/>
+              <a:rPr lang="en-US"/>
               <a:t>Second level</a:t>
             </a:r>
           </a:p>
           <a:p>
             <a:pPr lvl="2"/>
             <a:r>
-              <a:rPr lang="en-US" smtClean="0"/>
+              <a:rPr lang="en-US"/>
               <a:t>Third level</a:t>
             </a:r>
           </a:p>
           <a:p>
             <a:pPr lvl="3"/>
             <a:r>
-              <a:rPr lang="en-US" smtClean="0"/>
+              <a:rPr lang="en-US"/>
               <a:t>Fourth level</a:t>
             </a:r>
           </a:p>
           <a:p>
             <a:pPr lvl="4"/>
             <a:r>
-              <a:rPr lang="en-US" smtClean="0"/>
+              <a:rPr lang="en-US"/>
               <a:t>Fifth level</a:t>
             </a:r>
-            <a:endParaRPr lang="en-US"/>
           </a:p>
         </p:txBody>
       </p:sp>
@@ -1132,10 +1214,9 @@
           <a:lstStyle/>
           <a:p>
             <a:r>
-              <a:rPr lang="en-US" smtClean="0"/>
+              <a:rPr lang="en-US"/>
               <a:t>Click to edit Master title style</a:t>
             </a:r>
-            <a:endParaRPr lang="en-US"/>
           </a:p>
         </p:txBody>
       </p:sp>
@@ -1161,38 +1242,37 @@
           <a:p>
             <a:pPr lvl="0"/>
             <a:r>
-              <a:rPr lang="en-US" smtClean="0"/>
+              <a:rPr lang="en-US"/>
               <a:t>Click to edit Master text styles</a:t>
             </a:r>
           </a:p>
           <a:p>
             <a:pPr lvl="1"/>
             <a:r>
-              <a:rPr lang="en-US" smtClean="0"/>
+              <a:rPr lang="en-US"/>
               <a:t>Second level</a:t>
             </a:r>
           </a:p>
           <a:p>
             <a:pPr lvl="2"/>
             <a:r>
-              <a:rPr lang="en-US" smtClean="0"/>
+              <a:rPr lang="en-US"/>
               <a:t>Third level</a:t>
             </a:r>
           </a:p>
           <a:p>
             <a:pPr lvl="3"/>
             <a:r>
-              <a:rPr lang="en-US" smtClean="0"/>
+              <a:rPr lang="en-US"/>
               <a:t>Fourth level</a:t>
             </a:r>
           </a:p>
           <a:p>
             <a:pPr lvl="4"/>
             <a:r>
-              <a:rPr lang="en-US" smtClean="0"/>
+              <a:rPr lang="en-US"/>
               <a:t>Fifth level</a:t>
             </a:r>
-            <a:endParaRPr lang="en-US"/>
           </a:p>
         </p:txBody>
       </p:sp>
@@ -1311,10 +1391,9 @@
           <a:lstStyle/>
           <a:p>
             <a:r>
-              <a:rPr lang="en-US" smtClean="0"/>
+              <a:rPr lang="en-US"/>
               <a:t>Click to edit Master title style</a:t>
             </a:r>
-            <a:endParaRPr lang="en-US"/>
           </a:p>
         </p:txBody>
       </p:sp>
@@ -1335,38 +1414,37 @@
           <a:p>
             <a:pPr lvl="0"/>
             <a:r>
-              <a:rPr lang="en-US" smtClean="0"/>
+              <a:rPr lang="en-US"/>
               <a:t>Click to edit Master text styles</a:t>
             </a:r>
           </a:p>
           <a:p>
             <a:pPr lvl="1"/>
             <a:r>
-              <a:rPr lang="en-US" smtClean="0"/>
+              <a:rPr lang="en-US"/>
               <a:t>Second level</a:t>
             </a:r>
           </a:p>
           <a:p>
             <a:pPr lvl="2"/>
             <a:r>
-              <a:rPr lang="en-US" smtClean="0"/>
+              <a:rPr lang="en-US"/>
               <a:t>Third level</a:t>
             </a:r>
           </a:p>
           <a:p>
             <a:pPr lvl="3"/>
             <a:r>
-              <a:rPr lang="en-US" smtClean="0"/>
+              <a:rPr lang="en-US"/>
               <a:t>Fourth level</a:t>
             </a:r>
           </a:p>
           <a:p>
             <a:pPr lvl="4"/>
             <a:r>
-              <a:rPr lang="en-US" smtClean="0"/>
+              <a:rPr lang="en-US"/>
               <a:t>Fifth level</a:t>
             </a:r>
-            <a:endParaRPr lang="en-US"/>
           </a:p>
         </p:txBody>
       </p:sp>
@@ -1494,10 +1572,9 @@
           </a:lstStyle>
           <a:p>
             <a:r>
-              <a:rPr lang="en-US" smtClean="0"/>
+              <a:rPr lang="en-US"/>
               <a:t>Click to edit Master title style</a:t>
             </a:r>
-            <a:endParaRPr lang="en-US"/>
           </a:p>
         </p:txBody>
       </p:sp>
@@ -1560,7 +1637,7 @@
           <a:p>
             <a:pPr lvl="0"/>
             <a:r>
-              <a:rPr lang="en-US" smtClean="0"/>
+              <a:rPr lang="en-US"/>
               <a:t>Click to edit Master text styles</a:t>
             </a:r>
           </a:p>
@@ -1681,10 +1758,9 @@
           <a:lstStyle/>
           <a:p>
             <a:r>
-              <a:rPr lang="en-US" smtClean="0"/>
+              <a:rPr lang="en-US"/>
               <a:t>Click to edit Master title style</a:t>
             </a:r>
-            <a:endParaRPr lang="en-US"/>
           </a:p>
         </p:txBody>
       </p:sp>
@@ -1738,38 +1814,37 @@
           <a:p>
             <a:pPr lvl="0"/>
             <a:r>
-              <a:rPr lang="en-US" smtClean="0"/>
+              <a:rPr lang="en-US"/>
               <a:t>Click to edit Master text styles</a:t>
             </a:r>
           </a:p>
           <a:p>
             <a:pPr lvl="1"/>
             <a:r>
-              <a:rPr lang="en-US" smtClean="0"/>
+              <a:rPr lang="en-US"/>
               <a:t>Second level</a:t>
             </a:r>
           </a:p>
           <a:p>
             <a:pPr lvl="2"/>
             <a:r>
-              <a:rPr lang="en-US" smtClean="0"/>
+              <a:rPr lang="en-US"/>
               <a:t>Third level</a:t>
             </a:r>
           </a:p>
           <a:p>
             <a:pPr lvl="3"/>
             <a:r>
-              <a:rPr lang="en-US" smtClean="0"/>
+              <a:rPr lang="en-US"/>
               <a:t>Fourth level</a:t>
             </a:r>
           </a:p>
           <a:p>
             <a:pPr lvl="4"/>
             <a:r>
-              <a:rPr lang="en-US" smtClean="0"/>
+              <a:rPr lang="en-US"/>
               <a:t>Fifth level</a:t>
             </a:r>
-            <a:endParaRPr lang="en-US"/>
           </a:p>
         </p:txBody>
       </p:sp>
@@ -1823,38 +1898,37 @@
           <a:p>
             <a:pPr lvl="0"/>
             <a:r>
-              <a:rPr lang="en-US" smtClean="0"/>
+              <a:rPr lang="en-US"/>
               <a:t>Click to edit Master text styles</a:t>
             </a:r>
           </a:p>
           <a:p>
             <a:pPr lvl="1"/>
             <a:r>
-              <a:rPr lang="en-US" smtClean="0"/>
+              <a:rPr lang="en-US"/>
               <a:t>Second level</a:t>
             </a:r>
           </a:p>
           <a:p>
             <a:pPr lvl="2"/>
             <a:r>
-              <a:rPr lang="en-US" smtClean="0"/>
+              <a:rPr lang="en-US"/>
               <a:t>Third level</a:t>
             </a:r>
           </a:p>
           <a:p>
             <a:pPr lvl="3"/>
             <a:r>
-              <a:rPr lang="en-US" smtClean="0"/>
+              <a:rPr lang="en-US"/>
               <a:t>Fourth level</a:t>
             </a:r>
           </a:p>
           <a:p>
             <a:pPr lvl="4"/>
             <a:r>
-              <a:rPr lang="en-US" smtClean="0"/>
+              <a:rPr lang="en-US"/>
               <a:t>Fifth level</a:t>
             </a:r>
-            <a:endParaRPr lang="en-US"/>
           </a:p>
         </p:txBody>
       </p:sp>
@@ -1982,10 +2056,9 @@
           </a:lstStyle>
           <a:p>
             <a:r>
-              <a:rPr lang="en-US" smtClean="0"/>
+              <a:rPr lang="en-US"/>
               <a:t>Click to edit Master title style</a:t>
             </a:r>
-            <a:endParaRPr lang="en-US"/>
           </a:p>
         </p:txBody>
       </p:sp>
@@ -2048,7 +2121,7 @@
           <a:p>
             <a:pPr lvl="0"/>
             <a:r>
-              <a:rPr lang="en-US" smtClean="0"/>
+              <a:rPr lang="en-US"/>
               <a:t>Click to edit Master text styles</a:t>
             </a:r>
           </a:p>
@@ -2104,38 +2177,37 @@
           <a:p>
             <a:pPr lvl="0"/>
             <a:r>
-              <a:rPr lang="en-US" smtClean="0"/>
+              <a:rPr lang="en-US"/>
               <a:t>Click to edit Master text styles</a:t>
             </a:r>
           </a:p>
           <a:p>
             <a:pPr lvl="1"/>
             <a:r>
-              <a:rPr lang="en-US" smtClean="0"/>
+              <a:rPr lang="en-US"/>
               <a:t>Second level</a:t>
             </a:r>
           </a:p>
           <a:p>
             <a:pPr lvl="2"/>
             <a:r>
-              <a:rPr lang="en-US" smtClean="0"/>
+              <a:rPr lang="en-US"/>
               <a:t>Third level</a:t>
             </a:r>
           </a:p>
           <a:p>
             <a:pPr lvl="3"/>
             <a:r>
-              <a:rPr lang="en-US" smtClean="0"/>
+              <a:rPr lang="en-US"/>
               <a:t>Fourth level</a:t>
             </a:r>
           </a:p>
           <a:p>
             <a:pPr lvl="4"/>
             <a:r>
-              <a:rPr lang="en-US" smtClean="0"/>
+              <a:rPr lang="en-US"/>
               <a:t>Fifth level</a:t>
             </a:r>
-            <a:endParaRPr lang="en-US"/>
           </a:p>
         </p:txBody>
       </p:sp>
@@ -2198,7 +2270,7 @@
           <a:p>
             <a:pPr lvl="0"/>
             <a:r>
-              <a:rPr lang="en-US" smtClean="0"/>
+              <a:rPr lang="en-US"/>
               <a:t>Click to edit Master text styles</a:t>
             </a:r>
           </a:p>
@@ -2254,38 +2326,37 @@
           <a:p>
             <a:pPr lvl="0"/>
             <a:r>
-              <a:rPr lang="en-US" smtClean="0"/>
+              <a:rPr lang="en-US"/>
               <a:t>Click to edit Master text styles</a:t>
             </a:r>
           </a:p>
           <a:p>
             <a:pPr lvl="1"/>
             <a:r>
-              <a:rPr lang="en-US" smtClean="0"/>
+              <a:rPr lang="en-US"/>
               <a:t>Second level</a:t>
             </a:r>
           </a:p>
           <a:p>
             <a:pPr lvl="2"/>
             <a:r>
-              <a:rPr lang="en-US" smtClean="0"/>
+              <a:rPr lang="en-US"/>
               <a:t>Third level</a:t>
             </a:r>
           </a:p>
           <a:p>
             <a:pPr lvl="3"/>
             <a:r>
-              <a:rPr lang="en-US" smtClean="0"/>
+              <a:rPr lang="en-US"/>
               <a:t>Fourth level</a:t>
             </a:r>
           </a:p>
           <a:p>
             <a:pPr lvl="4"/>
             <a:r>
-              <a:rPr lang="en-US" smtClean="0"/>
+              <a:rPr lang="en-US"/>
               <a:t>Fifth level</a:t>
             </a:r>
-            <a:endParaRPr lang="en-US"/>
           </a:p>
         </p:txBody>
       </p:sp>
@@ -2404,10 +2475,9 @@
           <a:lstStyle/>
           <a:p>
             <a:r>
-              <a:rPr lang="en-US" smtClean="0"/>
+              <a:rPr lang="en-US"/>
               <a:t>Click to edit Master title style</a:t>
             </a:r>
-            <a:endParaRPr lang="en-US"/>
           </a:p>
         </p:txBody>
       </p:sp>
@@ -2634,10 +2704,9 @@
           </a:lstStyle>
           <a:p>
             <a:r>
-              <a:rPr lang="en-US" smtClean="0"/>
+              <a:rPr lang="en-US"/>
               <a:t>Click to edit Master title style</a:t>
             </a:r>
-            <a:endParaRPr lang="en-US"/>
           </a:p>
         </p:txBody>
       </p:sp>
@@ -2691,38 +2760,37 @@
           <a:p>
             <a:pPr lvl="0"/>
             <a:r>
-              <a:rPr lang="en-US" smtClean="0"/>
+              <a:rPr lang="en-US"/>
               <a:t>Click to edit Master text styles</a:t>
             </a:r>
           </a:p>
           <a:p>
             <a:pPr lvl="1"/>
             <a:r>
-              <a:rPr lang="en-US" smtClean="0"/>
+              <a:rPr lang="en-US"/>
               <a:t>Second level</a:t>
             </a:r>
           </a:p>
           <a:p>
             <a:pPr lvl="2"/>
             <a:r>
-              <a:rPr lang="en-US" smtClean="0"/>
+              <a:rPr lang="en-US"/>
               <a:t>Third level</a:t>
             </a:r>
           </a:p>
           <a:p>
             <a:pPr lvl="3"/>
             <a:r>
-              <a:rPr lang="en-US" smtClean="0"/>
+              <a:rPr lang="en-US"/>
               <a:t>Fourth level</a:t>
             </a:r>
           </a:p>
           <a:p>
             <a:pPr lvl="4"/>
             <a:r>
-              <a:rPr lang="en-US" smtClean="0"/>
+              <a:rPr lang="en-US"/>
               <a:t>Fifth level</a:t>
             </a:r>
-            <a:endParaRPr lang="en-US"/>
           </a:p>
         </p:txBody>
       </p:sp>
@@ -2785,7 +2853,7 @@
           <a:p>
             <a:pPr lvl="0"/>
             <a:r>
-              <a:rPr lang="en-US" smtClean="0"/>
+              <a:rPr lang="en-US"/>
               <a:t>Click to edit Master text styles</a:t>
             </a:r>
           </a:p>
@@ -2915,10 +2983,9 @@
           </a:lstStyle>
           <a:p>
             <a:r>
-              <a:rPr lang="en-US" smtClean="0"/>
+              <a:rPr lang="en-US"/>
               <a:t>Click to edit Master title style</a:t>
             </a:r>
-            <a:endParaRPr lang="en-US"/>
           </a:p>
         </p:txBody>
       </p:sp>
@@ -2980,10 +3047,9 @@
           </a:lstStyle>
           <a:p>
             <a:r>
-              <a:rPr lang="en-US" smtClean="0"/>
+              <a:rPr lang="en-US"/>
               <a:t>Drag picture to placeholder or click icon to add</a:t>
             </a:r>
-            <a:endParaRPr lang="en-US"/>
           </a:p>
         </p:txBody>
       </p:sp>
@@ -3046,7 +3112,7 @@
           <a:p>
             <a:pPr lvl="0"/>
             <a:r>
-              <a:rPr lang="en-US" smtClean="0"/>
+              <a:rPr lang="en-US"/>
               <a:t>Click to edit Master text styles</a:t>
             </a:r>
           </a:p>
@@ -3200,10 +3266,9 @@
           <a:p>
             <a:pPr lvl="0"/>
             <a:r>
-              <a:rPr lang="en-US" smtClean="0"/>
+              <a:rPr lang="en-US"/>
               <a:t>Click to edit Master title style</a:t>
             </a:r>
-            <a:endParaRPr lang="en-US"/>
           </a:p>
         </p:txBody>
       </p:sp>
@@ -3244,38 +3309,37 @@
           <a:p>
             <a:pPr lvl="0"/>
             <a:r>
-              <a:rPr lang="en-US" smtClean="0"/>
+              <a:rPr lang="en-US"/>
               <a:t>Click to edit Master text styles</a:t>
             </a:r>
           </a:p>
           <a:p>
             <a:pPr lvl="1"/>
             <a:r>
-              <a:rPr lang="en-US" smtClean="0"/>
+              <a:rPr lang="en-US"/>
               <a:t>Second level</a:t>
             </a:r>
           </a:p>
           <a:p>
             <a:pPr lvl="2"/>
             <a:r>
-              <a:rPr lang="en-US" smtClean="0"/>
+              <a:rPr lang="en-US"/>
               <a:t>Third level</a:t>
             </a:r>
           </a:p>
           <a:p>
             <a:pPr lvl="3"/>
             <a:r>
-              <a:rPr lang="en-US" smtClean="0"/>
+              <a:rPr lang="en-US"/>
               <a:t>Fourth level</a:t>
             </a:r>
           </a:p>
           <a:p>
             <a:pPr lvl="4"/>
             <a:r>
-              <a:rPr lang="en-US" smtClean="0"/>
+              <a:rPr lang="en-US"/>
               <a:t>Fifth level</a:t>
             </a:r>
-            <a:endParaRPr lang="en-US"/>
           </a:p>
         </p:txBody>
       </p:sp>
@@ -4053,10 +4117,9 @@
           <a:lstStyle/>
           <a:p>
             <a:r>
-              <a:rPr lang="en-US" dirty="0" smtClean="0"/>
+              <a:rPr lang="en-US" dirty="0"/>
               <a:t>The Neuron</a:t>
             </a:r>
-            <a:endParaRPr lang="en-US" dirty="0"/>
           </a:p>
         </p:txBody>
       </p:sp>
@@ -4077,19 +4140,14 @@
           <a:p>
             <a:r>
               <a:rPr lang="en-US" dirty="0"/>
-              <a:t>Computational Cognitive </a:t>
-            </a:r>
-            <a:r>
-              <a:rPr lang="en-US" dirty="0" smtClean="0"/>
-              <a:t>Neuroscience</a:t>
-            </a:r>
-          </a:p>
-          <a:p>
-            <a:r>
-              <a:rPr lang="en-US" dirty="0" smtClean="0"/>
+              <a:t>Computational Cognitive Neuroscience</a:t>
+            </a:r>
+          </a:p>
+          <a:p>
+            <a:r>
+              <a:rPr lang="en-US" dirty="0"/>
               <a:t>Randall O’Reilly</a:t>
             </a:r>
-            <a:endParaRPr lang="en-US" dirty="0"/>
           </a:p>
         </p:txBody>
       </p:sp>
@@ -4098,13 +4156,6 @@
   <p:clrMapOvr>
     <a:masterClrMapping/>
   </p:clrMapOvr>
-  <p:timing>
-    <p:tnLst>
-      <p:par>
-        <p:cTn id="1" dur="indefinite" restart="never" nodeType="tmRoot"/>
-      </p:par>
-    </p:tnLst>
-  </p:timing>
 </p:sld>
 </file>
 
@@ -4141,10 +4192,9 @@
           <a:lstStyle/>
           <a:p>
             <a:r>
-              <a:rPr lang="en-US" dirty="0" smtClean="0"/>
+              <a:rPr lang="en-US" dirty="0"/>
               <a:t>Testing..</a:t>
             </a:r>
-            <a:endParaRPr lang="en-US" dirty="0"/>
           </a:p>
         </p:txBody>
       </p:sp>
@@ -4155,9 +4205,9 @@
           <p:nvPr/>
         </p:nvCxnSpPr>
         <p:spPr bwMode="auto">
-          <a:xfrm>
-            <a:off x="4657725" y="3248025"/>
-            <a:ext cx="1028700" cy="1143000"/>
+          <a:xfrm flipH="1">
+            <a:off x="4657725" y="3324225"/>
+            <a:ext cx="990600" cy="1181100"/>
           </a:xfrm>
           <a:prstGeom prst="line">
             <a:avLst/>
@@ -4180,20 +4230,13 @@
     </p:spTree>
     <p:extLst>
       <p:ext uri="{BB962C8B-B14F-4D97-AF65-F5344CB8AC3E}">
-        <p14:creationId xmlns:p14="http://schemas.microsoft.com/office/powerpoint/2010/main" val="3633178740"/>
+        <p14:creationId xmlns:p14="http://schemas.microsoft.com/office/powerpoint/2010/main" val="553953886"/>
       </p:ext>
     </p:extLst>
   </p:cSld>
   <p:clrMapOvr>
     <a:masterClrMapping/>
   </p:clrMapOvr>
-  <p:timing>
-    <p:tnLst>
-      <p:par>
-        <p:cTn id="1" dur="indefinite" restart="never" nodeType="tmRoot"/>
-      </p:par>
-    </p:tnLst>
-  </p:timing>
 </p:sld>
 </file>
 
@@ -4230,23 +4273,22 @@
           <a:lstStyle/>
           <a:p>
             <a:r>
-              <a:rPr lang="en-US" dirty="0" smtClean="0"/>
+              <a:rPr lang="en-US" dirty="0"/>
               <a:t>Testing..</a:t>
             </a:r>
-            <a:endParaRPr lang="en-US" dirty="0"/>
           </a:p>
         </p:txBody>
       </p:sp>
       <p:cxnSp>
         <p:nvCxnSpPr>
-          <p:cNvPr id="4" name="Straight Connector 3"/>
+          <p:cNvPr id="5" name="Straight Connector 4"/>
           <p:cNvCxnSpPr/>
           <p:nvPr/>
         </p:nvCxnSpPr>
         <p:spPr bwMode="auto">
           <a:xfrm>
-            <a:off x="4429125" y="3248025"/>
-            <a:ext cx="1447800" cy="0"/>
+            <a:off x="4657725" y="3248025"/>
+            <a:ext cx="1028700" cy="1143000"/>
           </a:xfrm>
           <a:prstGeom prst="line">
             <a:avLst/>
@@ -4266,52 +4308,16 @@
           <a:effectLst/>
         </p:spPr>
       </p:cxnSp>
-      <p:cxnSp>
-        <p:nvCxnSpPr>
-          <p:cNvPr id="6" name="Straight Connector 5"/>
-          <p:cNvCxnSpPr/>
-          <p:nvPr/>
-        </p:nvCxnSpPr>
-        <p:spPr bwMode="auto">
-          <a:xfrm rot="5400000">
-            <a:off x="4429126" y="4010025"/>
-            <a:ext cx="1447799" cy="0"/>
-          </a:xfrm>
-          <a:prstGeom prst="line">
-            <a:avLst/>
-          </a:prstGeom>
-          <a:solidFill>
-            <a:srgbClr val="00B8FF"/>
-          </a:solidFill>
-          <a:ln w="76200" cap="flat" cmpd="sng" algn="ctr">
-            <a:solidFill>
-              <a:schemeClr val="tx1"/>
-            </a:solidFill>
-            <a:prstDash val="solid"/>
-            <a:round/>
-            <a:headEnd type="none" w="med" len="med"/>
-            <a:tailEnd type="none" w="med" len="med"/>
-          </a:ln>
-          <a:effectLst/>
-        </p:spPr>
-      </p:cxnSp>
     </p:spTree>
     <p:extLst>
       <p:ext uri="{BB962C8B-B14F-4D97-AF65-F5344CB8AC3E}">
-        <p14:creationId xmlns:p14="http://schemas.microsoft.com/office/powerpoint/2010/main" val="4079415127"/>
+        <p14:creationId xmlns:p14="http://schemas.microsoft.com/office/powerpoint/2010/main" val="1405215565"/>
       </p:ext>
     </p:extLst>
   </p:cSld>
   <p:clrMapOvr>
     <a:masterClrMapping/>
   </p:clrMapOvr>
-  <p:timing>
-    <p:tnLst>
-      <p:par>
-        <p:cTn id="1" dur="indefinite" restart="never" nodeType="tmRoot"/>
-      </p:par>
-    </p:tnLst>
-  </p:timing>
 </p:sld>
 </file>
 
@@ -4348,10 +4354,9 @@
           <a:lstStyle/>
           <a:p>
             <a:r>
-              <a:rPr lang="en-US" dirty="0" smtClean="0"/>
+              <a:rPr lang="en-US" dirty="0"/>
               <a:t>Testing..</a:t>
             </a:r>
-            <a:endParaRPr lang="en-US" dirty="0"/>
           </a:p>
         </p:txBody>
       </p:sp>
@@ -4363,8 +4368,8 @@
         </p:nvCxnSpPr>
         <p:spPr bwMode="auto">
           <a:xfrm>
-            <a:off x="4810125" y="3933824"/>
-            <a:ext cx="762000" cy="0"/>
+            <a:off x="4429125" y="3248025"/>
+            <a:ext cx="1447800" cy="0"/>
           </a:xfrm>
           <a:prstGeom prst="line">
             <a:avLst/>
@@ -4386,14 +4391,14 @@
       </p:cxnSp>
       <p:cxnSp>
         <p:nvCxnSpPr>
-          <p:cNvPr id="5" name="Straight Connector 4"/>
+          <p:cNvPr id="6" name="Straight Connector 5"/>
           <p:cNvCxnSpPr/>
           <p:nvPr/>
         </p:nvCxnSpPr>
         <p:spPr bwMode="auto">
-          <a:xfrm flipH="1">
-            <a:off x="4429125" y="3248025"/>
-            <a:ext cx="762000" cy="1295400"/>
+          <a:xfrm rot="5400000">
+            <a:off x="4429126" y="4010025"/>
+            <a:ext cx="1447799" cy="0"/>
           </a:xfrm>
           <a:prstGeom prst="line">
             <a:avLst/>
@@ -4413,52 +4418,16 @@
           <a:effectLst/>
         </p:spPr>
       </p:cxnSp>
-      <p:cxnSp>
-        <p:nvCxnSpPr>
-          <p:cNvPr id="7" name="Straight Connector 6"/>
-          <p:cNvCxnSpPr/>
-          <p:nvPr/>
-        </p:nvCxnSpPr>
-        <p:spPr bwMode="auto">
-          <a:xfrm>
-            <a:off x="5191125" y="3248025"/>
-            <a:ext cx="762000" cy="1295400"/>
-          </a:xfrm>
-          <a:prstGeom prst="line">
-            <a:avLst/>
-          </a:prstGeom>
-          <a:solidFill>
-            <a:srgbClr val="00B8FF"/>
-          </a:solidFill>
-          <a:ln w="76200" cap="flat" cmpd="sng" algn="ctr">
-            <a:solidFill>
-              <a:schemeClr val="tx1"/>
-            </a:solidFill>
-            <a:prstDash val="solid"/>
-            <a:round/>
-            <a:headEnd type="none" w="med" len="med"/>
-            <a:tailEnd type="none" w="med" len="med"/>
-          </a:ln>
-          <a:effectLst/>
-        </p:spPr>
-      </p:cxnSp>
     </p:spTree>
     <p:extLst>
       <p:ext uri="{BB962C8B-B14F-4D97-AF65-F5344CB8AC3E}">
-        <p14:creationId xmlns:p14="http://schemas.microsoft.com/office/powerpoint/2010/main" val="3158146913"/>
+        <p14:creationId xmlns:p14="http://schemas.microsoft.com/office/powerpoint/2010/main" val="245657374"/>
       </p:ext>
     </p:extLst>
   </p:cSld>
   <p:clrMapOvr>
     <a:masterClrMapping/>
   </p:clrMapOvr>
-  <p:timing>
-    <p:tnLst>
-      <p:par>
-        <p:cTn id="1" dur="indefinite" restart="never" nodeType="tmRoot"/>
-      </p:par>
-    </p:tnLst>
-  </p:timing>
 </p:sld>
 </file>
 
@@ -4495,23 +4464,22 @@
           <a:lstStyle/>
           <a:p>
             <a:r>
-              <a:rPr lang="en-US" dirty="0" smtClean="0"/>
+              <a:rPr lang="en-US" dirty="0"/>
               <a:t>Testing..</a:t>
             </a:r>
-            <a:endParaRPr lang="en-US" dirty="0"/>
           </a:p>
         </p:txBody>
       </p:sp>
       <p:cxnSp>
         <p:nvCxnSpPr>
-          <p:cNvPr id="5" name="Straight Connector 4"/>
+          <p:cNvPr id="4" name="Straight Connector 3"/>
           <p:cNvCxnSpPr/>
           <p:nvPr/>
         </p:nvCxnSpPr>
         <p:spPr bwMode="auto">
-          <a:xfrm flipH="1">
-            <a:off x="5191125" y="3248026"/>
-            <a:ext cx="762000" cy="762000"/>
+          <a:xfrm>
+            <a:off x="4810125" y="3933824"/>
+            <a:ext cx="762000" cy="0"/>
           </a:xfrm>
           <a:prstGeom prst="line">
             <a:avLst/>
@@ -4533,14 +4501,14 @@
       </p:cxnSp>
       <p:cxnSp>
         <p:nvCxnSpPr>
-          <p:cNvPr id="7" name="Straight Connector 6"/>
+          <p:cNvPr id="5" name="Straight Connector 4"/>
           <p:cNvCxnSpPr/>
           <p:nvPr/>
         </p:nvCxnSpPr>
         <p:spPr bwMode="auto">
-          <a:xfrm>
-            <a:off x="5191126" y="4010025"/>
-            <a:ext cx="914400" cy="762000"/>
+          <a:xfrm flipH="1">
+            <a:off x="4429125" y="3248025"/>
+            <a:ext cx="762000" cy="1295400"/>
           </a:xfrm>
           <a:prstGeom prst="line">
             <a:avLst/>
@@ -4562,14 +4530,14 @@
       </p:cxnSp>
       <p:cxnSp>
         <p:nvCxnSpPr>
-          <p:cNvPr id="6" name="Straight Connector 5"/>
+          <p:cNvPr id="7" name="Straight Connector 6"/>
           <p:cNvCxnSpPr/>
           <p:nvPr/>
         </p:nvCxnSpPr>
         <p:spPr bwMode="auto">
           <a:xfrm>
             <a:off x="5191125" y="3248025"/>
-            <a:ext cx="0" cy="1562100"/>
+            <a:ext cx="762000" cy="1295400"/>
           </a:xfrm>
           <a:prstGeom prst="line">
             <a:avLst/>
@@ -4592,20 +4560,13 @@
     </p:spTree>
     <p:extLst>
       <p:ext uri="{BB962C8B-B14F-4D97-AF65-F5344CB8AC3E}">
-        <p14:creationId xmlns:p14="http://schemas.microsoft.com/office/powerpoint/2010/main" val="1211721576"/>
+        <p14:creationId xmlns:p14="http://schemas.microsoft.com/office/powerpoint/2010/main" val="1314166994"/>
       </p:ext>
     </p:extLst>
   </p:cSld>
   <p:clrMapOvr>
     <a:masterClrMapping/>
   </p:clrMapOvr>
-  <p:timing>
-    <p:tnLst>
-      <p:par>
-        <p:cTn id="1" dur="indefinite" restart="never" nodeType="tmRoot"/>
-      </p:par>
-    </p:tnLst>
-  </p:timing>
 </p:sld>
 </file>
 
@@ -4642,23 +4603,22 @@
           <a:lstStyle/>
           <a:p>
             <a:r>
-              <a:rPr lang="en-US" dirty="0" smtClean="0"/>
+              <a:rPr lang="en-US" dirty="0"/>
               <a:t>Testing..</a:t>
             </a:r>
-            <a:endParaRPr lang="en-US" dirty="0"/>
           </a:p>
         </p:txBody>
       </p:sp>
       <p:cxnSp>
         <p:nvCxnSpPr>
-          <p:cNvPr id="4" name="Straight Connector 3"/>
+          <p:cNvPr id="5" name="Straight Connector 4"/>
           <p:cNvCxnSpPr/>
           <p:nvPr/>
         </p:nvCxnSpPr>
         <p:spPr bwMode="auto">
-          <a:xfrm>
-            <a:off x="4810125" y="3933824"/>
-            <a:ext cx="762000" cy="0"/>
+          <a:xfrm flipH="1">
+            <a:off x="5191125" y="3248026"/>
+            <a:ext cx="762000" cy="762000"/>
           </a:xfrm>
           <a:prstGeom prst="line">
             <a:avLst/>
@@ -4680,14 +4640,14 @@
       </p:cxnSp>
       <p:cxnSp>
         <p:nvCxnSpPr>
-          <p:cNvPr id="5" name="Straight Connector 4"/>
+          <p:cNvPr id="7" name="Straight Connector 6"/>
           <p:cNvCxnSpPr/>
           <p:nvPr/>
         </p:nvCxnSpPr>
         <p:spPr bwMode="auto">
-          <a:xfrm flipH="1">
-            <a:off x="4429125" y="3248025"/>
-            <a:ext cx="762000" cy="1295400"/>
+          <a:xfrm>
+            <a:off x="5191126" y="4010025"/>
+            <a:ext cx="914400" cy="762000"/>
           </a:xfrm>
           <a:prstGeom prst="line">
             <a:avLst/>
@@ -4709,14 +4669,14 @@
       </p:cxnSp>
       <p:cxnSp>
         <p:nvCxnSpPr>
-          <p:cNvPr id="7" name="Straight Connector 6"/>
+          <p:cNvPr id="6" name="Straight Connector 5"/>
           <p:cNvCxnSpPr/>
           <p:nvPr/>
         </p:nvCxnSpPr>
         <p:spPr bwMode="auto">
           <a:xfrm>
             <a:off x="5191125" y="3248025"/>
-            <a:ext cx="762000" cy="1295400"/>
+            <a:ext cx="0" cy="1562100"/>
           </a:xfrm>
           <a:prstGeom prst="line">
             <a:avLst/>
@@ -4739,20 +4699,13 @@
     </p:spTree>
     <p:extLst>
       <p:ext uri="{BB962C8B-B14F-4D97-AF65-F5344CB8AC3E}">
-        <p14:creationId xmlns:p14="http://schemas.microsoft.com/office/powerpoint/2010/main" val="1885364614"/>
+        <p14:creationId xmlns:p14="http://schemas.microsoft.com/office/powerpoint/2010/main" val="4156314424"/>
       </p:ext>
     </p:extLst>
   </p:cSld>
   <p:clrMapOvr>
     <a:masterClrMapping/>
   </p:clrMapOvr>
-  <p:timing>
-    <p:tnLst>
-      <p:par>
-        <p:cTn id="1" dur="indefinite" restart="never" nodeType="tmRoot"/>
-      </p:par>
-    </p:tnLst>
-  </p:timing>
 </p:sld>
 </file>
 
@@ -4789,23 +4742,22 @@
           <a:lstStyle/>
           <a:p>
             <a:r>
-              <a:rPr lang="en-US" dirty="0" smtClean="0"/>
+              <a:rPr lang="en-US" dirty="0"/>
               <a:t>Testing..</a:t>
             </a:r>
-            <a:endParaRPr lang="en-US" dirty="0"/>
           </a:p>
         </p:txBody>
       </p:sp>
       <p:cxnSp>
         <p:nvCxnSpPr>
-          <p:cNvPr id="5" name="Straight Connector 4"/>
+          <p:cNvPr id="4" name="Straight Connector 3"/>
           <p:cNvCxnSpPr/>
           <p:nvPr/>
         </p:nvCxnSpPr>
         <p:spPr bwMode="auto">
-          <a:xfrm flipH="1">
-            <a:off x="5191124" y="3248025"/>
-            <a:ext cx="838201" cy="1524000"/>
+          <a:xfrm>
+            <a:off x="4810125" y="3933824"/>
+            <a:ext cx="762000" cy="0"/>
           </a:xfrm>
           <a:prstGeom prst="line">
             <a:avLst/>
@@ -4827,14 +4779,14 @@
       </p:cxnSp>
       <p:cxnSp>
         <p:nvCxnSpPr>
-          <p:cNvPr id="7" name="Straight Connector 6"/>
+          <p:cNvPr id="5" name="Straight Connector 4"/>
           <p:cNvCxnSpPr/>
           <p:nvPr/>
         </p:nvCxnSpPr>
         <p:spPr bwMode="auto">
-          <a:xfrm>
-            <a:off x="4352925" y="3248025"/>
-            <a:ext cx="838201" cy="1524000"/>
+          <a:xfrm flipH="1">
+            <a:off x="4429125" y="3248025"/>
+            <a:ext cx="762000" cy="1295400"/>
           </a:xfrm>
           <a:prstGeom prst="line">
             <a:avLst/>
@@ -4854,23 +4806,45 @@
           <a:effectLst/>
         </p:spPr>
       </p:cxnSp>
+      <p:cxnSp>
+        <p:nvCxnSpPr>
+          <p:cNvPr id="7" name="Straight Connector 6"/>
+          <p:cNvCxnSpPr/>
+          <p:nvPr/>
+        </p:nvCxnSpPr>
+        <p:spPr bwMode="auto">
+          <a:xfrm>
+            <a:off x="5191125" y="3248025"/>
+            <a:ext cx="762000" cy="1295400"/>
+          </a:xfrm>
+          <a:prstGeom prst="line">
+            <a:avLst/>
+          </a:prstGeom>
+          <a:solidFill>
+            <a:srgbClr val="00B8FF"/>
+          </a:solidFill>
+          <a:ln w="76200" cap="flat" cmpd="sng" algn="ctr">
+            <a:solidFill>
+              <a:schemeClr val="tx1"/>
+            </a:solidFill>
+            <a:prstDash val="solid"/>
+            <a:round/>
+            <a:headEnd type="none" w="med" len="med"/>
+            <a:tailEnd type="none" w="med" len="med"/>
+          </a:ln>
+          <a:effectLst/>
+        </p:spPr>
+      </p:cxnSp>
     </p:spTree>
     <p:extLst>
       <p:ext uri="{BB962C8B-B14F-4D97-AF65-F5344CB8AC3E}">
-        <p14:creationId xmlns:p14="http://schemas.microsoft.com/office/powerpoint/2010/main" val="1029695625"/>
+        <p14:creationId xmlns:p14="http://schemas.microsoft.com/office/powerpoint/2010/main" val="701897869"/>
       </p:ext>
     </p:extLst>
   </p:cSld>
   <p:clrMapOvr>
     <a:masterClrMapping/>
   </p:clrMapOvr>
-  <p:timing>
-    <p:tnLst>
-      <p:par>
-        <p:cTn id="1" dur="indefinite" restart="never" nodeType="tmRoot"/>
-      </p:par>
-    </p:tnLst>
-  </p:timing>
 </p:sld>
 </file>
 
@@ -4907,27 +4881,22 @@
           <a:lstStyle/>
           <a:p>
             <a:r>
-              <a:rPr lang="en-US" dirty="0" err="1" smtClean="0"/>
-              <a:t>Ooops</a:t>
-            </a:r>
-            <a:r>
-              <a:rPr lang="en-US" dirty="0" smtClean="0"/>
-              <a:t>..</a:t>
-            </a:r>
-            <a:endParaRPr lang="en-US" dirty="0"/>
+              <a:rPr lang="en-US" dirty="0"/>
+              <a:t>Testing..</a:t>
+            </a:r>
           </a:p>
         </p:txBody>
       </p:sp>
       <p:cxnSp>
         <p:nvCxnSpPr>
-          <p:cNvPr id="4" name="Straight Connector 3"/>
+          <p:cNvPr id="5" name="Straight Connector 4"/>
           <p:cNvCxnSpPr/>
           <p:nvPr/>
         </p:nvCxnSpPr>
         <p:spPr bwMode="auto">
-          <a:xfrm>
-            <a:off x="4772025" y="4352925"/>
-            <a:ext cx="838201" cy="0"/>
+          <a:xfrm flipH="1">
+            <a:off x="5191124" y="3248025"/>
+            <a:ext cx="838201" cy="1524000"/>
           </a:xfrm>
           <a:prstGeom prst="line">
             <a:avLst/>
@@ -4949,14 +4918,14 @@
       </p:cxnSp>
       <p:cxnSp>
         <p:nvCxnSpPr>
-          <p:cNvPr id="6" name="Straight Connector 5"/>
+          <p:cNvPr id="7" name="Straight Connector 6"/>
           <p:cNvCxnSpPr/>
           <p:nvPr/>
         </p:nvCxnSpPr>
         <p:spPr bwMode="auto">
-          <a:xfrm rot="5400000">
-            <a:off x="4086226" y="3667125"/>
-            <a:ext cx="1447799" cy="0"/>
+          <a:xfrm>
+            <a:off x="4352925" y="3248025"/>
+            <a:ext cx="838201" cy="1524000"/>
           </a:xfrm>
           <a:prstGeom prst="line">
             <a:avLst/>
@@ -4979,20 +4948,13 @@
     </p:spTree>
     <p:extLst>
       <p:ext uri="{BB962C8B-B14F-4D97-AF65-F5344CB8AC3E}">
-        <p14:creationId xmlns:p14="http://schemas.microsoft.com/office/powerpoint/2010/main" val="1086295413"/>
+        <p14:creationId xmlns:p14="http://schemas.microsoft.com/office/powerpoint/2010/main" val="703183596"/>
       </p:ext>
     </p:extLst>
   </p:cSld>
   <p:clrMapOvr>
     <a:masterClrMapping/>
   </p:clrMapOvr>
-  <p:timing>
-    <p:tnLst>
-      <p:par>
-        <p:cTn id="1" dur="indefinite" restart="never" nodeType="tmRoot"/>
-      </p:par>
-    </p:tnLst>
-  </p:timing>
 </p:sld>
 </file>
 
@@ -5029,14 +4991,13 @@
           <a:lstStyle/>
           <a:p>
             <a:r>
-              <a:rPr lang="en-US" dirty="0" err="1" smtClean="0"/>
+              <a:rPr lang="en-US" dirty="0" err="1"/>
               <a:t>Ooops</a:t>
             </a:r>
             <a:r>
-              <a:rPr lang="en-US" dirty="0" smtClean="0"/>
+              <a:rPr lang="en-US" dirty="0"/>
               <a:t>..</a:t>
             </a:r>
-            <a:endParaRPr lang="en-US" dirty="0"/>
           </a:p>
         </p:txBody>
       </p:sp>
@@ -5048,7 +5009,7 @@
         </p:nvCxnSpPr>
         <p:spPr bwMode="auto">
           <a:xfrm>
-            <a:off x="4733925" y="3933824"/>
+            <a:off x="4772025" y="4352925"/>
             <a:ext cx="838201" cy="0"/>
           </a:xfrm>
           <a:prstGeom prst="line">
@@ -5077,7 +5038,7 @@
         </p:nvCxnSpPr>
         <p:spPr bwMode="auto">
           <a:xfrm rot="5400000">
-            <a:off x="3476625" y="3971925"/>
+            <a:off x="4086226" y="3667125"/>
             <a:ext cx="1447799" cy="0"/>
           </a:xfrm>
           <a:prstGeom prst="line">
@@ -5101,20 +5062,13 @@
     </p:spTree>
     <p:extLst>
       <p:ext uri="{BB962C8B-B14F-4D97-AF65-F5344CB8AC3E}">
-        <p14:creationId xmlns:p14="http://schemas.microsoft.com/office/powerpoint/2010/main" val="2189967317"/>
+        <p14:creationId xmlns:p14="http://schemas.microsoft.com/office/powerpoint/2010/main" val="4106570296"/>
       </p:ext>
     </p:extLst>
   </p:cSld>
   <p:clrMapOvr>
     <a:masterClrMapping/>
   </p:clrMapOvr>
-  <p:timing>
-    <p:tnLst>
-      <p:par>
-        <p:cTn id="1" dur="indefinite" restart="never" nodeType="tmRoot"/>
-      </p:par>
-    </p:tnLst>
-  </p:timing>
 </p:sld>
 </file>
 
@@ -5151,27 +5105,26 @@
           <a:lstStyle/>
           <a:p>
             <a:r>
-              <a:rPr lang="en-US" dirty="0" err="1" smtClean="0"/>
+              <a:rPr lang="en-US" dirty="0" err="1"/>
               <a:t>Ooops</a:t>
             </a:r>
             <a:r>
-              <a:rPr lang="en-US" dirty="0" smtClean="0"/>
+              <a:rPr lang="en-US" dirty="0"/>
               <a:t>..</a:t>
             </a:r>
-            <a:endParaRPr lang="en-US" dirty="0"/>
           </a:p>
         </p:txBody>
       </p:sp>
       <p:cxnSp>
         <p:nvCxnSpPr>
-          <p:cNvPr id="5" name="Straight Connector 4"/>
+          <p:cNvPr id="4" name="Straight Connector 3"/>
           <p:cNvCxnSpPr/>
           <p:nvPr/>
         </p:nvCxnSpPr>
         <p:spPr bwMode="auto">
-          <a:xfrm flipH="1">
-            <a:off x="4276725" y="2790825"/>
-            <a:ext cx="1143000" cy="1219200"/>
+          <a:xfrm>
+            <a:off x="4733925" y="3933824"/>
+            <a:ext cx="838201" cy="0"/>
           </a:xfrm>
           <a:prstGeom prst="line">
             <a:avLst/>
@@ -5193,14 +5146,14 @@
       </p:cxnSp>
       <p:cxnSp>
         <p:nvCxnSpPr>
-          <p:cNvPr id="7" name="Straight Connector 6"/>
+          <p:cNvPr id="6" name="Straight Connector 5"/>
           <p:cNvCxnSpPr/>
           <p:nvPr/>
         </p:nvCxnSpPr>
         <p:spPr bwMode="auto">
-          <a:xfrm>
-            <a:off x="4886324" y="3324225"/>
-            <a:ext cx="838201" cy="1524000"/>
+          <a:xfrm rot="5400000">
+            <a:off x="3476625" y="3971925"/>
+            <a:ext cx="1447799" cy="0"/>
           </a:xfrm>
           <a:prstGeom prst="line">
             <a:avLst/>
@@ -5223,20 +5176,13 @@
     </p:spTree>
     <p:extLst>
       <p:ext uri="{BB962C8B-B14F-4D97-AF65-F5344CB8AC3E}">
-        <p14:creationId xmlns:p14="http://schemas.microsoft.com/office/powerpoint/2010/main" val="3856816610"/>
+        <p14:creationId xmlns:p14="http://schemas.microsoft.com/office/powerpoint/2010/main" val="506275118"/>
       </p:ext>
     </p:extLst>
   </p:cSld>
   <p:clrMapOvr>
     <a:masterClrMapping/>
   </p:clrMapOvr>
-  <p:timing>
-    <p:tnLst>
-      <p:par>
-        <p:cTn id="1" dur="indefinite" restart="never" nodeType="tmRoot"/>
-      </p:par>
-    </p:tnLst>
-  </p:timing>
 </p:sld>
 </file>
 
@@ -5273,27 +5219,26 @@
           <a:lstStyle/>
           <a:p>
             <a:r>
-              <a:rPr lang="en-US" dirty="0" err="1" smtClean="0"/>
+              <a:rPr lang="en-US" dirty="0" err="1"/>
               <a:t>Ooops</a:t>
             </a:r>
             <a:r>
-              <a:rPr lang="en-US" dirty="0" smtClean="0"/>
+              <a:rPr lang="en-US" dirty="0"/>
               <a:t>..</a:t>
             </a:r>
-            <a:endParaRPr lang="en-US" dirty="0"/>
           </a:p>
         </p:txBody>
       </p:sp>
       <p:cxnSp>
         <p:nvCxnSpPr>
-          <p:cNvPr id="7" name="Straight Connector 6"/>
+          <p:cNvPr id="5" name="Straight Connector 4"/>
           <p:cNvCxnSpPr/>
           <p:nvPr/>
         </p:nvCxnSpPr>
         <p:spPr bwMode="auto">
-          <a:xfrm>
-            <a:off x="4657725" y="3095626"/>
-            <a:ext cx="0" cy="304800"/>
+          <a:xfrm flipH="1">
+            <a:off x="4276725" y="2790825"/>
+            <a:ext cx="1143000" cy="1219200"/>
           </a:xfrm>
           <a:prstGeom prst="line">
             <a:avLst/>
@@ -5315,14 +5260,14 @@
       </p:cxnSp>
       <p:cxnSp>
         <p:nvCxnSpPr>
-          <p:cNvPr id="19" name="Straight Connector 18"/>
+          <p:cNvPr id="7" name="Straight Connector 6"/>
           <p:cNvCxnSpPr/>
           <p:nvPr/>
         </p:nvCxnSpPr>
         <p:spPr bwMode="auto">
           <a:xfrm>
-            <a:off x="4429125" y="3476626"/>
-            <a:ext cx="0" cy="304800"/>
+            <a:off x="4886324" y="3324225"/>
+            <a:ext cx="838201" cy="1524000"/>
           </a:xfrm>
           <a:prstGeom prst="line">
             <a:avLst/>
@@ -5342,342 +5287,16 @@
           <a:effectLst/>
         </p:spPr>
       </p:cxnSp>
-      <p:cxnSp>
-        <p:nvCxnSpPr>
-          <p:cNvPr id="20" name="Straight Connector 19"/>
-          <p:cNvCxnSpPr/>
-          <p:nvPr/>
-        </p:nvCxnSpPr>
-        <p:spPr bwMode="auto">
-          <a:xfrm>
-            <a:off x="4124325" y="3857625"/>
-            <a:ext cx="0" cy="304800"/>
-          </a:xfrm>
-          <a:prstGeom prst="line">
-            <a:avLst/>
-          </a:prstGeom>
-          <a:solidFill>
-            <a:srgbClr val="00B8FF"/>
-          </a:solidFill>
-          <a:ln w="76200" cap="flat" cmpd="sng" algn="ctr">
-            <a:solidFill>
-              <a:schemeClr val="tx1"/>
-            </a:solidFill>
-            <a:prstDash val="solid"/>
-            <a:round/>
-            <a:headEnd type="none" w="med" len="med"/>
-            <a:tailEnd type="none" w="med" len="med"/>
-          </a:ln>
-          <a:effectLst/>
-        </p:spPr>
-      </p:cxnSp>
-      <p:cxnSp>
-        <p:nvCxnSpPr>
-          <p:cNvPr id="21" name="Straight Connector 20"/>
-          <p:cNvCxnSpPr/>
-          <p:nvPr/>
-        </p:nvCxnSpPr>
-        <p:spPr bwMode="auto">
-          <a:xfrm>
-            <a:off x="3895725" y="4314826"/>
-            <a:ext cx="0" cy="304800"/>
-          </a:xfrm>
-          <a:prstGeom prst="line">
-            <a:avLst/>
-          </a:prstGeom>
-          <a:solidFill>
-            <a:srgbClr val="00B8FF"/>
-          </a:solidFill>
-          <a:ln w="76200" cap="flat" cmpd="sng" algn="ctr">
-            <a:solidFill>
-              <a:schemeClr val="tx1"/>
-            </a:solidFill>
-            <a:prstDash val="solid"/>
-            <a:round/>
-            <a:headEnd type="none" w="med" len="med"/>
-            <a:tailEnd type="none" w="med" len="med"/>
-          </a:ln>
-          <a:effectLst/>
-        </p:spPr>
-      </p:cxnSp>
-      <p:cxnSp>
-        <p:nvCxnSpPr>
-          <p:cNvPr id="22" name="Straight Connector 21"/>
-          <p:cNvCxnSpPr/>
-          <p:nvPr/>
-        </p:nvCxnSpPr>
-        <p:spPr bwMode="auto">
-          <a:xfrm>
-            <a:off x="4124325" y="4695826"/>
-            <a:ext cx="0" cy="304800"/>
-          </a:xfrm>
-          <a:prstGeom prst="line">
-            <a:avLst/>
-          </a:prstGeom>
-          <a:solidFill>
-            <a:srgbClr val="00B8FF"/>
-          </a:solidFill>
-          <a:ln w="76200" cap="flat" cmpd="sng" algn="ctr">
-            <a:solidFill>
-              <a:schemeClr val="tx1"/>
-            </a:solidFill>
-            <a:prstDash val="solid"/>
-            <a:round/>
-            <a:headEnd type="none" w="med" len="med"/>
-            <a:tailEnd type="none" w="med" len="med"/>
-          </a:ln>
-          <a:effectLst/>
-        </p:spPr>
-      </p:cxnSp>
-      <p:cxnSp>
-        <p:nvCxnSpPr>
-          <p:cNvPr id="23" name="Straight Connector 22"/>
-          <p:cNvCxnSpPr/>
-          <p:nvPr/>
-        </p:nvCxnSpPr>
-        <p:spPr bwMode="auto">
-          <a:xfrm>
-            <a:off x="4429125" y="5076826"/>
-            <a:ext cx="0" cy="304800"/>
-          </a:xfrm>
-          <a:prstGeom prst="line">
-            <a:avLst/>
-          </a:prstGeom>
-          <a:solidFill>
-            <a:srgbClr val="00B8FF"/>
-          </a:solidFill>
-          <a:ln w="76200" cap="flat" cmpd="sng" algn="ctr">
-            <a:solidFill>
-              <a:schemeClr val="tx1"/>
-            </a:solidFill>
-            <a:prstDash val="solid"/>
-            <a:round/>
-            <a:headEnd type="none" w="med" len="med"/>
-            <a:tailEnd type="none" w="med" len="med"/>
-          </a:ln>
-          <a:effectLst/>
-        </p:spPr>
-      </p:cxnSp>
-      <p:cxnSp>
-        <p:nvCxnSpPr>
-          <p:cNvPr id="24" name="Straight Connector 23"/>
-          <p:cNvCxnSpPr/>
-          <p:nvPr/>
-        </p:nvCxnSpPr>
-        <p:spPr bwMode="auto">
-          <a:xfrm>
-            <a:off x="4657725" y="5457825"/>
-            <a:ext cx="0" cy="304800"/>
-          </a:xfrm>
-          <a:prstGeom prst="line">
-            <a:avLst/>
-          </a:prstGeom>
-          <a:solidFill>
-            <a:srgbClr val="00B8FF"/>
-          </a:solidFill>
-          <a:ln w="76200" cap="flat" cmpd="sng" algn="ctr">
-            <a:solidFill>
-              <a:schemeClr val="tx1"/>
-            </a:solidFill>
-            <a:prstDash val="solid"/>
-            <a:round/>
-            <a:headEnd type="none" w="med" len="med"/>
-            <a:tailEnd type="none" w="med" len="med"/>
-          </a:ln>
-          <a:effectLst/>
-        </p:spPr>
-      </p:cxnSp>
-      <p:cxnSp>
-        <p:nvCxnSpPr>
-          <p:cNvPr id="26" name="Straight Connector 25"/>
-          <p:cNvCxnSpPr/>
-          <p:nvPr/>
-        </p:nvCxnSpPr>
-        <p:spPr bwMode="auto">
-          <a:xfrm>
-            <a:off x="3667125" y="3095626"/>
-            <a:ext cx="0" cy="304800"/>
-          </a:xfrm>
-          <a:prstGeom prst="line">
-            <a:avLst/>
-          </a:prstGeom>
-          <a:solidFill>
-            <a:srgbClr val="00B8FF"/>
-          </a:solidFill>
-          <a:ln w="76200" cap="flat" cmpd="sng" algn="ctr">
-            <a:solidFill>
-              <a:schemeClr val="tx1"/>
-            </a:solidFill>
-            <a:prstDash val="solid"/>
-            <a:round/>
-            <a:headEnd type="none" w="med" len="med"/>
-            <a:tailEnd type="none" w="med" len="med"/>
-          </a:ln>
-          <a:effectLst/>
-        </p:spPr>
-      </p:cxnSp>
-      <p:cxnSp>
-        <p:nvCxnSpPr>
-          <p:cNvPr id="27" name="Straight Connector 26"/>
-          <p:cNvCxnSpPr/>
-          <p:nvPr/>
-        </p:nvCxnSpPr>
-        <p:spPr bwMode="auto">
-          <a:xfrm>
-            <a:off x="3667125" y="3552825"/>
-            <a:ext cx="0" cy="304800"/>
-          </a:xfrm>
-          <a:prstGeom prst="line">
-            <a:avLst/>
-          </a:prstGeom>
-          <a:solidFill>
-            <a:srgbClr val="00B8FF"/>
-          </a:solidFill>
-          <a:ln w="76200" cap="flat" cmpd="sng" algn="ctr">
-            <a:solidFill>
-              <a:schemeClr val="tx1"/>
-            </a:solidFill>
-            <a:prstDash val="solid"/>
-            <a:round/>
-            <a:headEnd type="none" w="med" len="med"/>
-            <a:tailEnd type="none" w="med" len="med"/>
-          </a:ln>
-          <a:effectLst/>
-        </p:spPr>
-      </p:cxnSp>
-      <p:cxnSp>
-        <p:nvCxnSpPr>
-          <p:cNvPr id="28" name="Straight Connector 27"/>
-          <p:cNvCxnSpPr/>
-          <p:nvPr/>
-        </p:nvCxnSpPr>
-        <p:spPr bwMode="auto">
-          <a:xfrm>
-            <a:off x="3667125" y="4010026"/>
-            <a:ext cx="0" cy="304800"/>
-          </a:xfrm>
-          <a:prstGeom prst="line">
-            <a:avLst/>
-          </a:prstGeom>
-          <a:solidFill>
-            <a:srgbClr val="00B8FF"/>
-          </a:solidFill>
-          <a:ln w="76200" cap="flat" cmpd="sng" algn="ctr">
-            <a:solidFill>
-              <a:schemeClr val="tx1"/>
-            </a:solidFill>
-            <a:prstDash val="solid"/>
-            <a:round/>
-            <a:headEnd type="none" w="med" len="med"/>
-            <a:tailEnd type="none" w="med" len="med"/>
-          </a:ln>
-          <a:effectLst/>
-        </p:spPr>
-      </p:cxnSp>
-      <p:cxnSp>
-        <p:nvCxnSpPr>
-          <p:cNvPr id="29" name="Straight Connector 28"/>
-          <p:cNvCxnSpPr/>
-          <p:nvPr/>
-        </p:nvCxnSpPr>
-        <p:spPr bwMode="auto">
-          <a:xfrm>
-            <a:off x="3667125" y="4543425"/>
-            <a:ext cx="0" cy="304800"/>
-          </a:xfrm>
-          <a:prstGeom prst="line">
-            <a:avLst/>
-          </a:prstGeom>
-          <a:solidFill>
-            <a:srgbClr val="00B8FF"/>
-          </a:solidFill>
-          <a:ln w="76200" cap="flat" cmpd="sng" algn="ctr">
-            <a:solidFill>
-              <a:schemeClr val="tx1"/>
-            </a:solidFill>
-            <a:prstDash val="solid"/>
-            <a:round/>
-            <a:headEnd type="none" w="med" len="med"/>
-            <a:tailEnd type="none" w="med" len="med"/>
-          </a:ln>
-          <a:effectLst/>
-        </p:spPr>
-      </p:cxnSp>
-      <p:cxnSp>
-        <p:nvCxnSpPr>
-          <p:cNvPr id="30" name="Straight Connector 29"/>
-          <p:cNvCxnSpPr/>
-          <p:nvPr/>
-        </p:nvCxnSpPr>
-        <p:spPr bwMode="auto">
-          <a:xfrm>
-            <a:off x="3667125" y="5000626"/>
-            <a:ext cx="0" cy="304800"/>
-          </a:xfrm>
-          <a:prstGeom prst="line">
-            <a:avLst/>
-          </a:prstGeom>
-          <a:solidFill>
-            <a:srgbClr val="00B8FF"/>
-          </a:solidFill>
-          <a:ln w="76200" cap="flat" cmpd="sng" algn="ctr">
-            <a:solidFill>
-              <a:schemeClr val="tx1"/>
-            </a:solidFill>
-            <a:prstDash val="solid"/>
-            <a:round/>
-            <a:headEnd type="none" w="med" len="med"/>
-            <a:tailEnd type="none" w="med" len="med"/>
-          </a:ln>
-          <a:effectLst/>
-        </p:spPr>
-      </p:cxnSp>
-      <p:cxnSp>
-        <p:nvCxnSpPr>
-          <p:cNvPr id="31" name="Straight Connector 30"/>
-          <p:cNvCxnSpPr/>
-          <p:nvPr/>
-        </p:nvCxnSpPr>
-        <p:spPr bwMode="auto">
-          <a:xfrm>
-            <a:off x="3667125" y="5457825"/>
-            <a:ext cx="0" cy="304800"/>
-          </a:xfrm>
-          <a:prstGeom prst="line">
-            <a:avLst/>
-          </a:prstGeom>
-          <a:solidFill>
-            <a:srgbClr val="00B8FF"/>
-          </a:solidFill>
-          <a:ln w="76200" cap="flat" cmpd="sng" algn="ctr">
-            <a:solidFill>
-              <a:schemeClr val="tx1"/>
-            </a:solidFill>
-            <a:prstDash val="solid"/>
-            <a:round/>
-            <a:headEnd type="none" w="med" len="med"/>
-            <a:tailEnd type="none" w="med" len="med"/>
-          </a:ln>
-          <a:effectLst/>
-        </p:spPr>
-      </p:cxnSp>
     </p:spTree>
     <p:extLst>
       <p:ext uri="{BB962C8B-B14F-4D97-AF65-F5344CB8AC3E}">
-        <p14:creationId xmlns:p14="http://schemas.microsoft.com/office/powerpoint/2010/main" val="132144099"/>
+        <p14:creationId xmlns:p14="http://schemas.microsoft.com/office/powerpoint/2010/main" val="3065499380"/>
       </p:ext>
     </p:extLst>
   </p:cSld>
   <p:clrMapOvr>
     <a:masterClrMapping/>
   </p:clrMapOvr>
-  <p:timing>
-    <p:tnLst>
-      <p:par>
-        <p:cTn id="1" dur="indefinite" restart="never" nodeType="tmRoot"/>
-      </p:par>
-    </p:tnLst>
-  </p:timing>
 </p:sld>
 </file>
 
@@ -5714,10 +5333,9 @@
           <a:lstStyle/>
           <a:p>
             <a:r>
-              <a:rPr lang="en-US" dirty="0" smtClean="0"/>
+              <a:rPr lang="en-US" dirty="0"/>
               <a:t>The Basic Unit of Cognition!?</a:t>
             </a:r>
-            <a:endParaRPr lang="en-US" dirty="0"/>
           </a:p>
         </p:txBody>
       </p:sp>
@@ -5759,13 +5377,6 @@
   <p:clrMapOvr>
     <a:masterClrMapping/>
   </p:clrMapOvr>
-  <p:timing>
-    <p:tnLst>
-      <p:par>
-        <p:cTn id="1" dur="indefinite" restart="never" nodeType="tmRoot"/>
-      </p:par>
-    </p:tnLst>
-  </p:timing>
 </p:sld>
 </file>
 
@@ -5802,46 +5413,397 @@
           <a:lstStyle/>
           <a:p>
             <a:r>
-              <a:rPr lang="en-US" dirty="0" smtClean="0"/>
-              <a:t>Coarse Coding Efficiency</a:t>
-            </a:r>
-            <a:endParaRPr lang="en-US" dirty="0"/>
-          </a:p>
-        </p:txBody>
-      </p:sp>
-      <p:pic>
-        <p:nvPicPr>
-          <p:cNvPr id="4" name="Content Placeholder 3"/>
-          <p:cNvPicPr>
-            <a:picLocks noGrp="1" noChangeAspect="1"/>
-          </p:cNvPicPr>
-          <p:nvPr>
-            <p:ph idx="1"/>
-          </p:nvPr>
-        </p:nvPicPr>
-        <p:blipFill>
-          <a:blip r:embed="rId2">
-            <a:extLst>
-              <a:ext uri="{28A0092B-C50C-407E-A947-70E740481C1C}">
-                <a14:useLocalDpi xmlns:a14="http://schemas.microsoft.com/office/drawing/2010/main" val="0"/>
-              </a:ext>
-            </a:extLst>
-          </a:blip>
-          <a:stretch>
-            <a:fillRect/>
-          </a:stretch>
-        </p:blipFill>
-        <p:spPr>
+              <a:rPr lang="en-US" dirty="0" err="1"/>
+              <a:t>Ooops</a:t>
+            </a:r>
+            <a:r>
+              <a:rPr lang="en-US" dirty="0"/>
+              <a:t>..</a:t>
+            </a:r>
+          </a:p>
+        </p:txBody>
+      </p:sp>
+      <p:cxnSp>
+        <p:nvCxnSpPr>
+          <p:cNvPr id="7" name="Straight Connector 6"/>
+          <p:cNvCxnSpPr/>
+          <p:nvPr/>
+        </p:nvCxnSpPr>
+        <p:spPr bwMode="auto">
           <a:xfrm>
-            <a:off x="2066924" y="2266395"/>
-            <a:ext cx="5867401" cy="2235845"/>
-          </a:xfrm>
-        </p:spPr>
-      </p:pic>
+            <a:off x="4657725" y="3095626"/>
+            <a:ext cx="0" cy="304800"/>
+          </a:xfrm>
+          <a:prstGeom prst="line">
+            <a:avLst/>
+          </a:prstGeom>
+          <a:solidFill>
+            <a:srgbClr val="00B8FF"/>
+          </a:solidFill>
+          <a:ln w="76200" cap="flat" cmpd="sng" algn="ctr">
+            <a:solidFill>
+              <a:schemeClr val="tx1"/>
+            </a:solidFill>
+            <a:prstDash val="solid"/>
+            <a:round/>
+            <a:headEnd type="none" w="med" len="med"/>
+            <a:tailEnd type="none" w="med" len="med"/>
+          </a:ln>
+          <a:effectLst/>
+        </p:spPr>
+      </p:cxnSp>
+      <p:cxnSp>
+        <p:nvCxnSpPr>
+          <p:cNvPr id="19" name="Straight Connector 18"/>
+          <p:cNvCxnSpPr/>
+          <p:nvPr/>
+        </p:nvCxnSpPr>
+        <p:spPr bwMode="auto">
+          <a:xfrm>
+            <a:off x="4429125" y="3476626"/>
+            <a:ext cx="0" cy="304800"/>
+          </a:xfrm>
+          <a:prstGeom prst="line">
+            <a:avLst/>
+          </a:prstGeom>
+          <a:solidFill>
+            <a:srgbClr val="00B8FF"/>
+          </a:solidFill>
+          <a:ln w="76200" cap="flat" cmpd="sng" algn="ctr">
+            <a:solidFill>
+              <a:schemeClr val="tx1"/>
+            </a:solidFill>
+            <a:prstDash val="solid"/>
+            <a:round/>
+            <a:headEnd type="none" w="med" len="med"/>
+            <a:tailEnd type="none" w="med" len="med"/>
+          </a:ln>
+          <a:effectLst/>
+        </p:spPr>
+      </p:cxnSp>
+      <p:cxnSp>
+        <p:nvCxnSpPr>
+          <p:cNvPr id="20" name="Straight Connector 19"/>
+          <p:cNvCxnSpPr/>
+          <p:nvPr/>
+        </p:nvCxnSpPr>
+        <p:spPr bwMode="auto">
+          <a:xfrm>
+            <a:off x="4124325" y="3857625"/>
+            <a:ext cx="0" cy="304800"/>
+          </a:xfrm>
+          <a:prstGeom prst="line">
+            <a:avLst/>
+          </a:prstGeom>
+          <a:solidFill>
+            <a:srgbClr val="00B8FF"/>
+          </a:solidFill>
+          <a:ln w="76200" cap="flat" cmpd="sng" algn="ctr">
+            <a:solidFill>
+              <a:schemeClr val="tx1"/>
+            </a:solidFill>
+            <a:prstDash val="solid"/>
+            <a:round/>
+            <a:headEnd type="none" w="med" len="med"/>
+            <a:tailEnd type="none" w="med" len="med"/>
+          </a:ln>
+          <a:effectLst/>
+        </p:spPr>
+      </p:cxnSp>
+      <p:cxnSp>
+        <p:nvCxnSpPr>
+          <p:cNvPr id="21" name="Straight Connector 20"/>
+          <p:cNvCxnSpPr/>
+          <p:nvPr/>
+        </p:nvCxnSpPr>
+        <p:spPr bwMode="auto">
+          <a:xfrm>
+            <a:off x="3895725" y="4314826"/>
+            <a:ext cx="0" cy="304800"/>
+          </a:xfrm>
+          <a:prstGeom prst="line">
+            <a:avLst/>
+          </a:prstGeom>
+          <a:solidFill>
+            <a:srgbClr val="00B8FF"/>
+          </a:solidFill>
+          <a:ln w="76200" cap="flat" cmpd="sng" algn="ctr">
+            <a:solidFill>
+              <a:schemeClr val="tx1"/>
+            </a:solidFill>
+            <a:prstDash val="solid"/>
+            <a:round/>
+            <a:headEnd type="none" w="med" len="med"/>
+            <a:tailEnd type="none" w="med" len="med"/>
+          </a:ln>
+          <a:effectLst/>
+        </p:spPr>
+      </p:cxnSp>
+      <p:cxnSp>
+        <p:nvCxnSpPr>
+          <p:cNvPr id="22" name="Straight Connector 21"/>
+          <p:cNvCxnSpPr/>
+          <p:nvPr/>
+        </p:nvCxnSpPr>
+        <p:spPr bwMode="auto">
+          <a:xfrm>
+            <a:off x="4124325" y="4695826"/>
+            <a:ext cx="0" cy="304800"/>
+          </a:xfrm>
+          <a:prstGeom prst="line">
+            <a:avLst/>
+          </a:prstGeom>
+          <a:solidFill>
+            <a:srgbClr val="00B8FF"/>
+          </a:solidFill>
+          <a:ln w="76200" cap="flat" cmpd="sng" algn="ctr">
+            <a:solidFill>
+              <a:schemeClr val="tx1"/>
+            </a:solidFill>
+            <a:prstDash val="solid"/>
+            <a:round/>
+            <a:headEnd type="none" w="med" len="med"/>
+            <a:tailEnd type="none" w="med" len="med"/>
+          </a:ln>
+          <a:effectLst/>
+        </p:spPr>
+      </p:cxnSp>
+      <p:cxnSp>
+        <p:nvCxnSpPr>
+          <p:cNvPr id="23" name="Straight Connector 22"/>
+          <p:cNvCxnSpPr/>
+          <p:nvPr/>
+        </p:nvCxnSpPr>
+        <p:spPr bwMode="auto">
+          <a:xfrm>
+            <a:off x="4429125" y="5076826"/>
+            <a:ext cx="0" cy="304800"/>
+          </a:xfrm>
+          <a:prstGeom prst="line">
+            <a:avLst/>
+          </a:prstGeom>
+          <a:solidFill>
+            <a:srgbClr val="00B8FF"/>
+          </a:solidFill>
+          <a:ln w="76200" cap="flat" cmpd="sng" algn="ctr">
+            <a:solidFill>
+              <a:schemeClr val="tx1"/>
+            </a:solidFill>
+            <a:prstDash val="solid"/>
+            <a:round/>
+            <a:headEnd type="none" w="med" len="med"/>
+            <a:tailEnd type="none" w="med" len="med"/>
+          </a:ln>
+          <a:effectLst/>
+        </p:spPr>
+      </p:cxnSp>
+      <p:cxnSp>
+        <p:nvCxnSpPr>
+          <p:cNvPr id="24" name="Straight Connector 23"/>
+          <p:cNvCxnSpPr/>
+          <p:nvPr/>
+        </p:nvCxnSpPr>
+        <p:spPr bwMode="auto">
+          <a:xfrm>
+            <a:off x="4657725" y="5457825"/>
+            <a:ext cx="0" cy="304800"/>
+          </a:xfrm>
+          <a:prstGeom prst="line">
+            <a:avLst/>
+          </a:prstGeom>
+          <a:solidFill>
+            <a:srgbClr val="00B8FF"/>
+          </a:solidFill>
+          <a:ln w="76200" cap="flat" cmpd="sng" algn="ctr">
+            <a:solidFill>
+              <a:schemeClr val="tx1"/>
+            </a:solidFill>
+            <a:prstDash val="solid"/>
+            <a:round/>
+            <a:headEnd type="none" w="med" len="med"/>
+            <a:tailEnd type="none" w="med" len="med"/>
+          </a:ln>
+          <a:effectLst/>
+        </p:spPr>
+      </p:cxnSp>
+      <p:cxnSp>
+        <p:nvCxnSpPr>
+          <p:cNvPr id="26" name="Straight Connector 25"/>
+          <p:cNvCxnSpPr/>
+          <p:nvPr/>
+        </p:nvCxnSpPr>
+        <p:spPr bwMode="auto">
+          <a:xfrm>
+            <a:off x="3667125" y="3095626"/>
+            <a:ext cx="0" cy="304800"/>
+          </a:xfrm>
+          <a:prstGeom prst="line">
+            <a:avLst/>
+          </a:prstGeom>
+          <a:solidFill>
+            <a:srgbClr val="00B8FF"/>
+          </a:solidFill>
+          <a:ln w="76200" cap="flat" cmpd="sng" algn="ctr">
+            <a:solidFill>
+              <a:schemeClr val="tx1"/>
+            </a:solidFill>
+            <a:prstDash val="solid"/>
+            <a:round/>
+            <a:headEnd type="none" w="med" len="med"/>
+            <a:tailEnd type="none" w="med" len="med"/>
+          </a:ln>
+          <a:effectLst/>
+        </p:spPr>
+      </p:cxnSp>
+      <p:cxnSp>
+        <p:nvCxnSpPr>
+          <p:cNvPr id="27" name="Straight Connector 26"/>
+          <p:cNvCxnSpPr/>
+          <p:nvPr/>
+        </p:nvCxnSpPr>
+        <p:spPr bwMode="auto">
+          <a:xfrm>
+            <a:off x="3667125" y="3552825"/>
+            <a:ext cx="0" cy="304800"/>
+          </a:xfrm>
+          <a:prstGeom prst="line">
+            <a:avLst/>
+          </a:prstGeom>
+          <a:solidFill>
+            <a:srgbClr val="00B8FF"/>
+          </a:solidFill>
+          <a:ln w="76200" cap="flat" cmpd="sng" algn="ctr">
+            <a:solidFill>
+              <a:schemeClr val="tx1"/>
+            </a:solidFill>
+            <a:prstDash val="solid"/>
+            <a:round/>
+            <a:headEnd type="none" w="med" len="med"/>
+            <a:tailEnd type="none" w="med" len="med"/>
+          </a:ln>
+          <a:effectLst/>
+        </p:spPr>
+      </p:cxnSp>
+      <p:cxnSp>
+        <p:nvCxnSpPr>
+          <p:cNvPr id="28" name="Straight Connector 27"/>
+          <p:cNvCxnSpPr/>
+          <p:nvPr/>
+        </p:nvCxnSpPr>
+        <p:spPr bwMode="auto">
+          <a:xfrm>
+            <a:off x="3667125" y="4010026"/>
+            <a:ext cx="0" cy="304800"/>
+          </a:xfrm>
+          <a:prstGeom prst="line">
+            <a:avLst/>
+          </a:prstGeom>
+          <a:solidFill>
+            <a:srgbClr val="00B8FF"/>
+          </a:solidFill>
+          <a:ln w="76200" cap="flat" cmpd="sng" algn="ctr">
+            <a:solidFill>
+              <a:schemeClr val="tx1"/>
+            </a:solidFill>
+            <a:prstDash val="solid"/>
+            <a:round/>
+            <a:headEnd type="none" w="med" len="med"/>
+            <a:tailEnd type="none" w="med" len="med"/>
+          </a:ln>
+          <a:effectLst/>
+        </p:spPr>
+      </p:cxnSp>
+      <p:cxnSp>
+        <p:nvCxnSpPr>
+          <p:cNvPr id="29" name="Straight Connector 28"/>
+          <p:cNvCxnSpPr/>
+          <p:nvPr/>
+        </p:nvCxnSpPr>
+        <p:spPr bwMode="auto">
+          <a:xfrm>
+            <a:off x="3667125" y="4543425"/>
+            <a:ext cx="0" cy="304800"/>
+          </a:xfrm>
+          <a:prstGeom prst="line">
+            <a:avLst/>
+          </a:prstGeom>
+          <a:solidFill>
+            <a:srgbClr val="00B8FF"/>
+          </a:solidFill>
+          <a:ln w="76200" cap="flat" cmpd="sng" algn="ctr">
+            <a:solidFill>
+              <a:schemeClr val="tx1"/>
+            </a:solidFill>
+            <a:prstDash val="solid"/>
+            <a:round/>
+            <a:headEnd type="none" w="med" len="med"/>
+            <a:tailEnd type="none" w="med" len="med"/>
+          </a:ln>
+          <a:effectLst/>
+        </p:spPr>
+      </p:cxnSp>
+      <p:cxnSp>
+        <p:nvCxnSpPr>
+          <p:cNvPr id="30" name="Straight Connector 29"/>
+          <p:cNvCxnSpPr/>
+          <p:nvPr/>
+        </p:nvCxnSpPr>
+        <p:spPr bwMode="auto">
+          <a:xfrm>
+            <a:off x="3667125" y="5000626"/>
+            <a:ext cx="0" cy="304800"/>
+          </a:xfrm>
+          <a:prstGeom prst="line">
+            <a:avLst/>
+          </a:prstGeom>
+          <a:solidFill>
+            <a:srgbClr val="00B8FF"/>
+          </a:solidFill>
+          <a:ln w="76200" cap="flat" cmpd="sng" algn="ctr">
+            <a:solidFill>
+              <a:schemeClr val="tx1"/>
+            </a:solidFill>
+            <a:prstDash val="solid"/>
+            <a:round/>
+            <a:headEnd type="none" w="med" len="med"/>
+            <a:tailEnd type="none" w="med" len="med"/>
+          </a:ln>
+          <a:effectLst/>
+        </p:spPr>
+      </p:cxnSp>
+      <p:cxnSp>
+        <p:nvCxnSpPr>
+          <p:cNvPr id="31" name="Straight Connector 30"/>
+          <p:cNvCxnSpPr/>
+          <p:nvPr/>
+        </p:nvCxnSpPr>
+        <p:spPr bwMode="auto">
+          <a:xfrm>
+            <a:off x="3667125" y="5457825"/>
+            <a:ext cx="0" cy="304800"/>
+          </a:xfrm>
+          <a:prstGeom prst="line">
+            <a:avLst/>
+          </a:prstGeom>
+          <a:solidFill>
+            <a:srgbClr val="00B8FF"/>
+          </a:solidFill>
+          <a:ln w="76200" cap="flat" cmpd="sng" algn="ctr">
+            <a:solidFill>
+              <a:schemeClr val="tx1"/>
+            </a:solidFill>
+            <a:prstDash val="solid"/>
+            <a:round/>
+            <a:headEnd type="none" w="med" len="med"/>
+            <a:tailEnd type="none" w="med" len="med"/>
+          </a:ln>
+          <a:effectLst/>
+        </p:spPr>
+      </p:cxnSp>
     </p:spTree>
     <p:extLst>
       <p:ext uri="{BB962C8B-B14F-4D97-AF65-F5344CB8AC3E}">
-        <p14:creationId xmlns:p14="http://schemas.microsoft.com/office/powerpoint/2010/main" val="1226658017"/>
+        <p14:creationId xmlns:p14="http://schemas.microsoft.com/office/powerpoint/2010/main" val="3379414471"/>
       </p:ext>
     </p:extLst>
   </p:cSld>
@@ -5884,46 +5846,77 @@
           <a:lstStyle/>
           <a:p>
             <a:r>
-              <a:rPr lang="en-US" dirty="0" smtClean="0"/>
-              <a:t>Hierarchy of Categories</a:t>
-            </a:r>
+              <a:rPr lang="en-US" dirty="0"/>
+              <a:t>Detector Summary</a:t>
+            </a:r>
+          </a:p>
+        </p:txBody>
+      </p:sp>
+      <p:sp>
+        <p:nvSpPr>
+          <p:cNvPr id="3" name="Content Placeholder 2"/>
+          <p:cNvSpPr>
+            <a:spLocks noGrp="1"/>
+          </p:cNvSpPr>
+          <p:nvPr>
+            <p:ph idx="1"/>
+          </p:nvPr>
+        </p:nvSpPr>
+        <p:spPr/>
+        <p:txBody>
+          <a:bodyPr/>
+          <a:lstStyle/>
+          <a:p>
+            <a:r>
+              <a:rPr lang="en-US" dirty="0"/>
+              <a:t>Maybe you can see how collective action of many detectors, organized </a:t>
+            </a:r>
+            <a:r>
+              <a:rPr lang="en-US" i="1" dirty="0"/>
+              <a:t>hierarchically</a:t>
+            </a:r>
+            <a:r>
+              <a:rPr lang="en-US" dirty="0"/>
+              <a:t>, could achieve more complex cognition?</a:t>
+            </a:r>
+          </a:p>
+          <a:p>
+            <a:r>
+              <a:rPr lang="en-US" dirty="0"/>
+              <a:t>But detection needs to be more sophisticated to avoid certain problems:</a:t>
+            </a:r>
+          </a:p>
+          <a:p>
+            <a:pPr lvl="1"/>
+            <a:r>
+              <a:rPr lang="en-US" dirty="0"/>
+              <a:t>Combinatorial explosion of detectors required for each possible different feature</a:t>
+            </a:r>
+          </a:p>
+          <a:p>
+            <a:pPr lvl="1"/>
+            <a:r>
+              <a:rPr lang="en-US" dirty="0"/>
+              <a:t>Exponentially worse with </a:t>
+            </a:r>
+            <a:r>
+              <a:rPr lang="en-US" i="1" dirty="0"/>
+              <a:t>combinations</a:t>
+            </a:r>
+            <a:r>
+              <a:rPr lang="en-US" dirty="0"/>
+              <a:t> of features!</a:t>
+            </a:r>
+          </a:p>
+          <a:p>
             <a:endParaRPr lang="en-US" dirty="0"/>
           </a:p>
         </p:txBody>
       </p:sp>
-      <p:pic>
-        <p:nvPicPr>
-          <p:cNvPr id="4" name="Content Placeholder 3"/>
-          <p:cNvPicPr>
-            <a:picLocks noGrp="1" noChangeAspect="1"/>
-          </p:cNvPicPr>
-          <p:nvPr>
-            <p:ph idx="1"/>
-          </p:nvPr>
-        </p:nvPicPr>
-        <p:blipFill>
-          <a:blip r:embed="rId2">
-            <a:extLst>
-              <a:ext uri="{28A0092B-C50C-407E-A947-70E740481C1C}">
-                <a14:useLocalDpi xmlns:a14="http://schemas.microsoft.com/office/drawing/2010/main" val="0"/>
-              </a:ext>
-            </a:extLst>
-          </a:blip>
-          <a:stretch>
-            <a:fillRect/>
-          </a:stretch>
-        </p:blipFill>
-        <p:spPr>
-          <a:xfrm>
-            <a:off x="466725" y="1819008"/>
-            <a:ext cx="9067800" cy="2886177"/>
-          </a:xfrm>
-        </p:spPr>
-      </p:pic>
     </p:spTree>
     <p:extLst>
       <p:ext uri="{BB962C8B-B14F-4D97-AF65-F5344CB8AC3E}">
-        <p14:creationId xmlns:p14="http://schemas.microsoft.com/office/powerpoint/2010/main" val="1010247657"/>
+        <p14:creationId xmlns:p14="http://schemas.microsoft.com/office/powerpoint/2010/main" val="3613582171"/>
       </p:ext>
     </p:extLst>
   </p:cSld>
@@ -5960,75 +5953,116 @@
             <p:ph type="title"/>
           </p:nvPr>
         </p:nvSpPr>
-        <p:spPr/>
+        <p:spPr>
+          <a:xfrm>
+            <a:off x="503240" y="301626"/>
+            <a:ext cx="9067799" cy="965200"/>
+          </a:xfrm>
+        </p:spPr>
         <p:txBody>
           <a:bodyPr/>
           <a:lstStyle/>
           <a:p>
             <a:r>
-              <a:rPr lang="en-US" dirty="0" smtClean="0"/>
-              <a:t>Pandemonium Summary</a:t>
-            </a:r>
+              <a:rPr lang="en-US" dirty="0"/>
+              <a:t>Coarse Coding Efficiency</a:t>
+            </a:r>
+          </a:p>
+        </p:txBody>
+      </p:sp>
+      <p:pic>
+        <p:nvPicPr>
+          <p:cNvPr id="4" name="Content Placeholder 3"/>
+          <p:cNvPicPr>
+            <a:picLocks noGrp="1" noChangeAspect="1"/>
+          </p:cNvPicPr>
+          <p:nvPr>
+            <p:ph idx="1"/>
+          </p:nvPr>
+        </p:nvPicPr>
+        <p:blipFill>
+          <a:blip r:embed="rId3"/>
+          <a:srcRect/>
+          <a:stretch/>
+        </p:blipFill>
+        <p:spPr>
+          <a:xfrm>
+            <a:off x="503240" y="1272514"/>
+            <a:ext cx="9067799" cy="3444019"/>
+          </a:xfrm>
+        </p:spPr>
+      </p:pic>
+      <p:sp>
+        <p:nvSpPr>
+          <p:cNvPr id="3" name="TextBox 2">
+            <a:extLst>
+              <a:ext uri="{FF2B5EF4-FFF2-40B4-BE49-F238E27FC236}">
+                <a16:creationId xmlns:a16="http://schemas.microsoft.com/office/drawing/2014/main" id="{BEA44238-0CA9-4045-8B0B-23ED374A0056}"/>
+              </a:ext>
+            </a:extLst>
+          </p:cNvPr>
+          <p:cNvSpPr txBox="1"/>
+          <p:nvPr/>
+        </p:nvSpPr>
+        <p:spPr>
+          <a:xfrm>
+            <a:off x="515813" y="4924425"/>
+            <a:ext cx="9067799" cy="2262222"/>
+          </a:xfrm>
+          <a:prstGeom prst="rect">
+            <a:avLst/>
+          </a:prstGeom>
+          <a:noFill/>
+        </p:spPr>
+        <p:txBody>
+          <a:bodyPr wrap="square" rtlCol="0">
+            <a:spAutoFit/>
+          </a:bodyPr>
+          <a:lstStyle/>
+          <a:p>
+            <a:r>
+              <a:rPr lang="en-US" sz="2800" dirty="0"/>
+              <a:t>Key idea: each neuron can cover a large space by responding in a graded way</a:t>
+            </a:r>
+          </a:p>
+          <a:p>
             <a:endParaRPr lang="en-US" dirty="0"/>
           </a:p>
-        </p:txBody>
-      </p:sp>
-      <p:sp>
-        <p:nvSpPr>
-          <p:cNvPr id="3" name="Content Placeholder 2"/>
-          <p:cNvSpPr>
-            <a:spLocks noGrp="1"/>
-          </p:cNvSpPr>
-          <p:nvPr>
-            <p:ph idx="1"/>
-          </p:nvPr>
-        </p:nvSpPr>
-        <p:spPr/>
-        <p:txBody>
-          <a:bodyPr/>
-          <a:lstStyle/>
-          <a:p>
-            <a:r>
-              <a:rPr lang="en-US" dirty="0" smtClean="0"/>
-              <a:t>Maybe you can see how collective action of many detectors, organized </a:t>
-            </a:r>
-            <a:r>
-              <a:rPr lang="en-US" i="1" dirty="0" smtClean="0"/>
-              <a:t>hierarchically</a:t>
-            </a:r>
-            <a:r>
-              <a:rPr lang="en-US" dirty="0" smtClean="0"/>
-              <a:t>, could achieve more complex cognition?</a:t>
-            </a:r>
-          </a:p>
-          <a:p>
-            <a:r>
-              <a:rPr lang="en-US" dirty="0" smtClean="0"/>
-              <a:t>But detection needs to be a lot more sophisticated..</a:t>
-            </a:r>
-          </a:p>
-          <a:p>
-            <a:endParaRPr lang="en-US" dirty="0"/>
+          <a:p>
+            <a:r>
+              <a:rPr lang="en-US" sz="2800" dirty="0"/>
+              <a:t>This also works for combinations across multiple dims!</a:t>
+            </a:r>
+          </a:p>
+          <a:p>
+            <a:endParaRPr lang="en-US" sz="1600" dirty="0"/>
+          </a:p>
+          <a:p>
+            <a:r>
+              <a:rPr lang="en-US" sz="2800" dirty="0"/>
+              <a:t>See </a:t>
+            </a:r>
+            <a:r>
+              <a:rPr lang="en-US" sz="2800" dirty="0" err="1"/>
+              <a:t>objrec</a:t>
+            </a:r>
+            <a:r>
+              <a:rPr lang="en-US" sz="2800" dirty="0"/>
+              <a:t> simulation in Chapter 6</a:t>
+            </a:r>
           </a:p>
         </p:txBody>
       </p:sp>
     </p:spTree>
     <p:extLst>
       <p:ext uri="{BB962C8B-B14F-4D97-AF65-F5344CB8AC3E}">
-        <p14:creationId xmlns:p14="http://schemas.microsoft.com/office/powerpoint/2010/main" val="3613582171"/>
+        <p14:creationId xmlns:p14="http://schemas.microsoft.com/office/powerpoint/2010/main" val="1226658017"/>
       </p:ext>
     </p:extLst>
   </p:cSld>
   <p:clrMapOvr>
     <a:masterClrMapping/>
   </p:clrMapOvr>
-  <p:timing>
-    <p:tnLst>
-      <p:par>
-        <p:cTn id="1" dur="indefinite" restart="never" nodeType="tmRoot"/>
-      </p:par>
-    </p:tnLst>
-  </p:timing>
 </p:sld>
 </file>
 
@@ -6051,7 +6085,13 @@
       </p:grpSpPr>
       <p:sp>
         <p:nvSpPr>
-          <p:cNvPr id="2" name="Title 1"/>
+          <p:cNvPr id="2" name="Title 1">
+            <a:extLst>
+              <a:ext uri="{FF2B5EF4-FFF2-40B4-BE49-F238E27FC236}">
+                <a16:creationId xmlns:a16="http://schemas.microsoft.com/office/drawing/2014/main" id="{DB06863E-F021-924B-93B2-896615D54F8E}"/>
+              </a:ext>
+            </a:extLst>
+          </p:cNvPr>
           <p:cNvSpPr>
             <a:spLocks noGrp="1"/>
           </p:cNvSpPr>
@@ -6059,120 +6099,110 @@
             <p:ph type="title"/>
           </p:nvPr>
         </p:nvSpPr>
-        <p:spPr/>
+        <p:spPr>
+          <a:xfrm>
+            <a:off x="503240" y="301626"/>
+            <a:ext cx="9067799" cy="812800"/>
+          </a:xfrm>
+        </p:spPr>
         <p:txBody>
           <a:bodyPr/>
           <a:lstStyle/>
           <a:p>
             <a:r>
-              <a:rPr lang="en-US" dirty="0" smtClean="0"/>
-              <a:t>Neurons in the Dark</a:t>
-            </a:r>
-            <a:endParaRPr lang="en-US" dirty="0"/>
-          </a:p>
-        </p:txBody>
-      </p:sp>
-      <p:sp>
-        <p:nvSpPr>
-          <p:cNvPr id="3" name="Content Placeholder 2"/>
-          <p:cNvSpPr>
-            <a:spLocks noGrp="1"/>
-          </p:cNvSpPr>
+              <a:rPr lang="en-US" dirty="0"/>
+              <a:t>Detection = Dimension</a:t>
+            </a:r>
+          </a:p>
+        </p:txBody>
+      </p:sp>
+      <p:pic>
+        <p:nvPicPr>
+          <p:cNvPr id="5" name="Content Placeholder 4">
+            <a:extLst>
+              <a:ext uri="{FF2B5EF4-FFF2-40B4-BE49-F238E27FC236}">
+                <a16:creationId xmlns:a16="http://schemas.microsoft.com/office/drawing/2014/main" id="{6164B337-6386-5545-90E7-7194F3686CDB}"/>
+              </a:ext>
+            </a:extLst>
+          </p:cNvPr>
+          <p:cNvPicPr>
+            <a:picLocks noGrp="1" noChangeAspect="1"/>
+          </p:cNvPicPr>
           <p:nvPr>
             <p:ph idx="1"/>
           </p:nvPr>
-        </p:nvSpPr>
-        <p:spPr/>
-        <p:txBody>
-          <a:bodyPr/>
+        </p:nvPicPr>
+        <p:blipFill>
+          <a:blip r:embed="rId2"/>
+          <a:stretch>
+            <a:fillRect/>
+          </a:stretch>
+        </p:blipFill>
+        <p:spPr>
+          <a:xfrm>
+            <a:off x="450840" y="1266825"/>
+            <a:ext cx="9120199" cy="4199890"/>
+          </a:xfrm>
+        </p:spPr>
+      </p:pic>
+      <p:sp>
+        <p:nvSpPr>
+          <p:cNvPr id="6" name="TextBox 5">
+            <a:extLst>
+              <a:ext uri="{FF2B5EF4-FFF2-40B4-BE49-F238E27FC236}">
+                <a16:creationId xmlns:a16="http://schemas.microsoft.com/office/drawing/2014/main" id="{866FF826-3971-E241-ACAA-FC45856600FA}"/>
+              </a:ext>
+            </a:extLst>
+          </p:cNvPr>
+          <p:cNvSpPr txBox="1"/>
+          <p:nvPr/>
+        </p:nvSpPr>
+        <p:spPr>
+          <a:xfrm>
+            <a:off x="503240" y="5762625"/>
+            <a:ext cx="9067799" cy="1596784"/>
+          </a:xfrm>
+          <a:prstGeom prst="rect">
+            <a:avLst/>
+          </a:prstGeom>
+          <a:noFill/>
+        </p:spPr>
+        <p:txBody>
+          <a:bodyPr wrap="square" rtlCol="0">
+            <a:spAutoFit/>
+          </a:bodyPr>
           <a:lstStyle/>
           <a:p>
             <a:r>
-              <a:rPr lang="en-US" dirty="0" smtClean="0"/>
-              <a:t>Neurons </a:t>
-            </a:r>
-            <a:r>
-              <a:rPr lang="en-US" dirty="0"/>
-              <a:t>live in the dark</a:t>
-            </a:r>
-            <a:r>
-              <a:rPr lang="en-US" dirty="0" smtClean="0"/>
-              <a:t>!</a:t>
-            </a:r>
-          </a:p>
-          <a:p>
-            <a:r>
-              <a:rPr lang="en-US" dirty="0" smtClean="0"/>
-              <a:t>“</a:t>
-            </a:r>
-            <a:r>
-              <a:rPr lang="en-US" dirty="0"/>
-              <a:t>Hear” an incredible jumble of inputs</a:t>
-            </a:r>
-            <a:r>
-              <a:rPr lang="en-US" dirty="0" smtClean="0"/>
-              <a:t>.</a:t>
-            </a:r>
-          </a:p>
-          <a:p>
-            <a:r>
-              <a:rPr lang="en-US" dirty="0" smtClean="0"/>
-              <a:t>Have </a:t>
-            </a:r>
-            <a:r>
-              <a:rPr lang="en-US" i="1" dirty="0"/>
-              <a:t>absolutely no idea</a:t>
-            </a:r>
-            <a:r>
-              <a:rPr lang="en-US" dirty="0"/>
-              <a:t> what is going on in the real world outside their little area of the brain.</a:t>
-            </a:r>
-            <a:r>
-              <a:rPr lang="en-US" dirty="0" smtClean="0"/>
-              <a:t>.</a:t>
-            </a:r>
-          </a:p>
-          <a:p>
-            <a:endParaRPr lang="en-US" dirty="0" smtClean="0"/>
-          </a:p>
-          <a:p>
-            <a:pPr marL="107938" indent="0">
-              <a:buNone/>
-            </a:pPr>
-            <a:r>
-              <a:rPr lang="en-US" dirty="0" smtClean="0"/>
-              <a:t>All of this is very counterintuitive given that we tend to think of neurons as communicating in full English sentences about the weather, etc..</a:t>
-            </a:r>
-          </a:p>
-          <a:p>
-            <a:pPr marL="107938" indent="0">
-              <a:buNone/>
-            </a:pPr>
-            <a:r>
-              <a:rPr lang="en-US" b="1" dirty="0" smtClean="0"/>
-              <a:t>Neurons only get spikes, not words!</a:t>
-            </a:r>
-            <a:endParaRPr lang="en-US" b="1" dirty="0"/>
+              <a:rPr lang="en-US" sz="2800" dirty="0"/>
+              <a:t>Detection = extracting relevant dimension from input: emotion detector, gender detector</a:t>
+            </a:r>
+          </a:p>
+          <a:p>
+            <a:endParaRPr lang="en-US" sz="1600" dirty="0"/>
+          </a:p>
+          <a:p>
+            <a:r>
+              <a:rPr lang="en-US" sz="2800" dirty="0" err="1"/>
+              <a:t>face_categ</a:t>
+            </a:r>
+            <a:r>
+              <a:rPr lang="en-US" sz="2800" dirty="0"/>
+              <a:t> example from Chapter 3</a:t>
+            </a:r>
           </a:p>
         </p:txBody>
       </p:sp>
     </p:spTree>
     <p:extLst>
       <p:ext uri="{BB962C8B-B14F-4D97-AF65-F5344CB8AC3E}">
-        <p14:creationId xmlns:p14="http://schemas.microsoft.com/office/powerpoint/2010/main" val="44413133"/>
+        <p14:creationId xmlns:p14="http://schemas.microsoft.com/office/powerpoint/2010/main" val="3355177227"/>
       </p:ext>
     </p:extLst>
   </p:cSld>
   <p:clrMapOvr>
     <a:masterClrMapping/>
   </p:clrMapOvr>
-  <p:timing>
-    <p:tnLst>
-      <p:par>
-        <p:cTn id="1" dur="indefinite" restart="never" nodeType="tmRoot"/>
-      </p:par>
-    </p:tnLst>
-  </p:timing>
 </p:sld>
 </file>
 
@@ -6209,66 +6239,71 @@
           <a:lstStyle/>
           <a:p>
             <a:r>
-              <a:rPr lang="en-US" dirty="0" smtClean="0"/>
-              <a:t>The Social Network</a:t>
-            </a:r>
+              <a:rPr lang="en-US" dirty="0"/>
+              <a:t>Neurons in the Dark</a:t>
+            </a:r>
+          </a:p>
+        </p:txBody>
+      </p:sp>
+      <p:sp>
+        <p:nvSpPr>
+          <p:cNvPr id="3" name="Content Placeholder 2"/>
+          <p:cNvSpPr>
+            <a:spLocks noGrp="1"/>
+          </p:cNvSpPr>
+          <p:nvPr>
+            <p:ph idx="1"/>
+          </p:nvPr>
+        </p:nvSpPr>
+        <p:spPr/>
+        <p:txBody>
+          <a:bodyPr/>
+          <a:lstStyle/>
+          <a:p>
+            <a:r>
+              <a:rPr lang="en-US" dirty="0"/>
+              <a:t>Neurons live in the dark!</a:t>
+            </a:r>
+          </a:p>
+          <a:p>
+            <a:r>
+              <a:rPr lang="en-US" dirty="0"/>
+              <a:t>“Hear” an incredible jumble of inputs.</a:t>
+            </a:r>
+          </a:p>
+          <a:p>
+            <a:r>
+              <a:rPr lang="en-US" dirty="0"/>
+              <a:t>Have </a:t>
+            </a:r>
+            <a:r>
+              <a:rPr lang="en-US" i="1" dirty="0"/>
+              <a:t>absolutely no idea</a:t>
+            </a:r>
+            <a:r>
+              <a:rPr lang="en-US" dirty="0"/>
+              <a:t> what is going on in the real world outside their little area of the brain..</a:t>
+            </a:r>
+          </a:p>
+          <a:p>
             <a:endParaRPr lang="en-US" dirty="0"/>
           </a:p>
-        </p:txBody>
-      </p:sp>
-      <p:pic>
-        <p:nvPicPr>
-          <p:cNvPr id="4" name="Content Placeholder 3" descr="fig_social_net_randy.png"/>
-          <p:cNvPicPr>
-            <a:picLocks noGrp="1" noChangeAspect="1"/>
-          </p:cNvPicPr>
-          <p:nvPr>
-            <p:ph idx="1"/>
-          </p:nvPr>
-        </p:nvPicPr>
-        <p:blipFill rotWithShape="1">
-          <a:blip r:embed="rId2">
-            <a:extLst>
-              <a:ext uri="{28A0092B-C50C-407E-A947-70E740481C1C}">
-                <a14:useLocalDpi xmlns:a14="http://schemas.microsoft.com/office/drawing/2010/main" val="0"/>
-              </a:ext>
-            </a:extLst>
-          </a:blip>
-          <a:srcRect l="-60" r="-182"/>
-          <a:stretch/>
-        </p:blipFill>
-        <p:spPr>
-          <a:xfrm>
-            <a:off x="2447925" y="1571625"/>
-            <a:ext cx="5257800" cy="3979486"/>
-          </a:xfrm>
-        </p:spPr>
-      </p:pic>
-      <p:sp>
-        <p:nvSpPr>
-          <p:cNvPr id="5" name="TextBox 4"/>
-          <p:cNvSpPr txBox="1"/>
-          <p:nvPr/>
-        </p:nvSpPr>
-        <p:spPr>
-          <a:xfrm>
-            <a:off x="771525" y="5991225"/>
-            <a:ext cx="8686800" cy="790370"/>
-          </a:xfrm>
-          <a:prstGeom prst="rect">
-            <a:avLst/>
-          </a:prstGeom>
-          <a:noFill/>
-        </p:spPr>
-        <p:txBody>
-          <a:bodyPr wrap="square" lIns="91430" tIns="45716" rIns="91430" bIns="45716" rtlCol="0">
-            <a:spAutoFit/>
-          </a:bodyPr>
-          <a:lstStyle/>
-          <a:p>
-            <a:r>
-              <a:rPr lang="en-US" sz="2400" dirty="0"/>
-              <a:t>Neurons depend on network of “trust” built up over a long time period – only way they can overcome the jumble in the dark..</a:t>
+          <a:p>
+            <a:pPr marL="107938" indent="0">
+              <a:buNone/>
+            </a:pPr>
+            <a:r>
+              <a:rPr lang="en-US" dirty="0"/>
+              <a:t>All of this is very counterintuitive given that we tend to think of neurons as communicating in full English sentences about the weather, etc..</a:t>
+            </a:r>
+          </a:p>
+          <a:p>
+            <a:pPr marL="107938" indent="0">
+              <a:buNone/>
+            </a:pPr>
+            <a:r>
+              <a:rPr lang="en-US" b="1" dirty="0"/>
+              <a:t>Neurons only get spikes, not words!</a:t>
             </a:r>
           </a:p>
         </p:txBody>
@@ -6276,20 +6311,13 @@
     </p:spTree>
     <p:extLst>
       <p:ext uri="{BB962C8B-B14F-4D97-AF65-F5344CB8AC3E}">
-        <p14:creationId xmlns:p14="http://schemas.microsoft.com/office/powerpoint/2010/main" val="3290243221"/>
+        <p14:creationId xmlns:p14="http://schemas.microsoft.com/office/powerpoint/2010/main" val="44413133"/>
       </p:ext>
     </p:extLst>
   </p:cSld>
   <p:clrMapOvr>
     <a:masterClrMapping/>
   </p:clrMapOvr>
-  <p:timing>
-    <p:tnLst>
-      <p:par>
-        <p:cTn id="1" dur="indefinite" restart="never" nodeType="tmRoot"/>
-      </p:par>
-    </p:tnLst>
-  </p:timing>
 </p:sld>
 </file>
 
@@ -6326,16 +6354,15 @@
           <a:lstStyle/>
           <a:p>
             <a:r>
-              <a:rPr lang="en-US" dirty="0" smtClean="0"/>
+              <a:rPr lang="en-US" dirty="0"/>
               <a:t>The Social Network</a:t>
             </a:r>
-            <a:endParaRPr lang="en-US" dirty="0"/>
           </a:p>
         </p:txBody>
       </p:sp>
       <p:pic>
         <p:nvPicPr>
-          <p:cNvPr id="4" name="Content Placeholder 3"/>
+          <p:cNvPr id="4" name="Content Placeholder 3" descr="fig_social_net_randy.png"/>
           <p:cNvPicPr>
             <a:picLocks noGrp="1" noChangeAspect="1"/>
           </p:cNvPicPr>
@@ -6343,7 +6370,7 @@
             <p:ph idx="1"/>
           </p:nvPr>
         </p:nvPicPr>
-        <p:blipFill>
+        <p:blipFill rotWithShape="1">
           <a:blip r:embed="rId2">
             <a:extLst>
               <a:ext uri="{28A0092B-C50C-407E-A947-70E740481C1C}">
@@ -6351,14 +6378,13 @@
               </a:ext>
             </a:extLst>
           </a:blip>
-          <a:stretch>
-            <a:fillRect/>
-          </a:stretch>
+          <a:srcRect l="-60" r="-182"/>
+          <a:stretch/>
         </p:blipFill>
         <p:spPr>
           <a:xfrm>
-            <a:off x="2454302" y="1571625"/>
-            <a:ext cx="5245046" cy="3979486"/>
+            <a:off x="2447925" y="1571625"/>
+            <a:ext cx="5257800" cy="3979486"/>
           </a:xfrm>
         </p:spPr>
       </p:pic>
@@ -6386,7 +6412,7 @@
           <a:p>
             <a:r>
               <a:rPr lang="en-US" sz="2400" dirty="0"/>
-              <a:t>How do neurons ever know if senders change what they are encoding?  How does the brain ever change?</a:t>
+              <a:t>Neurons depend on network of “trust” built up over a long time period – only way they can overcome the jumble in the dark..</a:t>
             </a:r>
           </a:p>
         </p:txBody>
@@ -6394,7 +6420,7 @@
     </p:spTree>
     <p:extLst>
       <p:ext uri="{BB962C8B-B14F-4D97-AF65-F5344CB8AC3E}">
-        <p14:creationId xmlns:p14="http://schemas.microsoft.com/office/powerpoint/2010/main" val="3915311142"/>
+        <p14:creationId xmlns:p14="http://schemas.microsoft.com/office/powerpoint/2010/main" val="3290243221"/>
       </p:ext>
     </p:extLst>
   </p:cSld>
@@ -6437,16 +6463,15 @@
           <a:lstStyle/>
           <a:p>
             <a:r>
-              <a:rPr lang="en-US" dirty="0" smtClean="0"/>
-              <a:t>Back to the Detector Model</a:t>
-            </a:r>
-            <a:endParaRPr lang="en-US" dirty="0"/>
+              <a:rPr lang="en-US" dirty="0"/>
+              <a:t>The Social Network</a:t>
+            </a:r>
           </a:p>
         </p:txBody>
       </p:sp>
       <p:pic>
         <p:nvPicPr>
-          <p:cNvPr id="4" name="Content Placeholder 3" descr="fig_neuron_as_detect.png"/>
+          <p:cNvPr id="4" name="Content Placeholder 3"/>
           <p:cNvPicPr>
             <a:picLocks noGrp="1" noChangeAspect="1"/>
           </p:cNvPicPr>
@@ -6462,15 +6487,14 @@
               </a:ext>
             </a:extLst>
           </a:blip>
-          <a:srcRect t="2689" b="2689"/>
           <a:stretch>
             <a:fillRect/>
           </a:stretch>
         </p:blipFill>
         <p:spPr>
           <a:xfrm>
-            <a:off x="1152525" y="1770064"/>
-            <a:ext cx="7315200" cy="4025153"/>
+            <a:off x="2454302" y="1571625"/>
+            <a:ext cx="5245046" cy="3979486"/>
           </a:xfrm>
         </p:spPr>
       </p:pic>
@@ -6482,8 +6506,8 @@
         </p:nvSpPr>
         <p:spPr>
           <a:xfrm>
-            <a:off x="1152525" y="5991226"/>
-            <a:ext cx="7315200" cy="560153"/>
+            <a:off x="771525" y="5991225"/>
+            <a:ext cx="8686800" cy="790370"/>
           </a:xfrm>
           <a:prstGeom prst="rect">
             <a:avLst/>
@@ -6497,8 +6521,8 @@
           <a:lstStyle/>
           <a:p>
             <a:r>
-              <a:rPr lang="en-US" sz="3200" dirty="0"/>
-              <a:t>How do we simulate on a computer?</a:t>
+              <a:rPr lang="en-US" sz="2400" dirty="0"/>
+              <a:t>How do neurons ever know if senders change what they are encoding?  How does the brain ever change?</a:t>
             </a:r>
           </a:p>
         </p:txBody>
@@ -6506,7 +6530,7 @@
     </p:spTree>
     <p:extLst>
       <p:ext uri="{BB962C8B-B14F-4D97-AF65-F5344CB8AC3E}">
-        <p14:creationId xmlns:p14="http://schemas.microsoft.com/office/powerpoint/2010/main" val="2333732441"/>
+        <p14:creationId xmlns:p14="http://schemas.microsoft.com/office/powerpoint/2010/main" val="3915311142"/>
       </p:ext>
     </p:extLst>
   </p:cSld>
@@ -6549,60 +6573,75 @@
           <a:lstStyle/>
           <a:p>
             <a:r>
-              <a:rPr lang="en-US" dirty="0" smtClean="0"/>
-              <a:t>Overall Strategy</a:t>
-            </a:r>
-            <a:endParaRPr lang="en-US" dirty="0"/>
-          </a:p>
-        </p:txBody>
-      </p:sp>
-      <p:sp>
-        <p:nvSpPr>
-          <p:cNvPr id="3" name="Content Placeholder 2"/>
-          <p:cNvSpPr>
-            <a:spLocks noGrp="1"/>
-          </p:cNvSpPr>
+              <a:rPr lang="en-US" dirty="0"/>
+              <a:t>Back to the Detector Model</a:t>
+            </a:r>
+          </a:p>
+        </p:txBody>
+      </p:sp>
+      <p:pic>
+        <p:nvPicPr>
+          <p:cNvPr id="4" name="Content Placeholder 3" descr="fig_neuron_as_detect.png"/>
+          <p:cNvPicPr>
+            <a:picLocks noGrp="1" noChangeAspect="1"/>
+          </p:cNvPicPr>
           <p:nvPr>
             <p:ph idx="1"/>
           </p:nvPr>
-        </p:nvSpPr>
-        <p:spPr/>
-        <p:txBody>
-          <a:bodyPr/>
+        </p:nvPicPr>
+        <p:blipFill>
+          <a:blip r:embed="rId2">
+            <a:extLst>
+              <a:ext uri="{28A0092B-C50C-407E-A947-70E740481C1C}">
+                <a14:useLocalDpi xmlns:a14="http://schemas.microsoft.com/office/drawing/2010/main" val="0"/>
+              </a:ext>
+            </a:extLst>
+          </a:blip>
+          <a:srcRect t="2689" b="2689"/>
+          <a:stretch>
+            <a:fillRect/>
+          </a:stretch>
+        </p:blipFill>
+        <p:spPr>
+          <a:xfrm>
+            <a:off x="1152525" y="1770064"/>
+            <a:ext cx="7315200" cy="4025153"/>
+          </a:xfrm>
+        </p:spPr>
+      </p:pic>
+      <p:sp>
+        <p:nvSpPr>
+          <p:cNvPr id="5" name="TextBox 4"/>
+          <p:cNvSpPr txBox="1"/>
+          <p:nvPr/>
+        </p:nvSpPr>
+        <p:spPr>
+          <a:xfrm>
+            <a:off x="1152525" y="5991226"/>
+            <a:ext cx="7315200" cy="560153"/>
+          </a:xfrm>
+          <a:prstGeom prst="rect">
+            <a:avLst/>
+          </a:prstGeom>
+          <a:noFill/>
+        </p:spPr>
+        <p:txBody>
+          <a:bodyPr wrap="square" lIns="91430" tIns="45716" rIns="91430" bIns="45716" rtlCol="0">
+            <a:spAutoFit/>
+          </a:bodyPr>
           <a:lstStyle/>
           <a:p>
             <a:r>
-              <a:rPr lang="en-US" dirty="0" smtClean="0"/>
-              <a:t>Neurons are electrical systems, can be described using basic electrical equations.</a:t>
-            </a:r>
-          </a:p>
-          <a:p>
-            <a:r>
-              <a:rPr lang="en-US" dirty="0" smtClean="0"/>
-              <a:t>Use these equations to simulate on a computer.</a:t>
-            </a:r>
-          </a:p>
-          <a:p>
-            <a:r>
-              <a:rPr lang="en-US" dirty="0" smtClean="0"/>
-              <a:t>Need a fair bit of math to get a full working model (more here than most chapters), but you only really need to understand </a:t>
-            </a:r>
-            <a:r>
-              <a:rPr lang="en-US" i="1" dirty="0" smtClean="0"/>
-              <a:t>conceptually</a:t>
-            </a:r>
-            <a:r>
-              <a:rPr lang="en-US" dirty="0" smtClean="0"/>
-              <a:t>.</a:t>
-            </a:r>
-            <a:endParaRPr lang="en-US" dirty="0"/>
+              <a:rPr lang="en-US" sz="3200" dirty="0"/>
+              <a:t>How do we simulate on a computer?</a:t>
+            </a:r>
           </a:p>
         </p:txBody>
       </p:sp>
     </p:spTree>
     <p:extLst>
       <p:ext uri="{BB962C8B-B14F-4D97-AF65-F5344CB8AC3E}">
-        <p14:creationId xmlns:p14="http://schemas.microsoft.com/office/powerpoint/2010/main" val="2137595333"/>
+        <p14:creationId xmlns:p14="http://schemas.microsoft.com/office/powerpoint/2010/main" val="2333732441"/>
       </p:ext>
     </p:extLst>
   </p:cSld>
@@ -6645,98 +6684,50 @@
           <a:lstStyle/>
           <a:p>
             <a:r>
-              <a:rPr lang="en-US" dirty="0" smtClean="0"/>
-              <a:t>The Tug-of-War</a:t>
-            </a:r>
-            <a:endParaRPr lang="en-US" dirty="0"/>
-          </a:p>
-        </p:txBody>
-      </p:sp>
-      <p:pic>
-        <p:nvPicPr>
-          <p:cNvPr id="4" name="Content Placeholder 3" descr="fig_vm_as_tug_of_war.png"/>
-          <p:cNvPicPr>
-            <a:picLocks noGrp="1" noChangeAspect="1"/>
-          </p:cNvPicPr>
+              <a:rPr lang="en-US" dirty="0"/>
+              <a:t>Overall Strategy</a:t>
+            </a:r>
+          </a:p>
+        </p:txBody>
+      </p:sp>
+      <p:sp>
+        <p:nvSpPr>
+          <p:cNvPr id="3" name="Content Placeholder 2"/>
+          <p:cNvSpPr>
+            <a:spLocks noGrp="1"/>
+          </p:cNvSpPr>
           <p:nvPr>
             <p:ph idx="1"/>
           </p:nvPr>
-        </p:nvPicPr>
-        <p:blipFill>
-          <a:blip r:embed="rId2">
-            <a:extLst>
-              <a:ext uri="{28A0092B-C50C-407E-A947-70E740481C1C}">
-                <a14:useLocalDpi xmlns:a14="http://schemas.microsoft.com/office/drawing/2010/main" val="0"/>
-              </a:ext>
-            </a:extLst>
-          </a:blip>
-          <a:srcRect l="1373" r="1373"/>
-          <a:stretch>
-            <a:fillRect/>
-          </a:stretch>
-        </p:blipFill>
-        <p:spPr>
-          <a:xfrm>
-            <a:off x="1990725" y="1647825"/>
-            <a:ext cx="6172201" cy="3396223"/>
-          </a:xfrm>
-        </p:spPr>
-      </p:pic>
-      <p:sp>
-        <p:nvSpPr>
-          <p:cNvPr id="5" name="TextBox 4"/>
-          <p:cNvSpPr txBox="1"/>
-          <p:nvPr/>
-        </p:nvSpPr>
-        <p:spPr>
-          <a:xfrm>
-            <a:off x="771526" y="5381625"/>
-            <a:ext cx="8534400" cy="1484706"/>
-          </a:xfrm>
-          <a:prstGeom prst="rect">
-            <a:avLst/>
-          </a:prstGeom>
-          <a:noFill/>
-        </p:spPr>
-        <p:txBody>
-          <a:bodyPr wrap="square" lIns="91430" tIns="45716" rIns="91430" bIns="45716" rtlCol="0">
-            <a:spAutoFit/>
-          </a:bodyPr>
+        </p:nvSpPr>
+        <p:spPr/>
+        <p:txBody>
+          <a:bodyPr/>
           <a:lstStyle/>
           <a:p>
             <a:r>
-              <a:rPr lang="en-US" sz="2400" dirty="0"/>
-              <a:t>How strongly each guy pulls: I = g (E-</a:t>
-            </a:r>
-            <a:r>
-              <a:rPr lang="en-US" sz="2400" dirty="0" err="1"/>
-              <a:t>Vm</a:t>
-            </a:r>
-            <a:r>
-              <a:rPr lang="en-US" sz="2400" dirty="0"/>
-              <a:t>)</a:t>
-            </a:r>
-          </a:p>
-          <a:p>
-            <a:r>
-              <a:rPr lang="en-US" sz="2400" dirty="0"/>
-              <a:t>g = how many input channels are open</a:t>
-            </a:r>
-          </a:p>
-          <a:p>
-            <a:r>
-              <a:rPr lang="en-US" sz="2400" dirty="0"/>
-              <a:t>E = driving potential (pull down for inhibition, up for excitation)</a:t>
-            </a:r>
-          </a:p>
-          <a:p>
-            <a:r>
-              <a:rPr lang="en-US" sz="2400" dirty="0" err="1"/>
-              <a:t>Vm</a:t>
-            </a:r>
-            <a:r>
-              <a:rPr lang="en-US" sz="2400" dirty="0"/>
-              <a:t> = the “flag” – reflects net balance between two sides</a:t>
+              <a:rPr lang="en-US" dirty="0"/>
+              <a:t>Neurons are electrical systems, can be described using basic electrical equations.</a:t>
+            </a:r>
+          </a:p>
+          <a:p>
+            <a:r>
+              <a:rPr lang="en-US" dirty="0"/>
+              <a:t>Use these equations to simulate on a computer.</a:t>
+            </a:r>
+          </a:p>
+          <a:p>
+            <a:r>
+              <a:rPr lang="en-US" dirty="0"/>
+              <a:t>Need a fair bit of math to get a full working model (more here than most chapters), but you only really need to understand </a:t>
+            </a:r>
+            <a:r>
+              <a:rPr lang="en-US" i="1" dirty="0"/>
+              <a:t>conceptually</a:t>
+            </a:r>
+            <a:r>
+              <a:rPr lang="en-US" dirty="0"/>
+              <a:t>.</a:t>
             </a:r>
           </a:p>
         </p:txBody>
@@ -6744,7 +6735,7 @@
     </p:spTree>
     <p:extLst>
       <p:ext uri="{BB962C8B-B14F-4D97-AF65-F5344CB8AC3E}">
-        <p14:creationId xmlns:p14="http://schemas.microsoft.com/office/powerpoint/2010/main" val="2347047074"/>
+        <p14:creationId xmlns:p14="http://schemas.microsoft.com/office/powerpoint/2010/main" val="2137595333"/>
       </p:ext>
     </p:extLst>
   </p:cSld>
@@ -6787,16 +6778,15 @@
           <a:lstStyle/>
           <a:p>
             <a:r>
-              <a:rPr lang="en-US" dirty="0" smtClean="0"/>
-              <a:t>Relative Balance..</a:t>
-            </a:r>
-            <a:endParaRPr lang="en-US" dirty="0"/>
+              <a:rPr lang="en-US" dirty="0"/>
+              <a:t>The Tug-of-War</a:t>
+            </a:r>
           </a:p>
         </p:txBody>
       </p:sp>
       <p:pic>
         <p:nvPicPr>
-          <p:cNvPr id="4" name="Content Placeholder 3" descr="fig_vm_as_tug_of_war_cases.png"/>
+          <p:cNvPr id="4" name="Content Placeholder 3" descr="fig_vm_as_tug_of_war.png"/>
           <p:cNvPicPr>
             <a:picLocks noGrp="1" noChangeAspect="1"/>
           </p:cNvPicPr>
@@ -6804,7 +6794,7 @@
             <p:ph idx="1"/>
           </p:nvPr>
         </p:nvPicPr>
-        <p:blipFill rotWithShape="1">
+        <p:blipFill>
           <a:blip r:embed="rId2">
             <a:extLst>
               <a:ext uri="{28A0092B-C50C-407E-A947-70E740481C1C}">
@@ -6812,20 +6802,81 @@
               </a:ext>
             </a:extLst>
           </a:blip>
-          <a:srcRect l="-531" r="-319"/>
-          <a:stretch/>
+          <a:srcRect l="1373" r="1373"/>
+          <a:stretch>
+            <a:fillRect/>
+          </a:stretch>
         </p:blipFill>
         <p:spPr>
           <a:xfrm>
-            <a:off x="2326685" y="1770063"/>
-            <a:ext cx="5409540" cy="4989513"/>
+            <a:off x="1990725" y="1647825"/>
+            <a:ext cx="6172201" cy="3396223"/>
           </a:xfrm>
         </p:spPr>
       </p:pic>
+      <p:sp>
+        <p:nvSpPr>
+          <p:cNvPr id="5" name="TextBox 4"/>
+          <p:cNvSpPr txBox="1"/>
+          <p:nvPr/>
+        </p:nvSpPr>
+        <p:spPr>
+          <a:xfrm>
+            <a:off x="771526" y="5381625"/>
+            <a:ext cx="8534400" cy="1484706"/>
+          </a:xfrm>
+          <a:prstGeom prst="rect">
+            <a:avLst/>
+          </a:prstGeom>
+          <a:noFill/>
+        </p:spPr>
+        <p:txBody>
+          <a:bodyPr wrap="square" lIns="91430" tIns="45716" rIns="91430" bIns="45716" rtlCol="0">
+            <a:spAutoFit/>
+          </a:bodyPr>
+          <a:lstStyle/>
+          <a:p>
+            <a:r>
+              <a:rPr lang="en-US" sz="2400" dirty="0"/>
+              <a:t>How strongly each guy pulls: I = g (E-</a:t>
+            </a:r>
+            <a:r>
+              <a:rPr lang="en-US" sz="2400" dirty="0" err="1"/>
+              <a:t>Vm</a:t>
+            </a:r>
+            <a:r>
+              <a:rPr lang="en-US" sz="2400" dirty="0"/>
+              <a:t>)</a:t>
+            </a:r>
+          </a:p>
+          <a:p>
+            <a:r>
+              <a:rPr lang="en-US" sz="2400" dirty="0"/>
+              <a:t>g = how many input channels are open</a:t>
+            </a:r>
+          </a:p>
+          <a:p>
+            <a:r>
+              <a:rPr lang="en-US" sz="2400" dirty="0"/>
+              <a:t>E = driving potential (pull down for inhibition, up for excitation)</a:t>
+            </a:r>
+          </a:p>
+          <a:p>
+            <a:r>
+              <a:rPr lang="en-US" sz="2400" dirty="0" err="1"/>
+              <a:t>Vm</a:t>
+            </a:r>
+            <a:r>
+              <a:rPr lang="en-US" sz="2400" dirty="0"/>
+              <a:t> = the “flag” – reflects net balance between two sides</a:t>
+            </a:r>
+          </a:p>
+        </p:txBody>
+      </p:sp>
     </p:spTree>
     <p:extLst>
       <p:ext uri="{BB962C8B-B14F-4D97-AF65-F5344CB8AC3E}">
-        <p14:creationId xmlns:p14="http://schemas.microsoft.com/office/powerpoint/2010/main" val="256657000"/>
+        <p14:creationId xmlns:p14="http://schemas.microsoft.com/office/powerpoint/2010/main" val="2347047074"/>
       </p:ext>
     </p:extLst>
   </p:cSld>
@@ -6868,10 +6919,9 @@
           <a:lstStyle/>
           <a:p>
             <a:r>
-              <a:rPr lang="en-US" dirty="0" smtClean="0"/>
+              <a:rPr lang="en-US" dirty="0"/>
               <a:t>Detector Model</a:t>
             </a:r>
-            <a:endParaRPr lang="en-US" dirty="0"/>
           </a:p>
         </p:txBody>
       </p:sp>
@@ -6944,13 +6994,6 @@
   <p:clrMapOvr>
     <a:masterClrMapping/>
   </p:clrMapOvr>
-  <p:timing>
-    <p:tnLst>
-      <p:par>
-        <p:cTn id="1" dur="indefinite" restart="never" nodeType="tmRoot"/>
-      </p:par>
-    </p:tnLst>
-  </p:timing>
 </p:sld>
 </file>
 
@@ -6987,16 +7030,15 @@
           <a:lstStyle/>
           <a:p>
             <a:r>
-              <a:rPr lang="en-US" dirty="0" smtClean="0"/>
-              <a:t>Equations..</a:t>
-            </a:r>
-            <a:endParaRPr lang="en-US" dirty="0"/>
+              <a:rPr lang="en-US" dirty="0"/>
+              <a:t>Relative Balance..</a:t>
+            </a:r>
           </a:p>
         </p:txBody>
       </p:sp>
       <p:pic>
         <p:nvPicPr>
-          <p:cNvPr id="4" name="Content Placeholder 3" descr="fig_vm_as_tug_of_war.png"/>
+          <p:cNvPr id="4" name="Content Placeholder 3" descr="fig_vm_as_tug_of_war_cases.png"/>
           <p:cNvPicPr>
             <a:picLocks noGrp="1" noChangeAspect="1"/>
           </p:cNvPicPr>
@@ -7004,7 +7046,7 @@
             <p:ph idx="1"/>
           </p:nvPr>
         </p:nvPicPr>
-        <p:blipFill>
+        <p:blipFill rotWithShape="1">
           <a:blip r:embed="rId2">
             <a:extLst>
               <a:ext uri="{28A0092B-C50C-407E-A947-70E740481C1C}">
@@ -7012,112 +7054,20 @@
               </a:ext>
             </a:extLst>
           </a:blip>
-          <a:srcRect l="1373" r="1373"/>
-          <a:stretch>
-            <a:fillRect/>
-          </a:stretch>
+          <a:srcRect l="-531" r="-319"/>
+          <a:stretch/>
         </p:blipFill>
         <p:spPr>
           <a:xfrm>
-            <a:off x="2401595" y="1647827"/>
-            <a:ext cx="4846931" cy="2666999"/>
-          </a:xfrm>
-        </p:spPr>
-      </p:pic>
-      <p:pic>
-        <p:nvPicPr>
-          <p:cNvPr id="3" name="Picture 2" descr="Screen shot 2011-01-18 at 12.36.36 AM.png"/>
-          <p:cNvPicPr>
-            <a:picLocks noChangeAspect="1"/>
-          </p:cNvPicPr>
-          <p:nvPr/>
-        </p:nvPicPr>
-        <p:blipFill>
-          <a:blip r:embed="rId3">
-            <a:extLst>
-              <a:ext uri="{28A0092B-C50C-407E-A947-70E740481C1C}">
-                <a14:useLocalDpi xmlns:a14="http://schemas.microsoft.com/office/drawing/2010/main" val="0"/>
-              </a:ext>
-            </a:extLst>
-          </a:blip>
-          <a:stretch>
-            <a:fillRect/>
-          </a:stretch>
-        </p:blipFill>
-        <p:spPr>
-          <a:xfrm>
-            <a:off x="1533525" y="4848224"/>
-            <a:ext cx="6845300" cy="419100"/>
-          </a:xfrm>
-          <a:prstGeom prst="rect">
-            <a:avLst/>
-          </a:prstGeom>
-        </p:spPr>
-      </p:pic>
-      <p:pic>
-        <p:nvPicPr>
-          <p:cNvPr id="6" name="Picture 5" descr="Screen shot 2011-01-18 at 12.38.55 AM.png"/>
-          <p:cNvPicPr>
-            <a:picLocks noChangeAspect="1"/>
-          </p:cNvPicPr>
-          <p:nvPr/>
-        </p:nvPicPr>
-        <p:blipFill>
-          <a:blip r:embed="rId4">
-            <a:extLst>
-              <a:ext uri="{28A0092B-C50C-407E-A947-70E740481C1C}">
-                <a14:useLocalDpi xmlns:a14="http://schemas.microsoft.com/office/drawing/2010/main" val="0"/>
-              </a:ext>
-            </a:extLst>
-          </a:blip>
-          <a:stretch>
-            <a:fillRect/>
-          </a:stretch>
-        </p:blipFill>
-        <p:spPr>
-          <a:xfrm>
-            <a:off x="1533525" y="5457825"/>
-            <a:ext cx="3378200" cy="393700"/>
-          </a:xfrm>
-          <a:prstGeom prst="rect">
-            <a:avLst/>
-          </a:prstGeom>
-        </p:spPr>
-      </p:pic>
-      <p:pic>
-        <p:nvPicPr>
-          <p:cNvPr id="7" name="Picture 6" descr="Screen shot 2011-01-18 at 12.39.31 AM.png"/>
-          <p:cNvPicPr>
-            <a:picLocks noChangeAspect="1"/>
-          </p:cNvPicPr>
-          <p:nvPr/>
-        </p:nvPicPr>
-        <p:blipFill>
-          <a:blip r:embed="rId5">
-            <a:extLst>
-              <a:ext uri="{28A0092B-C50C-407E-A947-70E740481C1C}">
-                <a14:useLocalDpi xmlns:a14="http://schemas.microsoft.com/office/drawing/2010/main" val="0"/>
-              </a:ext>
-            </a:extLst>
-          </a:blip>
-          <a:stretch>
-            <a:fillRect/>
-          </a:stretch>
-        </p:blipFill>
-        <p:spPr>
-          <a:xfrm>
-            <a:off x="1533525" y="6067425"/>
-            <a:ext cx="7493000" cy="457200"/>
-          </a:xfrm>
-          <a:prstGeom prst="rect">
-            <a:avLst/>
-          </a:prstGeom>
+            <a:off x="2326685" y="1770063"/>
+            <a:ext cx="5409540" cy="4989513"/>
+          </a:xfrm>
         </p:spPr>
       </p:pic>
     </p:spTree>
     <p:extLst>
       <p:ext uri="{BB962C8B-B14F-4D97-AF65-F5344CB8AC3E}">
-        <p14:creationId xmlns:p14="http://schemas.microsoft.com/office/powerpoint/2010/main" val="1316332435"/>
+        <p14:creationId xmlns:p14="http://schemas.microsoft.com/office/powerpoint/2010/main" val="256657000"/>
       </p:ext>
     </p:extLst>
   </p:cSld>
@@ -7160,10 +7110,9 @@
           <a:lstStyle/>
           <a:p>
             <a:r>
-              <a:rPr lang="en-US" dirty="0" smtClean="0"/>
-              <a:t>Equilibrium</a:t>
-            </a:r>
-            <a:endParaRPr lang="en-US" dirty="0"/>
+              <a:rPr lang="en-US" dirty="0"/>
+              <a:t>Equations..</a:t>
+            </a:r>
           </a:p>
         </p:txBody>
       </p:sp>
@@ -7199,7 +7148,7 @@
       </p:pic>
       <p:pic>
         <p:nvPicPr>
-          <p:cNvPr id="3" name="Picture 2"/>
+          <p:cNvPr id="3" name="Picture 2" descr="Screen shot 2011-01-18 at 12.36.36 AM.png"/>
           <p:cNvPicPr>
             <a:picLocks noChangeAspect="1"/>
           </p:cNvPicPr>
@@ -7219,47 +7168,78 @@
         </p:blipFill>
         <p:spPr>
           <a:xfrm>
-            <a:off x="1340038" y="4848224"/>
-            <a:ext cx="6887881" cy="762000"/>
+            <a:off x="1533525" y="4848224"/>
+            <a:ext cx="6845300" cy="419100"/>
           </a:xfrm>
           <a:prstGeom prst="rect">
             <a:avLst/>
           </a:prstGeom>
         </p:spPr>
       </p:pic>
-      <p:sp>
-        <p:nvSpPr>
-          <p:cNvPr id="5" name="TextBox 4"/>
-          <p:cNvSpPr txBox="1"/>
+      <p:pic>
+        <p:nvPicPr>
+          <p:cNvPr id="6" name="Picture 5" descr="Screen shot 2011-01-18 at 12.38.55 AM.png"/>
+          <p:cNvPicPr>
+            <a:picLocks noChangeAspect="1"/>
+          </p:cNvPicPr>
           <p:nvPr/>
-        </p:nvSpPr>
+        </p:nvPicPr>
+        <p:blipFill>
+          <a:blip r:embed="rId4">
+            <a:extLst>
+              <a:ext uri="{28A0092B-C50C-407E-A947-70E740481C1C}">
+                <a14:useLocalDpi xmlns:a14="http://schemas.microsoft.com/office/drawing/2010/main" val="0"/>
+              </a:ext>
+            </a:extLst>
+          </a:blip>
+          <a:stretch>
+            <a:fillRect/>
+          </a:stretch>
+        </p:blipFill>
         <p:spPr>
           <a:xfrm>
-            <a:off x="2066925" y="5991225"/>
-            <a:ext cx="5562600" cy="501676"/>
+            <a:off x="1533525" y="5457825"/>
+            <a:ext cx="3378200" cy="393700"/>
           </a:xfrm>
           <a:prstGeom prst="rect">
             <a:avLst/>
           </a:prstGeom>
-          <a:noFill/>
-        </p:spPr>
-        <p:txBody>
-          <a:bodyPr wrap="square" lIns="91430" tIns="45716" rIns="91430" bIns="45716" rtlCol="0">
-            <a:spAutoFit/>
-          </a:bodyPr>
-          <a:lstStyle/>
-          <a:p>
-            <a:r>
-              <a:rPr lang="en-US" sz="2800" dirty="0"/>
-              <a:t>This is just the balance of forces..</a:t>
-            </a:r>
-          </a:p>
-        </p:txBody>
-      </p:sp>
+        </p:spPr>
+      </p:pic>
+      <p:pic>
+        <p:nvPicPr>
+          <p:cNvPr id="7" name="Picture 6" descr="Screen shot 2011-01-18 at 12.39.31 AM.png"/>
+          <p:cNvPicPr>
+            <a:picLocks noChangeAspect="1"/>
+          </p:cNvPicPr>
+          <p:nvPr/>
+        </p:nvPicPr>
+        <p:blipFill>
+          <a:blip r:embed="rId5">
+            <a:extLst>
+              <a:ext uri="{28A0092B-C50C-407E-A947-70E740481C1C}">
+                <a14:useLocalDpi xmlns:a14="http://schemas.microsoft.com/office/drawing/2010/main" val="0"/>
+              </a:ext>
+            </a:extLst>
+          </a:blip>
+          <a:stretch>
+            <a:fillRect/>
+          </a:stretch>
+        </p:blipFill>
+        <p:spPr>
+          <a:xfrm>
+            <a:off x="1533525" y="6067425"/>
+            <a:ext cx="7493000" cy="457200"/>
+          </a:xfrm>
+          <a:prstGeom prst="rect">
+            <a:avLst/>
+          </a:prstGeom>
+        </p:spPr>
+      </p:pic>
     </p:spTree>
     <p:extLst>
       <p:ext uri="{BB962C8B-B14F-4D97-AF65-F5344CB8AC3E}">
-        <p14:creationId xmlns:p14="http://schemas.microsoft.com/office/powerpoint/2010/main" val="3779497355"/>
+        <p14:creationId xmlns:p14="http://schemas.microsoft.com/office/powerpoint/2010/main" val="1316332435"/>
       </p:ext>
     </p:extLst>
   </p:cSld>
@@ -7302,16 +7282,15 @@
           <a:lstStyle/>
           <a:p>
             <a:r>
-              <a:rPr lang="en-US" dirty="0" smtClean="0"/>
-              <a:t>The Synapse</a:t>
-            </a:r>
-            <a:endParaRPr lang="en-US" dirty="0"/>
+              <a:rPr lang="en-US" dirty="0"/>
+              <a:t>Equilibrium</a:t>
+            </a:r>
           </a:p>
         </p:txBody>
       </p:sp>
       <p:pic>
         <p:nvPicPr>
-          <p:cNvPr id="5" name="Content Placeholder 4" descr="fig_synapse.png"/>
+          <p:cNvPr id="4" name="Content Placeholder 3" descr="fig_vm_as_tug_of_war.png"/>
           <p:cNvPicPr>
             <a:picLocks noGrp="1" noChangeAspect="1"/>
           </p:cNvPicPr>
@@ -7327,54 +7306,87 @@
               </a:ext>
             </a:extLst>
           </a:blip>
-          <a:srcRect l="-48848" r="-48848"/>
+          <a:srcRect l="1373" r="1373"/>
           <a:stretch>
             <a:fillRect/>
           </a:stretch>
         </p:blipFill>
-        <p:spPr/>
+        <p:spPr>
+          <a:xfrm>
+            <a:off x="2401595" y="1647827"/>
+            <a:ext cx="4846931" cy="2666999"/>
+          </a:xfrm>
+        </p:spPr>
       </p:pic>
-      <p:sp>
-        <p:nvSpPr>
-          <p:cNvPr id="4" name="Slide Number Placeholder 3"/>
-          <p:cNvSpPr>
-            <a:spLocks noGrp="1"/>
-          </p:cNvSpPr>
-          <p:nvPr>
-            <p:ph type="sldNum" idx="12"/>
-          </p:nvPr>
-        </p:nvSpPr>
-        <p:spPr/>
-        <p:txBody>
-          <a:bodyPr/>
+      <p:pic>
+        <p:nvPicPr>
+          <p:cNvPr id="3" name="Picture 2"/>
+          <p:cNvPicPr>
+            <a:picLocks noChangeAspect="1"/>
+          </p:cNvPicPr>
+          <p:nvPr/>
+        </p:nvPicPr>
+        <p:blipFill>
+          <a:blip r:embed="rId3">
+            <a:extLst>
+              <a:ext uri="{28A0092B-C50C-407E-A947-70E740481C1C}">
+                <a14:useLocalDpi xmlns:a14="http://schemas.microsoft.com/office/drawing/2010/main" val="0"/>
+              </a:ext>
+            </a:extLst>
+          </a:blip>
+          <a:stretch>
+            <a:fillRect/>
+          </a:stretch>
+        </p:blipFill>
+        <p:spPr>
+          <a:xfrm>
+            <a:off x="1340038" y="4848224"/>
+            <a:ext cx="6887881" cy="762000"/>
+          </a:xfrm>
+          <a:prstGeom prst="rect">
+            <a:avLst/>
+          </a:prstGeom>
+        </p:spPr>
+      </p:pic>
+      <p:sp>
+        <p:nvSpPr>
+          <p:cNvPr id="5" name="TextBox 4"/>
+          <p:cNvSpPr txBox="1"/>
+          <p:nvPr/>
+        </p:nvSpPr>
+        <p:spPr>
+          <a:xfrm>
+            <a:off x="2066925" y="5991225"/>
+            <a:ext cx="5562600" cy="501676"/>
+          </a:xfrm>
+          <a:prstGeom prst="rect">
+            <a:avLst/>
+          </a:prstGeom>
+          <a:noFill/>
+        </p:spPr>
+        <p:txBody>
+          <a:bodyPr wrap="square" lIns="91430" tIns="45716" rIns="91430" bIns="45716" rtlCol="0">
+            <a:spAutoFit/>
+          </a:bodyPr>
           <a:lstStyle/>
           <a:p>
-            <a:fld id="{5689AE7F-56EB-8D49-9914-836A4F709789}" type="slidenum">
-              <a:rPr lang="en-US" smtClean="0"/>
-              <a:pPr/>
-              <a:t>32</a:t>
-            </a:fld>
-            <a:endParaRPr lang="en-US"/>
+            <a:r>
+              <a:rPr lang="en-US" sz="2800" dirty="0"/>
+              <a:t>This is just the balance of forces..</a:t>
+            </a:r>
           </a:p>
         </p:txBody>
       </p:sp>
     </p:spTree>
     <p:extLst>
       <p:ext uri="{BB962C8B-B14F-4D97-AF65-F5344CB8AC3E}">
-        <p14:creationId xmlns:p14="http://schemas.microsoft.com/office/powerpoint/2010/main" val="434352204"/>
+        <p14:creationId xmlns:p14="http://schemas.microsoft.com/office/powerpoint/2010/main" val="3779497355"/>
       </p:ext>
     </p:extLst>
   </p:cSld>
   <p:clrMapOvr>
     <a:masterClrMapping/>
   </p:clrMapOvr>
-  <p:timing>
-    <p:tnLst>
-      <p:par>
-        <p:cTn id="1" dur="indefinite" restart="never" nodeType="tmRoot"/>
-      </p:par>
-    </p:tnLst>
-  </p:timing>
 </p:sld>
 </file>
 
@@ -7411,10 +7423,676 @@
           <a:lstStyle/>
           <a:p>
             <a:r>
-              <a:rPr lang="en-US" dirty="0" smtClean="0"/>
+              <a:rPr lang="en-US" dirty="0"/>
+              <a:t>Generating Output</a:t>
+            </a:r>
+          </a:p>
+        </p:txBody>
+      </p:sp>
+      <p:sp>
+        <p:nvSpPr>
+          <p:cNvPr id="3" name="Content Placeholder 2"/>
+          <p:cNvSpPr>
+            <a:spLocks noGrp="1"/>
+          </p:cNvSpPr>
+          <p:nvPr>
+            <p:ph idx="1"/>
+          </p:nvPr>
+        </p:nvSpPr>
+        <p:spPr/>
+        <p:txBody>
+          <a:bodyPr/>
+          <a:lstStyle/>
+          <a:p>
+            <a:r>
+              <a:rPr lang="en-US" dirty="0"/>
+              <a:t>If </a:t>
+            </a:r>
+            <a:r>
+              <a:rPr lang="en-US" dirty="0" err="1"/>
+              <a:t>Vm</a:t>
+            </a:r>
+            <a:r>
+              <a:rPr lang="en-US" dirty="0"/>
+              <a:t> gets over threshold, neuron fires a spike.</a:t>
+            </a:r>
+          </a:p>
+          <a:p>
+            <a:r>
+              <a:rPr lang="en-US" dirty="0"/>
+              <a:t>Spike resets membrane potential back to rest.</a:t>
+            </a:r>
+          </a:p>
+          <a:p>
+            <a:r>
+              <a:rPr lang="en-US" dirty="0"/>
+              <a:t>Has to climb back up to threshold to spike again</a:t>
+            </a:r>
+          </a:p>
+          <a:p>
+            <a:endParaRPr lang="en-US" dirty="0"/>
+          </a:p>
+        </p:txBody>
+      </p:sp>
+    </p:spTree>
+    <p:extLst>
+      <p:ext uri="{BB962C8B-B14F-4D97-AF65-F5344CB8AC3E}">
+        <p14:creationId xmlns:p14="http://schemas.microsoft.com/office/powerpoint/2010/main" val="2108390466"/>
+      </p:ext>
+    </p:extLst>
+  </p:cSld>
+  <p:clrMapOvr>
+    <a:masterClrMapping/>
+  </p:clrMapOvr>
+</p:sld>
+</file>
+
+<file path=ppt/slides/slide34.xml><?xml version="1.0" encoding="utf-8"?>
+<p:sld xmlns:a="http://schemas.openxmlformats.org/drawingml/2006/main" xmlns:r="http://schemas.openxmlformats.org/officeDocument/2006/relationships" xmlns:p="http://schemas.openxmlformats.org/presentationml/2006/main">
+  <p:cSld>
+    <p:spTree>
+      <p:nvGrpSpPr>
+        <p:cNvPr id="1" name=""/>
+        <p:cNvGrpSpPr/>
+        <p:nvPr/>
+      </p:nvGrpSpPr>
+      <p:grpSpPr>
+        <a:xfrm>
+          <a:off x="0" y="0"/>
+          <a:ext cx="0" cy="0"/>
+          <a:chOff x="0" y="0"/>
+          <a:chExt cx="0" cy="0"/>
+        </a:xfrm>
+      </p:grpSpPr>
+      <p:sp>
+        <p:nvSpPr>
+          <p:cNvPr id="2" name="Title 1"/>
+          <p:cNvSpPr>
+            <a:spLocks noGrp="1"/>
+          </p:cNvSpPr>
+          <p:nvPr>
+            <p:ph type="title"/>
+          </p:nvPr>
+        </p:nvSpPr>
+        <p:spPr/>
+        <p:txBody>
+          <a:bodyPr/>
+          <a:lstStyle/>
+          <a:p>
+            <a:r>
+              <a:rPr lang="en-US" dirty="0"/>
+              <a:t>Rate Code Approximation</a:t>
+            </a:r>
+          </a:p>
+        </p:txBody>
+      </p:sp>
+      <p:sp>
+        <p:nvSpPr>
+          <p:cNvPr id="3" name="Content Placeholder 2"/>
+          <p:cNvSpPr>
+            <a:spLocks noGrp="1"/>
+          </p:cNvSpPr>
+          <p:nvPr>
+            <p:ph idx="1"/>
+          </p:nvPr>
+        </p:nvSpPr>
+        <p:spPr/>
+        <p:txBody>
+          <a:bodyPr/>
+          <a:lstStyle/>
+          <a:p>
+            <a:r>
+              <a:rPr lang="en-US" dirty="0"/>
+              <a:t>Brain likes spikes, but rates are great!</a:t>
+            </a:r>
+          </a:p>
+          <a:p>
+            <a:pPr lvl="1"/>
+            <a:r>
+              <a:rPr lang="en-US" dirty="0"/>
+              <a:t>Instantaneous and steady – smaller, faster models</a:t>
+            </a:r>
+          </a:p>
+          <a:p>
+            <a:pPr lvl="1"/>
+            <a:r>
+              <a:rPr lang="en-US" dirty="0"/>
+              <a:t>But definitely lose several important things</a:t>
+            </a:r>
+          </a:p>
+          <a:p>
+            <a:pPr lvl="1"/>
+            <a:r>
+              <a:rPr lang="en-US" dirty="0" err="1"/>
+              <a:t>Soln</a:t>
+            </a:r>
+            <a:r>
+              <a:rPr lang="en-US" dirty="0"/>
+              <a:t>: do it both ways, and see what the diffs are..</a:t>
+            </a:r>
+          </a:p>
+          <a:p>
+            <a:r>
+              <a:rPr lang="en-US" dirty="0"/>
+              <a:t>Goal: equation that makes good </a:t>
+            </a:r>
+            <a:r>
+              <a:rPr lang="en-US" dirty="0" err="1"/>
+              <a:t>approx</a:t>
+            </a:r>
+            <a:r>
+              <a:rPr lang="en-US" dirty="0"/>
+              <a:t> of actual spiking rate for same sets of inputs.</a:t>
+            </a:r>
+          </a:p>
+        </p:txBody>
+      </p:sp>
+    </p:spTree>
+    <p:extLst>
+      <p:ext uri="{BB962C8B-B14F-4D97-AF65-F5344CB8AC3E}">
+        <p14:creationId xmlns:p14="http://schemas.microsoft.com/office/powerpoint/2010/main" val="4128671136"/>
+      </p:ext>
+    </p:extLst>
+  </p:cSld>
+  <p:clrMapOvr>
+    <a:masterClrMapping/>
+  </p:clrMapOvr>
+</p:sld>
+</file>
+
+<file path=ppt/slides/slide35.xml><?xml version="1.0" encoding="utf-8"?>
+<p:sld xmlns:a="http://schemas.openxmlformats.org/drawingml/2006/main" xmlns:r="http://schemas.openxmlformats.org/officeDocument/2006/relationships" xmlns:p="http://schemas.openxmlformats.org/presentationml/2006/main">
+  <p:cSld>
+    <p:spTree>
+      <p:nvGrpSpPr>
+        <p:cNvPr id="1" name=""/>
+        <p:cNvGrpSpPr/>
+        <p:nvPr/>
+      </p:nvGrpSpPr>
+      <p:grpSpPr>
+        <a:xfrm>
+          <a:off x="0" y="0"/>
+          <a:ext cx="0" cy="0"/>
+          <a:chOff x="0" y="0"/>
+          <a:chExt cx="0" cy="0"/>
+        </a:xfrm>
+      </p:grpSpPr>
+      <p:sp>
+        <p:nvSpPr>
+          <p:cNvPr id="2" name="Title 1"/>
+          <p:cNvSpPr>
+            <a:spLocks noGrp="1"/>
+          </p:cNvSpPr>
+          <p:nvPr>
+            <p:ph type="title"/>
+          </p:nvPr>
+        </p:nvSpPr>
+        <p:spPr/>
+        <p:txBody>
+          <a:bodyPr/>
+          <a:lstStyle/>
+          <a:p>
+            <a:r>
+              <a:rPr lang="en-US" dirty="0"/>
+              <a:t>Sigmoidal Activation</a:t>
+            </a:r>
+          </a:p>
+        </p:txBody>
+      </p:sp>
+      <p:pic>
+        <p:nvPicPr>
+          <p:cNvPr id="4" name="Content Placeholder 3" descr="fig_nxx1_fun.png"/>
+          <p:cNvPicPr>
+            <a:picLocks noGrp="1" noChangeAspect="1"/>
+          </p:cNvPicPr>
+          <p:nvPr>
+            <p:ph idx="1"/>
+          </p:nvPr>
+        </p:nvPicPr>
+        <p:blipFill rotWithShape="1">
+          <a:blip r:embed="rId2">
+            <a:extLst>
+              <a:ext uri="{28A0092B-C50C-407E-A947-70E740481C1C}">
+                <a14:useLocalDpi xmlns:a14="http://schemas.microsoft.com/office/drawing/2010/main" val="0"/>
+              </a:ext>
+            </a:extLst>
+          </a:blip>
+          <a:srcRect l="-436" r="-257"/>
+          <a:stretch/>
+        </p:blipFill>
+        <p:spPr>
+          <a:xfrm>
+            <a:off x="695325" y="1800225"/>
+            <a:ext cx="5410200" cy="4193504"/>
+          </a:xfrm>
+        </p:spPr>
+      </p:pic>
+      <p:sp>
+        <p:nvSpPr>
+          <p:cNvPr id="6" name="TextBox 5"/>
+          <p:cNvSpPr txBox="1"/>
+          <p:nvPr/>
+        </p:nvSpPr>
+        <p:spPr>
+          <a:xfrm>
+            <a:off x="6257925" y="1876425"/>
+            <a:ext cx="3200400" cy="2964914"/>
+          </a:xfrm>
+          <a:prstGeom prst="rect">
+            <a:avLst/>
+          </a:prstGeom>
+          <a:noFill/>
+        </p:spPr>
+        <p:txBody>
+          <a:bodyPr wrap="square" lIns="91430" tIns="45716" rIns="91430" bIns="45716" rtlCol="0">
+            <a:spAutoFit/>
+          </a:bodyPr>
+          <a:lstStyle/>
+          <a:p>
+            <a:pPr marL="285721" indent="-285721">
+              <a:lnSpc>
+                <a:spcPct val="200000"/>
+              </a:lnSpc>
+              <a:buSzPct val="100000"/>
+              <a:buFontTx/>
+              <a:buChar char="•"/>
+            </a:pPr>
+            <a:r>
+              <a:rPr lang="en-US" sz="3200" dirty="0"/>
+              <a:t>Threshold</a:t>
+            </a:r>
+          </a:p>
+          <a:p>
+            <a:pPr marL="285721" indent="-285721">
+              <a:lnSpc>
+                <a:spcPct val="200000"/>
+              </a:lnSpc>
+              <a:buSzPct val="100000"/>
+              <a:buFontTx/>
+              <a:buChar char="•"/>
+            </a:pPr>
+            <a:r>
+              <a:rPr lang="en-US" sz="3200" dirty="0"/>
+              <a:t>Saturating</a:t>
+            </a:r>
+          </a:p>
+          <a:p>
+            <a:pPr marL="285721" indent="-285721">
+              <a:lnSpc>
+                <a:spcPct val="200000"/>
+              </a:lnSpc>
+              <a:buSzPct val="100000"/>
+              <a:buFontTx/>
+              <a:buChar char="•"/>
+            </a:pPr>
+            <a:r>
+              <a:rPr lang="en-US" sz="3200" dirty="0"/>
+              <a:t>Smooth</a:t>
+            </a:r>
+          </a:p>
+        </p:txBody>
+      </p:sp>
+    </p:spTree>
+    <p:extLst>
+      <p:ext uri="{BB962C8B-B14F-4D97-AF65-F5344CB8AC3E}">
+        <p14:creationId xmlns:p14="http://schemas.microsoft.com/office/powerpoint/2010/main" val="887134244"/>
+      </p:ext>
+    </p:extLst>
+  </p:cSld>
+  <p:clrMapOvr>
+    <a:masterClrMapping/>
+  </p:clrMapOvr>
+</p:sld>
+</file>
+
+<file path=ppt/slides/slide36.xml><?xml version="1.0" encoding="utf-8"?>
+<p:sld xmlns:a="http://schemas.openxmlformats.org/drawingml/2006/main" xmlns:r="http://schemas.openxmlformats.org/officeDocument/2006/relationships" xmlns:p="http://schemas.openxmlformats.org/presentationml/2006/main">
+  <p:cSld>
+    <p:spTree>
+      <p:nvGrpSpPr>
+        <p:cNvPr id="1" name=""/>
+        <p:cNvGrpSpPr/>
+        <p:nvPr/>
+      </p:nvGrpSpPr>
+      <p:grpSpPr>
+        <a:xfrm>
+          <a:off x="0" y="0"/>
+          <a:ext cx="0" cy="0"/>
+          <a:chOff x="0" y="0"/>
+          <a:chExt cx="0" cy="0"/>
+        </a:xfrm>
+      </p:grpSpPr>
+      <p:sp>
+        <p:nvSpPr>
+          <p:cNvPr id="2" name="Title 1"/>
+          <p:cNvSpPr>
+            <a:spLocks noGrp="1"/>
+          </p:cNvSpPr>
+          <p:nvPr>
+            <p:ph type="title"/>
+          </p:nvPr>
+        </p:nvSpPr>
+        <p:spPr/>
+        <p:txBody>
+          <a:bodyPr/>
+          <a:lstStyle/>
+          <a:p>
+            <a:r>
+              <a:rPr lang="en-US" dirty="0"/>
+              <a:t>Rate Code Equations</a:t>
+            </a:r>
+          </a:p>
+        </p:txBody>
+      </p:sp>
+      <p:sp>
+        <p:nvSpPr>
+          <p:cNvPr id="3" name="Content Placeholder 2"/>
+          <p:cNvSpPr>
+            <a:spLocks noGrp="1"/>
+          </p:cNvSpPr>
+          <p:nvPr>
+            <p:ph idx="1"/>
+          </p:nvPr>
+        </p:nvSpPr>
+        <p:spPr/>
+        <p:txBody>
+          <a:bodyPr/>
+          <a:lstStyle/>
+          <a:p>
+            <a:r>
+              <a:rPr lang="en-US" dirty="0"/>
+              <a:t>A little bit tricky because </a:t>
+            </a:r>
+            <a:r>
+              <a:rPr lang="en-US" dirty="0" err="1"/>
+              <a:t>Vm</a:t>
+            </a:r>
+            <a:r>
+              <a:rPr lang="en-US" dirty="0"/>
+              <a:t> doesn’t work.</a:t>
+            </a:r>
+          </a:p>
+          <a:p>
+            <a:r>
+              <a:rPr lang="en-US" dirty="0"/>
+              <a:t>Need to use excitatory conductance – threshold</a:t>
+            </a:r>
+          </a:p>
+          <a:p>
+            <a:r>
+              <a:rPr lang="en-US" dirty="0"/>
+              <a:t>XX1 equation:</a:t>
+            </a:r>
+          </a:p>
+          <a:p>
+            <a:endParaRPr lang="en-US" dirty="0"/>
+          </a:p>
+          <a:p>
+            <a:r>
+              <a:rPr lang="en-US" dirty="0" err="1"/>
+              <a:t>ge</a:t>
+            </a:r>
+            <a:r>
+              <a:rPr lang="en-US" dirty="0"/>
+              <a:t>-theta:</a:t>
+            </a:r>
+          </a:p>
+          <a:p>
+            <a:endParaRPr lang="en-US" dirty="0"/>
+          </a:p>
+          <a:p>
+            <a:r>
+              <a:rPr lang="en-US" dirty="0"/>
+              <a:t>Time </a:t>
+            </a:r>
+            <a:r>
+              <a:rPr lang="en-US"/>
+              <a:t>dyn: </a:t>
+            </a:r>
+            <a:endParaRPr lang="en-US" dirty="0"/>
+          </a:p>
+        </p:txBody>
+      </p:sp>
+      <p:pic>
+        <p:nvPicPr>
+          <p:cNvPr id="4" name="Picture 3" descr="Screen shot 2011-01-18 at 12.58.31 AM.png"/>
+          <p:cNvPicPr>
+            <a:picLocks noChangeAspect="1"/>
+          </p:cNvPicPr>
+          <p:nvPr/>
+        </p:nvPicPr>
+        <p:blipFill>
+          <a:blip r:embed="rId2">
+            <a:extLst>
+              <a:ext uri="{28A0092B-C50C-407E-A947-70E740481C1C}">
+                <a14:useLocalDpi xmlns:a14="http://schemas.microsoft.com/office/drawing/2010/main" val="0"/>
+              </a:ext>
+            </a:extLst>
+          </a:blip>
+          <a:stretch>
+            <a:fillRect/>
+          </a:stretch>
+        </p:blipFill>
+        <p:spPr>
+          <a:xfrm>
+            <a:off x="3819525" y="3019425"/>
+            <a:ext cx="2273300" cy="838200"/>
+          </a:xfrm>
+          <a:prstGeom prst="rect">
+            <a:avLst/>
+          </a:prstGeom>
+        </p:spPr>
+      </p:pic>
+      <p:pic>
+        <p:nvPicPr>
+          <p:cNvPr id="5" name="Picture 4" descr="Screen shot 2011-01-18 at 12.59.00 AM.png"/>
+          <p:cNvPicPr>
+            <a:picLocks noChangeAspect="1"/>
+          </p:cNvPicPr>
+          <p:nvPr/>
+        </p:nvPicPr>
+        <p:blipFill>
+          <a:blip r:embed="rId3">
+            <a:extLst>
+              <a:ext uri="{28A0092B-C50C-407E-A947-70E740481C1C}">
+                <a14:useLocalDpi xmlns:a14="http://schemas.microsoft.com/office/drawing/2010/main" val="0"/>
+              </a:ext>
+            </a:extLst>
+          </a:blip>
+          <a:stretch>
+            <a:fillRect/>
+          </a:stretch>
+        </p:blipFill>
+        <p:spPr>
+          <a:xfrm>
+            <a:off x="3362325" y="4238626"/>
+            <a:ext cx="3378200" cy="723900"/>
+          </a:xfrm>
+          <a:prstGeom prst="rect">
+            <a:avLst/>
+          </a:prstGeom>
+        </p:spPr>
+      </p:pic>
+      <p:pic>
+        <p:nvPicPr>
+          <p:cNvPr id="6" name="Picture 5"/>
+          <p:cNvPicPr>
+            <a:picLocks noChangeAspect="1"/>
+          </p:cNvPicPr>
+          <p:nvPr/>
+        </p:nvPicPr>
+        <p:blipFill>
+          <a:blip r:embed="rId4">
+            <a:extLst>
+              <a:ext uri="{28A0092B-C50C-407E-A947-70E740481C1C}">
+                <a14:useLocalDpi xmlns:a14="http://schemas.microsoft.com/office/drawing/2010/main" val="0"/>
+              </a:ext>
+            </a:extLst>
+          </a:blip>
+          <a:stretch>
+            <a:fillRect/>
+          </a:stretch>
+        </p:blipFill>
+        <p:spPr>
+          <a:xfrm>
+            <a:off x="3514725" y="5610225"/>
+            <a:ext cx="5791200" cy="475467"/>
+          </a:xfrm>
+          <a:prstGeom prst="rect">
+            <a:avLst/>
+          </a:prstGeom>
+        </p:spPr>
+      </p:pic>
+    </p:spTree>
+    <p:extLst>
+      <p:ext uri="{BB962C8B-B14F-4D97-AF65-F5344CB8AC3E}">
+        <p14:creationId xmlns:p14="http://schemas.microsoft.com/office/powerpoint/2010/main" val="3600072711"/>
+      </p:ext>
+    </p:extLst>
+  </p:cSld>
+  <p:clrMapOvr>
+    <a:masterClrMapping/>
+  </p:clrMapOvr>
+</p:sld>
+</file>
+
+<file path=ppt/slides/slide37.xml><?xml version="1.0" encoding="utf-8"?>
+<p:sld xmlns:a="http://schemas.openxmlformats.org/drawingml/2006/main" xmlns:r="http://schemas.openxmlformats.org/officeDocument/2006/relationships" xmlns:p="http://schemas.openxmlformats.org/presentationml/2006/main">
+  <p:cSld>
+    <p:spTree>
+      <p:nvGrpSpPr>
+        <p:cNvPr id="1" name=""/>
+        <p:cNvGrpSpPr/>
+        <p:nvPr/>
+      </p:nvGrpSpPr>
+      <p:grpSpPr>
+        <a:xfrm>
+          <a:off x="0" y="0"/>
+          <a:ext cx="0" cy="0"/>
+          <a:chOff x="0" y="0"/>
+          <a:chExt cx="0" cy="0"/>
+        </a:xfrm>
+      </p:grpSpPr>
+      <p:sp>
+        <p:nvSpPr>
+          <p:cNvPr id="2" name="Title 1"/>
+          <p:cNvSpPr>
+            <a:spLocks noGrp="1"/>
+          </p:cNvSpPr>
+          <p:nvPr>
+            <p:ph type="title"/>
+          </p:nvPr>
+        </p:nvSpPr>
+        <p:spPr/>
+        <p:txBody>
+          <a:bodyPr/>
+          <a:lstStyle/>
+          <a:p>
+            <a:r>
+              <a:rPr lang="en-US" dirty="0"/>
+              <a:t>The Synapse</a:t>
+            </a:r>
+          </a:p>
+        </p:txBody>
+      </p:sp>
+      <p:pic>
+        <p:nvPicPr>
+          <p:cNvPr id="5" name="Content Placeholder 4" descr="fig_synapse.png"/>
+          <p:cNvPicPr>
+            <a:picLocks noGrp="1" noChangeAspect="1"/>
+          </p:cNvPicPr>
+          <p:nvPr>
+            <p:ph idx="1"/>
+          </p:nvPr>
+        </p:nvPicPr>
+        <p:blipFill>
+          <a:blip r:embed="rId2">
+            <a:extLst>
+              <a:ext uri="{28A0092B-C50C-407E-A947-70E740481C1C}">
+                <a14:useLocalDpi xmlns:a14="http://schemas.microsoft.com/office/drawing/2010/main" val="0"/>
+              </a:ext>
+            </a:extLst>
+          </a:blip>
+          <a:srcRect l="-48848" r="-48848"/>
+          <a:stretch>
+            <a:fillRect/>
+          </a:stretch>
+        </p:blipFill>
+        <p:spPr/>
+      </p:pic>
+      <p:sp>
+        <p:nvSpPr>
+          <p:cNvPr id="4" name="Slide Number Placeholder 3"/>
+          <p:cNvSpPr>
+            <a:spLocks noGrp="1"/>
+          </p:cNvSpPr>
+          <p:nvPr>
+            <p:ph type="sldNum" idx="12"/>
+          </p:nvPr>
+        </p:nvSpPr>
+        <p:spPr/>
+        <p:txBody>
+          <a:bodyPr/>
+          <a:lstStyle/>
+          <a:p>
+            <a:fld id="{5689AE7F-56EB-8D49-9914-836A4F709789}" type="slidenum">
+              <a:rPr lang="en-US" smtClean="0"/>
+              <a:pPr/>
+              <a:t>37</a:t>
+            </a:fld>
+            <a:endParaRPr lang="en-US"/>
+          </a:p>
+        </p:txBody>
+      </p:sp>
+    </p:spTree>
+    <p:extLst>
+      <p:ext uri="{BB962C8B-B14F-4D97-AF65-F5344CB8AC3E}">
+        <p14:creationId xmlns:p14="http://schemas.microsoft.com/office/powerpoint/2010/main" val="434352204"/>
+      </p:ext>
+    </p:extLst>
+  </p:cSld>
+  <p:clrMapOvr>
+    <a:masterClrMapping/>
+  </p:clrMapOvr>
+</p:sld>
+</file>
+
+<file path=ppt/slides/slide38.xml><?xml version="1.0" encoding="utf-8"?>
+<p:sld xmlns:a="http://schemas.openxmlformats.org/drawingml/2006/main" xmlns:r="http://schemas.openxmlformats.org/officeDocument/2006/relationships" xmlns:p="http://schemas.openxmlformats.org/presentationml/2006/main">
+  <p:cSld>
+    <p:spTree>
+      <p:nvGrpSpPr>
+        <p:cNvPr id="1" name=""/>
+        <p:cNvGrpSpPr/>
+        <p:nvPr/>
+      </p:nvGrpSpPr>
+      <p:grpSpPr>
+        <a:xfrm>
+          <a:off x="0" y="0"/>
+          <a:ext cx="0" cy="0"/>
+          <a:chOff x="0" y="0"/>
+          <a:chExt cx="0" cy="0"/>
+        </a:xfrm>
+      </p:grpSpPr>
+      <p:sp>
+        <p:nvSpPr>
+          <p:cNvPr id="2" name="Title 1"/>
+          <p:cNvSpPr>
+            <a:spLocks noGrp="1"/>
+          </p:cNvSpPr>
+          <p:nvPr>
+            <p:ph type="title"/>
+          </p:nvPr>
+        </p:nvSpPr>
+        <p:spPr/>
+        <p:txBody>
+          <a:bodyPr/>
+          <a:lstStyle/>
+          <a:p>
+            <a:r>
+              <a:rPr lang="en-US" dirty="0"/>
               <a:t>The Full Story..</a:t>
             </a:r>
-            <a:endParaRPr lang="en-US" dirty="0"/>
           </a:p>
         </p:txBody>
       </p:sp>
@@ -7456,7 +8134,7 @@
 </p:sld>
 </file>
 
-<file path=ppt/slides/slide34.xml><?xml version="1.0" encoding="utf-8"?>
+<file path=ppt/slides/slide39.xml><?xml version="1.0" encoding="utf-8"?>
 <p:sld xmlns:a="http://schemas.openxmlformats.org/drawingml/2006/main" xmlns:r="http://schemas.openxmlformats.org/officeDocument/2006/relationships" xmlns:p="http://schemas.openxmlformats.org/presentationml/2006/main">
   <p:cSld>
     <p:spTree>
@@ -7489,18 +8167,17 @@
           <a:lstStyle/>
           <a:p>
             <a:r>
-              <a:rPr lang="en-US" dirty="0" smtClean="0"/>
+              <a:rPr lang="en-US" dirty="0"/>
               <a:t>Input </a:t>
             </a:r>
             <a:r>
-              <a:rPr lang="en-US" dirty="0" err="1" smtClean="0"/>
+              <a:rPr lang="en-US" dirty="0" err="1"/>
               <a:t>Conductances</a:t>
             </a:r>
             <a:r>
-              <a:rPr lang="en-US" dirty="0" smtClean="0"/>
+              <a:rPr lang="en-US" dirty="0"/>
               <a:t> and Weights</a:t>
             </a:r>
-            <a:endParaRPr lang="en-US" dirty="0"/>
           </a:p>
         </p:txBody>
       </p:sp>
@@ -7525,18 +8202,17 @@
           <a:lstStyle/>
           <a:p>
             <a:r>
-              <a:rPr lang="en-US" dirty="0" smtClean="0"/>
+              <a:rPr lang="en-US" dirty="0"/>
               <a:t>Just add ‘</a:t>
             </a:r>
             <a:r>
-              <a:rPr lang="en-US" dirty="0" err="1" smtClean="0"/>
+              <a:rPr lang="en-US" dirty="0" err="1"/>
               <a:t>em</a:t>
             </a:r>
             <a:r>
-              <a:rPr lang="en-US" dirty="0" smtClean="0"/>
+              <a:rPr lang="en-US" dirty="0"/>
               <a:t> up (and take the average)</a:t>
             </a:r>
-            <a:endParaRPr lang="en-US" dirty="0"/>
           </a:p>
         </p:txBody>
       </p:sp>
@@ -7638,577 +8314,6 @@
     <p:extLst>
       <p:ext uri="{BB962C8B-B14F-4D97-AF65-F5344CB8AC3E}">
         <p14:creationId xmlns:p14="http://schemas.microsoft.com/office/powerpoint/2010/main" val="2259824562"/>
-      </p:ext>
-    </p:extLst>
-  </p:cSld>
-  <p:clrMapOvr>
-    <a:masterClrMapping/>
-  </p:clrMapOvr>
-</p:sld>
-</file>
-
-<file path=ppt/slides/slide35.xml><?xml version="1.0" encoding="utf-8"?>
-<p:sld xmlns:a="http://schemas.openxmlformats.org/drawingml/2006/main" xmlns:r="http://schemas.openxmlformats.org/officeDocument/2006/relationships" xmlns:p="http://schemas.openxmlformats.org/presentationml/2006/main">
-  <p:cSld>
-    <p:spTree>
-      <p:nvGrpSpPr>
-        <p:cNvPr id="1" name=""/>
-        <p:cNvGrpSpPr/>
-        <p:nvPr/>
-      </p:nvGrpSpPr>
-      <p:grpSpPr>
-        <a:xfrm>
-          <a:off x="0" y="0"/>
-          <a:ext cx="0" cy="0"/>
-          <a:chOff x="0" y="0"/>
-          <a:chExt cx="0" cy="0"/>
-        </a:xfrm>
-      </p:grpSpPr>
-      <p:sp>
-        <p:nvSpPr>
-          <p:cNvPr id="2" name="Title 1"/>
-          <p:cNvSpPr>
-            <a:spLocks noGrp="1"/>
-          </p:cNvSpPr>
-          <p:nvPr>
-            <p:ph type="title"/>
-          </p:nvPr>
-        </p:nvSpPr>
-        <p:spPr/>
-        <p:txBody>
-          <a:bodyPr/>
-          <a:lstStyle/>
-          <a:p>
-            <a:r>
-              <a:rPr lang="en-US" dirty="0" smtClean="0"/>
-              <a:t>Generating Output</a:t>
-            </a:r>
-            <a:endParaRPr lang="en-US" dirty="0"/>
-          </a:p>
-        </p:txBody>
-      </p:sp>
-      <p:sp>
-        <p:nvSpPr>
-          <p:cNvPr id="3" name="Content Placeholder 2"/>
-          <p:cNvSpPr>
-            <a:spLocks noGrp="1"/>
-          </p:cNvSpPr>
-          <p:nvPr>
-            <p:ph idx="1"/>
-          </p:nvPr>
-        </p:nvSpPr>
-        <p:spPr/>
-        <p:txBody>
-          <a:bodyPr/>
-          <a:lstStyle/>
-          <a:p>
-            <a:r>
-              <a:rPr lang="en-US" dirty="0" smtClean="0"/>
-              <a:t>If </a:t>
-            </a:r>
-            <a:r>
-              <a:rPr lang="en-US" dirty="0" err="1" smtClean="0"/>
-              <a:t>Vm</a:t>
-            </a:r>
-            <a:r>
-              <a:rPr lang="en-US" dirty="0" smtClean="0"/>
-              <a:t> gets over threshold, neuron fires a spike.</a:t>
-            </a:r>
-          </a:p>
-          <a:p>
-            <a:r>
-              <a:rPr lang="en-US" dirty="0" smtClean="0"/>
-              <a:t>Spike resets membrane potential back to rest.</a:t>
-            </a:r>
-          </a:p>
-          <a:p>
-            <a:r>
-              <a:rPr lang="en-US" dirty="0" smtClean="0"/>
-              <a:t>Has to climb back up to threshold to spike again</a:t>
-            </a:r>
-          </a:p>
-          <a:p>
-            <a:endParaRPr lang="en-US" dirty="0"/>
-          </a:p>
-        </p:txBody>
-      </p:sp>
-    </p:spTree>
-    <p:extLst>
-      <p:ext uri="{BB962C8B-B14F-4D97-AF65-F5344CB8AC3E}">
-        <p14:creationId xmlns:p14="http://schemas.microsoft.com/office/powerpoint/2010/main" val="2108390466"/>
-      </p:ext>
-    </p:extLst>
-  </p:cSld>
-  <p:clrMapOvr>
-    <a:masterClrMapping/>
-  </p:clrMapOvr>
-</p:sld>
-</file>
-
-<file path=ppt/slides/slide36.xml><?xml version="1.0" encoding="utf-8"?>
-<p:sld xmlns:a="http://schemas.openxmlformats.org/drawingml/2006/main" xmlns:r="http://schemas.openxmlformats.org/officeDocument/2006/relationships" xmlns:p="http://schemas.openxmlformats.org/presentationml/2006/main">
-  <p:cSld>
-    <p:spTree>
-      <p:nvGrpSpPr>
-        <p:cNvPr id="1" name=""/>
-        <p:cNvGrpSpPr/>
-        <p:nvPr/>
-      </p:nvGrpSpPr>
-      <p:grpSpPr>
-        <a:xfrm>
-          <a:off x="0" y="0"/>
-          <a:ext cx="0" cy="0"/>
-          <a:chOff x="0" y="0"/>
-          <a:chExt cx="0" cy="0"/>
-        </a:xfrm>
-      </p:grpSpPr>
-      <p:sp>
-        <p:nvSpPr>
-          <p:cNvPr id="2" name="Title 1"/>
-          <p:cNvSpPr>
-            <a:spLocks noGrp="1"/>
-          </p:cNvSpPr>
-          <p:nvPr>
-            <p:ph type="title"/>
-          </p:nvPr>
-        </p:nvSpPr>
-        <p:spPr/>
-        <p:txBody>
-          <a:bodyPr/>
-          <a:lstStyle/>
-          <a:p>
-            <a:r>
-              <a:rPr lang="en-US" dirty="0" smtClean="0"/>
-              <a:t>Rate Code Approximation</a:t>
-            </a:r>
-            <a:endParaRPr lang="en-US" dirty="0"/>
-          </a:p>
-        </p:txBody>
-      </p:sp>
-      <p:sp>
-        <p:nvSpPr>
-          <p:cNvPr id="3" name="Content Placeholder 2"/>
-          <p:cNvSpPr>
-            <a:spLocks noGrp="1"/>
-          </p:cNvSpPr>
-          <p:nvPr>
-            <p:ph idx="1"/>
-          </p:nvPr>
-        </p:nvSpPr>
-        <p:spPr/>
-        <p:txBody>
-          <a:bodyPr/>
-          <a:lstStyle/>
-          <a:p>
-            <a:r>
-              <a:rPr lang="en-US" dirty="0" smtClean="0"/>
-              <a:t>Brain likes spikes, but rates are great!</a:t>
-            </a:r>
-          </a:p>
-          <a:p>
-            <a:pPr lvl="1"/>
-            <a:r>
-              <a:rPr lang="en-US" dirty="0" smtClean="0"/>
-              <a:t>Instantaneous and steady – smaller, faster models</a:t>
-            </a:r>
-          </a:p>
-          <a:p>
-            <a:pPr lvl="1"/>
-            <a:r>
-              <a:rPr lang="en-US" dirty="0" smtClean="0"/>
-              <a:t>But definitely lose several important things</a:t>
-            </a:r>
-          </a:p>
-          <a:p>
-            <a:pPr lvl="1"/>
-            <a:r>
-              <a:rPr lang="en-US" dirty="0" err="1" smtClean="0"/>
-              <a:t>Soln</a:t>
-            </a:r>
-            <a:r>
-              <a:rPr lang="en-US" dirty="0" smtClean="0"/>
-              <a:t>: do it both ways, and see what the diffs are..</a:t>
-            </a:r>
-          </a:p>
-          <a:p>
-            <a:r>
-              <a:rPr lang="en-US" dirty="0" smtClean="0"/>
-              <a:t>Goal: equation that makes good </a:t>
-            </a:r>
-            <a:r>
-              <a:rPr lang="en-US" dirty="0" err="1" smtClean="0"/>
-              <a:t>approx</a:t>
-            </a:r>
-            <a:r>
-              <a:rPr lang="en-US" dirty="0" smtClean="0"/>
-              <a:t> of actual spiking rate for same sets of inputs.</a:t>
-            </a:r>
-            <a:endParaRPr lang="en-US" dirty="0"/>
-          </a:p>
-        </p:txBody>
-      </p:sp>
-    </p:spTree>
-    <p:extLst>
-      <p:ext uri="{BB962C8B-B14F-4D97-AF65-F5344CB8AC3E}">
-        <p14:creationId xmlns:p14="http://schemas.microsoft.com/office/powerpoint/2010/main" val="4128671136"/>
-      </p:ext>
-    </p:extLst>
-  </p:cSld>
-  <p:clrMapOvr>
-    <a:masterClrMapping/>
-  </p:clrMapOvr>
-</p:sld>
-</file>
-
-<file path=ppt/slides/slide37.xml><?xml version="1.0" encoding="utf-8"?>
-<p:sld xmlns:a="http://schemas.openxmlformats.org/drawingml/2006/main" xmlns:r="http://schemas.openxmlformats.org/officeDocument/2006/relationships" xmlns:p="http://schemas.openxmlformats.org/presentationml/2006/main">
-  <p:cSld>
-    <p:spTree>
-      <p:nvGrpSpPr>
-        <p:cNvPr id="1" name=""/>
-        <p:cNvGrpSpPr/>
-        <p:nvPr/>
-      </p:nvGrpSpPr>
-      <p:grpSpPr>
-        <a:xfrm>
-          <a:off x="0" y="0"/>
-          <a:ext cx="0" cy="0"/>
-          <a:chOff x="0" y="0"/>
-          <a:chExt cx="0" cy="0"/>
-        </a:xfrm>
-      </p:grpSpPr>
-      <p:sp>
-        <p:nvSpPr>
-          <p:cNvPr id="2" name="Title 1"/>
-          <p:cNvSpPr>
-            <a:spLocks noGrp="1"/>
-          </p:cNvSpPr>
-          <p:nvPr>
-            <p:ph type="title"/>
-          </p:nvPr>
-        </p:nvSpPr>
-        <p:spPr/>
-        <p:txBody>
-          <a:bodyPr/>
-          <a:lstStyle/>
-          <a:p>
-            <a:r>
-              <a:rPr lang="en-US" dirty="0" smtClean="0"/>
-              <a:t>Sigmoidal Activation</a:t>
-            </a:r>
-            <a:endParaRPr lang="en-US" dirty="0"/>
-          </a:p>
-        </p:txBody>
-      </p:sp>
-      <p:pic>
-        <p:nvPicPr>
-          <p:cNvPr id="4" name="Content Placeholder 3" descr="fig_nxx1_fun.png"/>
-          <p:cNvPicPr>
-            <a:picLocks noGrp="1" noChangeAspect="1"/>
-          </p:cNvPicPr>
-          <p:nvPr>
-            <p:ph idx="1"/>
-          </p:nvPr>
-        </p:nvPicPr>
-        <p:blipFill rotWithShape="1">
-          <a:blip r:embed="rId2">
-            <a:extLst>
-              <a:ext uri="{28A0092B-C50C-407E-A947-70E740481C1C}">
-                <a14:useLocalDpi xmlns:a14="http://schemas.microsoft.com/office/drawing/2010/main" val="0"/>
-              </a:ext>
-            </a:extLst>
-          </a:blip>
-          <a:srcRect l="-436" r="-257"/>
-          <a:stretch/>
-        </p:blipFill>
-        <p:spPr>
-          <a:xfrm>
-            <a:off x="695325" y="1800225"/>
-            <a:ext cx="5410200" cy="4193504"/>
-          </a:xfrm>
-        </p:spPr>
-      </p:pic>
-      <p:sp>
-        <p:nvSpPr>
-          <p:cNvPr id="6" name="TextBox 5"/>
-          <p:cNvSpPr txBox="1"/>
-          <p:nvPr/>
-        </p:nvSpPr>
-        <p:spPr>
-          <a:xfrm>
-            <a:off x="6257925" y="1876425"/>
-            <a:ext cx="3200400" cy="2964914"/>
-          </a:xfrm>
-          <a:prstGeom prst="rect">
-            <a:avLst/>
-          </a:prstGeom>
-          <a:noFill/>
-        </p:spPr>
-        <p:txBody>
-          <a:bodyPr wrap="square" lIns="91430" tIns="45716" rIns="91430" bIns="45716" rtlCol="0">
-            <a:spAutoFit/>
-          </a:bodyPr>
-          <a:lstStyle/>
-          <a:p>
-            <a:pPr marL="285721" indent="-285721">
-              <a:lnSpc>
-                <a:spcPct val="200000"/>
-              </a:lnSpc>
-              <a:buSzPct val="100000"/>
-              <a:buFontTx/>
-              <a:buChar char="•"/>
-            </a:pPr>
-            <a:r>
-              <a:rPr lang="en-US" sz="3200" dirty="0"/>
-              <a:t>Threshold</a:t>
-            </a:r>
-          </a:p>
-          <a:p>
-            <a:pPr marL="285721" indent="-285721">
-              <a:lnSpc>
-                <a:spcPct val="200000"/>
-              </a:lnSpc>
-              <a:buSzPct val="100000"/>
-              <a:buFontTx/>
-              <a:buChar char="•"/>
-            </a:pPr>
-            <a:r>
-              <a:rPr lang="en-US" sz="3200" dirty="0"/>
-              <a:t>Saturating</a:t>
-            </a:r>
-          </a:p>
-          <a:p>
-            <a:pPr marL="285721" indent="-285721">
-              <a:lnSpc>
-                <a:spcPct val="200000"/>
-              </a:lnSpc>
-              <a:buSzPct val="100000"/>
-              <a:buFontTx/>
-              <a:buChar char="•"/>
-            </a:pPr>
-            <a:r>
-              <a:rPr lang="en-US" sz="3200" dirty="0"/>
-              <a:t>Smooth</a:t>
-            </a:r>
-          </a:p>
-        </p:txBody>
-      </p:sp>
-    </p:spTree>
-    <p:extLst>
-      <p:ext uri="{BB962C8B-B14F-4D97-AF65-F5344CB8AC3E}">
-        <p14:creationId xmlns:p14="http://schemas.microsoft.com/office/powerpoint/2010/main" val="887134244"/>
-      </p:ext>
-    </p:extLst>
-  </p:cSld>
-  <p:clrMapOvr>
-    <a:masterClrMapping/>
-  </p:clrMapOvr>
-</p:sld>
-</file>
-
-<file path=ppt/slides/slide38.xml><?xml version="1.0" encoding="utf-8"?>
-<p:sld xmlns:a="http://schemas.openxmlformats.org/drawingml/2006/main" xmlns:r="http://schemas.openxmlformats.org/officeDocument/2006/relationships" xmlns:p="http://schemas.openxmlformats.org/presentationml/2006/main">
-  <p:cSld>
-    <p:spTree>
-      <p:nvGrpSpPr>
-        <p:cNvPr id="1" name=""/>
-        <p:cNvGrpSpPr/>
-        <p:nvPr/>
-      </p:nvGrpSpPr>
-      <p:grpSpPr>
-        <a:xfrm>
-          <a:off x="0" y="0"/>
-          <a:ext cx="0" cy="0"/>
-          <a:chOff x="0" y="0"/>
-          <a:chExt cx="0" cy="0"/>
-        </a:xfrm>
-      </p:grpSpPr>
-      <p:sp>
-        <p:nvSpPr>
-          <p:cNvPr id="2" name="Title 1"/>
-          <p:cNvSpPr>
-            <a:spLocks noGrp="1"/>
-          </p:cNvSpPr>
-          <p:nvPr>
-            <p:ph type="title"/>
-          </p:nvPr>
-        </p:nvSpPr>
-        <p:spPr/>
-        <p:txBody>
-          <a:bodyPr/>
-          <a:lstStyle/>
-          <a:p>
-            <a:r>
-              <a:rPr lang="en-US" dirty="0" smtClean="0"/>
-              <a:t>Rate Code Equations</a:t>
-            </a:r>
-            <a:endParaRPr lang="en-US" dirty="0"/>
-          </a:p>
-        </p:txBody>
-      </p:sp>
-      <p:sp>
-        <p:nvSpPr>
-          <p:cNvPr id="3" name="Content Placeholder 2"/>
-          <p:cNvSpPr>
-            <a:spLocks noGrp="1"/>
-          </p:cNvSpPr>
-          <p:nvPr>
-            <p:ph idx="1"/>
-          </p:nvPr>
-        </p:nvSpPr>
-        <p:spPr/>
-        <p:txBody>
-          <a:bodyPr/>
-          <a:lstStyle/>
-          <a:p>
-            <a:r>
-              <a:rPr lang="en-US" dirty="0" smtClean="0"/>
-              <a:t>A little bit tricky because </a:t>
-            </a:r>
-            <a:r>
-              <a:rPr lang="en-US" dirty="0" err="1" smtClean="0"/>
-              <a:t>Vm</a:t>
-            </a:r>
-            <a:r>
-              <a:rPr lang="en-US" dirty="0" smtClean="0"/>
-              <a:t> doesn’t work.</a:t>
-            </a:r>
-          </a:p>
-          <a:p>
-            <a:r>
-              <a:rPr lang="en-US" dirty="0" smtClean="0"/>
-              <a:t>Need to use excitatory conductance – threshold</a:t>
-            </a:r>
-          </a:p>
-          <a:p>
-            <a:r>
-              <a:rPr lang="en-US" dirty="0" smtClean="0"/>
-              <a:t>XX1 equation:</a:t>
-            </a:r>
-          </a:p>
-          <a:p>
-            <a:endParaRPr lang="en-US" dirty="0"/>
-          </a:p>
-          <a:p>
-            <a:r>
-              <a:rPr lang="en-US" dirty="0" err="1" smtClean="0"/>
-              <a:t>ge</a:t>
-            </a:r>
-            <a:r>
-              <a:rPr lang="en-US" dirty="0" smtClean="0"/>
-              <a:t>-theta:</a:t>
-            </a:r>
-          </a:p>
-          <a:p>
-            <a:endParaRPr lang="en-US" dirty="0"/>
-          </a:p>
-          <a:p>
-            <a:r>
-              <a:rPr lang="en-US" dirty="0" smtClean="0"/>
-              <a:t>Time </a:t>
-            </a:r>
-            <a:r>
-              <a:rPr lang="en-US" smtClean="0"/>
-              <a:t>dyn: </a:t>
-            </a:r>
-            <a:endParaRPr lang="en-US" dirty="0" smtClean="0"/>
-          </a:p>
-        </p:txBody>
-      </p:sp>
-      <p:pic>
-        <p:nvPicPr>
-          <p:cNvPr id="4" name="Picture 3" descr="Screen shot 2011-01-18 at 12.58.31 AM.png"/>
-          <p:cNvPicPr>
-            <a:picLocks noChangeAspect="1"/>
-          </p:cNvPicPr>
-          <p:nvPr/>
-        </p:nvPicPr>
-        <p:blipFill>
-          <a:blip r:embed="rId2">
-            <a:extLst>
-              <a:ext uri="{28A0092B-C50C-407E-A947-70E740481C1C}">
-                <a14:useLocalDpi xmlns:a14="http://schemas.microsoft.com/office/drawing/2010/main" val="0"/>
-              </a:ext>
-            </a:extLst>
-          </a:blip>
-          <a:stretch>
-            <a:fillRect/>
-          </a:stretch>
-        </p:blipFill>
-        <p:spPr>
-          <a:xfrm>
-            <a:off x="3819525" y="3019425"/>
-            <a:ext cx="2273300" cy="838200"/>
-          </a:xfrm>
-          <a:prstGeom prst="rect">
-            <a:avLst/>
-          </a:prstGeom>
-        </p:spPr>
-      </p:pic>
-      <p:pic>
-        <p:nvPicPr>
-          <p:cNvPr id="5" name="Picture 4" descr="Screen shot 2011-01-18 at 12.59.00 AM.png"/>
-          <p:cNvPicPr>
-            <a:picLocks noChangeAspect="1"/>
-          </p:cNvPicPr>
-          <p:nvPr/>
-        </p:nvPicPr>
-        <p:blipFill>
-          <a:blip r:embed="rId3">
-            <a:extLst>
-              <a:ext uri="{28A0092B-C50C-407E-A947-70E740481C1C}">
-                <a14:useLocalDpi xmlns:a14="http://schemas.microsoft.com/office/drawing/2010/main" val="0"/>
-              </a:ext>
-            </a:extLst>
-          </a:blip>
-          <a:stretch>
-            <a:fillRect/>
-          </a:stretch>
-        </p:blipFill>
-        <p:spPr>
-          <a:xfrm>
-            <a:off x="3362325" y="4238626"/>
-            <a:ext cx="3378200" cy="723900"/>
-          </a:xfrm>
-          <a:prstGeom prst="rect">
-            <a:avLst/>
-          </a:prstGeom>
-        </p:spPr>
-      </p:pic>
-      <p:pic>
-        <p:nvPicPr>
-          <p:cNvPr id="6" name="Picture 5"/>
-          <p:cNvPicPr>
-            <a:picLocks noChangeAspect="1"/>
-          </p:cNvPicPr>
-          <p:nvPr/>
-        </p:nvPicPr>
-        <p:blipFill>
-          <a:blip r:embed="rId4">
-            <a:extLst>
-              <a:ext uri="{28A0092B-C50C-407E-A947-70E740481C1C}">
-                <a14:useLocalDpi xmlns:a14="http://schemas.microsoft.com/office/drawing/2010/main" val="0"/>
-              </a:ext>
-            </a:extLst>
-          </a:blip>
-          <a:stretch>
-            <a:fillRect/>
-          </a:stretch>
-        </p:blipFill>
-        <p:spPr>
-          <a:xfrm>
-            <a:off x="3514725" y="5610225"/>
-            <a:ext cx="5791200" cy="475467"/>
-          </a:xfrm>
-          <a:prstGeom prst="rect">
-            <a:avLst/>
-          </a:prstGeom>
-        </p:spPr>
-      </p:pic>
-    </p:spTree>
-    <p:extLst>
-      <p:ext uri="{BB962C8B-B14F-4D97-AF65-F5344CB8AC3E}">
-        <p14:creationId xmlns:p14="http://schemas.microsoft.com/office/powerpoint/2010/main" val="3600072711"/>
       </p:ext>
     </p:extLst>
   </p:cSld>
@@ -8251,11 +8356,11 @@
           <a:lstStyle/>
           <a:p>
             <a:r>
-              <a:rPr lang="en-US" dirty="0" smtClean="0"/>
+              <a:rPr lang="en-US" dirty="0"/>
               <a:t>Pandemonium!</a:t>
             </a:r>
             <a:br>
-              <a:rPr lang="en-US" dirty="0" smtClean="0"/>
+              <a:rPr lang="en-US" dirty="0"/>
             </a:br>
             <a:r>
               <a:rPr lang="en-US" sz="2800" dirty="0"/>
@@ -8299,13 +8404,6 @@
   <p:clrMapOvr>
     <a:masterClrMapping/>
   </p:clrMapOvr>
-  <p:timing>
-    <p:tnLst>
-      <p:par>
-        <p:cTn id="1" dur="indefinite" restart="never" nodeType="tmRoot"/>
-      </p:par>
-    </p:tnLst>
-  </p:timing>
 </p:sld>
 </file>
 
@@ -8342,91 +8440,51 @@
           <a:lstStyle/>
           <a:p>
             <a:r>
-              <a:rPr lang="en-US" dirty="0" smtClean="0"/>
-              <a:t>Feature Demons</a:t>
-            </a:r>
-            <a:endParaRPr lang="en-US" dirty="0"/>
-          </a:p>
-        </p:txBody>
-      </p:sp>
-      <p:sp>
-        <p:nvSpPr>
-          <p:cNvPr id="3" name="Content Placeholder 2"/>
-          <p:cNvSpPr>
-            <a:spLocks noGrp="1"/>
-          </p:cNvSpPr>
+              <a:rPr lang="en-US" dirty="0"/>
+              <a:t>Hierarchy of Categories</a:t>
+            </a:r>
+          </a:p>
+        </p:txBody>
+      </p:sp>
+      <p:pic>
+        <p:nvPicPr>
+          <p:cNvPr id="4" name="Content Placeholder 3"/>
+          <p:cNvPicPr>
+            <a:picLocks noGrp="1" noChangeAspect="1"/>
+          </p:cNvPicPr>
           <p:nvPr>
             <p:ph idx="1"/>
           </p:nvPr>
-        </p:nvSpPr>
-        <p:spPr/>
-        <p:txBody>
-          <a:bodyPr/>
-          <a:lstStyle/>
-          <a:p>
-            <a:pPr marL="622235" indent="-514297">
-              <a:buSzPct val="100000"/>
-              <a:buFont typeface="+mj-lt"/>
-              <a:buAutoNum type="arabicPeriod"/>
-            </a:pPr>
-            <a:r>
-              <a:rPr lang="en-US" dirty="0" smtClean="0"/>
-              <a:t>Vertical Line:           |</a:t>
-            </a:r>
-          </a:p>
-          <a:p>
-            <a:pPr marL="622235" indent="-514297">
-              <a:buSzPct val="100000"/>
-              <a:buFont typeface="+mj-lt"/>
-              <a:buAutoNum type="arabicPeriod"/>
-            </a:pPr>
-            <a:r>
-              <a:rPr lang="en-US" dirty="0" smtClean="0"/>
-              <a:t>Horizontal Line:      --</a:t>
-            </a:r>
-          </a:p>
-          <a:p>
-            <a:pPr marL="622235" indent="-514297">
-              <a:buSzPct val="100000"/>
-              <a:buFont typeface="+mj-lt"/>
-              <a:buAutoNum type="arabicPeriod"/>
-            </a:pPr>
-            <a:r>
-              <a:rPr lang="en-US" dirty="0" smtClean="0"/>
-              <a:t>Up-Right Diagonal: /</a:t>
-            </a:r>
-          </a:p>
-          <a:p>
-            <a:pPr marL="622235" indent="-514297">
-              <a:buSzPct val="100000"/>
-              <a:buFont typeface="+mj-lt"/>
-              <a:buAutoNum type="arabicPeriod"/>
-            </a:pPr>
-            <a:r>
-              <a:rPr lang="en-US" dirty="0" smtClean="0"/>
-              <a:t>Up-Left Diagonal:   \</a:t>
-            </a:r>
-            <a:endParaRPr lang="en-US" dirty="0"/>
-          </a:p>
-        </p:txBody>
-      </p:sp>
+        </p:nvPicPr>
+        <p:blipFill>
+          <a:blip r:embed="rId2">
+            <a:extLst>
+              <a:ext uri="{28A0092B-C50C-407E-A947-70E740481C1C}">
+                <a14:useLocalDpi xmlns:a14="http://schemas.microsoft.com/office/drawing/2010/main" val="0"/>
+              </a:ext>
+            </a:extLst>
+          </a:blip>
+          <a:stretch>
+            <a:fillRect/>
+          </a:stretch>
+        </p:blipFill>
+        <p:spPr>
+          <a:xfrm>
+            <a:off x="466725" y="1819008"/>
+            <a:ext cx="9067800" cy="2886177"/>
+          </a:xfrm>
+        </p:spPr>
+      </p:pic>
     </p:spTree>
     <p:extLst>
       <p:ext uri="{BB962C8B-B14F-4D97-AF65-F5344CB8AC3E}">
-        <p14:creationId xmlns:p14="http://schemas.microsoft.com/office/powerpoint/2010/main" val="428096967"/>
+        <p14:creationId xmlns:p14="http://schemas.microsoft.com/office/powerpoint/2010/main" val="1010247657"/>
       </p:ext>
     </p:extLst>
   </p:cSld>
   <p:clrMapOvr>
     <a:masterClrMapping/>
   </p:clrMapOvr>
-  <p:timing>
-    <p:tnLst>
-      <p:par>
-        <p:cTn id="1" dur="indefinite" restart="never" nodeType="tmRoot"/>
-      </p:par>
-    </p:tnLst>
-  </p:timing>
 </p:sld>
 </file>
 
@@ -8463,10 +8521,9 @@
           <a:lstStyle/>
           <a:p>
             <a:r>
-              <a:rPr lang="en-US" dirty="0" smtClean="0"/>
-              <a:t>Cognitive Demons</a:t>
-            </a:r>
-            <a:endParaRPr lang="en-US" dirty="0"/>
+              <a:rPr lang="en-US" dirty="0"/>
+              <a:t>Feature Demons</a:t>
+            </a:r>
           </a:p>
         </p:txBody>
       </p:sp>
@@ -8488,66 +8545,58 @@
             <a:pPr marL="622235" indent="-514297">
               <a:buSzPct val="100000"/>
               <a:buFont typeface="+mj-lt"/>
-              <a:buAutoNum type="arabicPeriod" startAt="5"/>
+              <a:buAutoNum type="arabicPeriod"/>
             </a:pPr>
             <a:r>
-              <a:rPr lang="en-US" dirty="0" smtClean="0"/>
-              <a:t>T: 1,2</a:t>
+              <a:rPr lang="en-US" dirty="0"/>
+              <a:t>Vertical Line:           |</a:t>
             </a:r>
           </a:p>
           <a:p>
             <a:pPr marL="622235" indent="-514297">
               <a:buSzPct val="100000"/>
               <a:buFont typeface="+mj-lt"/>
-              <a:buAutoNum type="arabicPeriod" startAt="5"/>
+              <a:buAutoNum type="arabicPeriod"/>
             </a:pPr>
             <a:r>
-              <a:rPr lang="en-US" dirty="0" smtClean="0"/>
-              <a:t>V: 3,4</a:t>
+              <a:rPr lang="en-US" dirty="0"/>
+              <a:t>Horizontal Line:      --</a:t>
             </a:r>
           </a:p>
           <a:p>
             <a:pPr marL="622235" indent="-514297">
               <a:buSzPct val="100000"/>
               <a:buFont typeface="+mj-lt"/>
-              <a:buAutoNum type="arabicPeriod" startAt="5"/>
+              <a:buAutoNum type="arabicPeriod"/>
             </a:pPr>
             <a:r>
-              <a:rPr lang="en-US" dirty="0" smtClean="0"/>
-              <a:t>A: 2,3,4</a:t>
+              <a:rPr lang="en-US" dirty="0"/>
+              <a:t>Up-Right Diagonal: /</a:t>
             </a:r>
           </a:p>
           <a:p>
             <a:pPr marL="622235" indent="-514297">
               <a:buSzPct val="100000"/>
               <a:buFont typeface="+mj-lt"/>
-              <a:buAutoNum type="arabicPeriod" startAt="5"/>
+              <a:buAutoNum type="arabicPeriod"/>
             </a:pPr>
             <a:r>
-              <a:rPr lang="en-US" dirty="0" smtClean="0"/>
-              <a:t>K: 1,3,4</a:t>
-            </a:r>
-            <a:endParaRPr lang="en-US" dirty="0"/>
+              <a:rPr lang="en-US" dirty="0"/>
+              <a:t>Up-Left Diagonal:   \</a:t>
+            </a:r>
           </a:p>
         </p:txBody>
       </p:sp>
     </p:spTree>
     <p:extLst>
       <p:ext uri="{BB962C8B-B14F-4D97-AF65-F5344CB8AC3E}">
-        <p14:creationId xmlns:p14="http://schemas.microsoft.com/office/powerpoint/2010/main" val="542790892"/>
+        <p14:creationId xmlns:p14="http://schemas.microsoft.com/office/powerpoint/2010/main" val="2617103888"/>
       </p:ext>
     </p:extLst>
   </p:cSld>
   <p:clrMapOvr>
     <a:masterClrMapping/>
   </p:clrMapOvr>
-  <p:timing>
-    <p:tnLst>
-      <p:par>
-        <p:cTn id="1" dur="indefinite" restart="never" nodeType="tmRoot"/>
-      </p:par>
-    </p:tnLst>
-  </p:timing>
 </p:sld>
 </file>
 
@@ -8584,59 +8633,82 @@
           <a:lstStyle/>
           <a:p>
             <a:r>
-              <a:rPr lang="en-US" dirty="0" smtClean="0"/>
-              <a:t>Testing..</a:t>
-            </a:r>
-            <a:endParaRPr lang="en-US" dirty="0"/>
-          </a:p>
-        </p:txBody>
-      </p:sp>
-      <p:cxnSp>
-        <p:nvCxnSpPr>
-          <p:cNvPr id="5" name="Straight Connector 4"/>
-          <p:cNvCxnSpPr/>
-          <p:nvPr/>
-        </p:nvCxnSpPr>
-        <p:spPr bwMode="auto">
-          <a:xfrm>
-            <a:off x="4276725" y="3857625"/>
-            <a:ext cx="1447800" cy="0"/>
-          </a:xfrm>
-          <a:prstGeom prst="line">
-            <a:avLst/>
-          </a:prstGeom>
-          <a:solidFill>
-            <a:srgbClr val="00B8FF"/>
-          </a:solidFill>
-          <a:ln w="76200" cap="flat" cmpd="sng" algn="ctr">
-            <a:solidFill>
-              <a:schemeClr val="tx1"/>
-            </a:solidFill>
-            <a:prstDash val="solid"/>
-            <a:round/>
-            <a:headEnd type="none" w="med" len="med"/>
-            <a:tailEnd type="none" w="med" len="med"/>
-          </a:ln>
-          <a:effectLst/>
-        </p:spPr>
-      </p:cxnSp>
+              <a:rPr lang="en-US" dirty="0"/>
+              <a:t>Cognitive Demons</a:t>
+            </a:r>
+          </a:p>
+        </p:txBody>
+      </p:sp>
+      <p:sp>
+        <p:nvSpPr>
+          <p:cNvPr id="3" name="Content Placeholder 2"/>
+          <p:cNvSpPr>
+            <a:spLocks noGrp="1"/>
+          </p:cNvSpPr>
+          <p:nvPr>
+            <p:ph idx="1"/>
+          </p:nvPr>
+        </p:nvSpPr>
+        <p:spPr/>
+        <p:txBody>
+          <a:bodyPr/>
+          <a:lstStyle/>
+          <a:p>
+            <a:pPr marL="622235" indent="-514297">
+              <a:buSzPct val="100000"/>
+              <a:buFont typeface="+mj-lt"/>
+              <a:buAutoNum type="arabicPeriod" startAt="5"/>
+            </a:pPr>
+            <a:r>
+              <a:rPr lang="en-US" dirty="0"/>
+              <a:t>T: 1,2</a:t>
+            </a:r>
+          </a:p>
+          <a:p>
+            <a:pPr marL="622235" indent="-514297">
+              <a:buSzPct val="100000"/>
+              <a:buFont typeface="+mj-lt"/>
+              <a:buAutoNum type="arabicPeriod" startAt="5"/>
+            </a:pPr>
+            <a:r>
+              <a:rPr lang="en-US" dirty="0"/>
+              <a:t>V: 3,4</a:t>
+            </a:r>
+          </a:p>
+          <a:p>
+            <a:pPr marL="622235" indent="-514297">
+              <a:buSzPct val="100000"/>
+              <a:buFont typeface="+mj-lt"/>
+              <a:buAutoNum type="arabicPeriod" startAt="5"/>
+            </a:pPr>
+            <a:r>
+              <a:rPr lang="en-US" dirty="0"/>
+              <a:t>A: 2,3,4</a:t>
+            </a:r>
+          </a:p>
+          <a:p>
+            <a:pPr marL="622235" indent="-514297">
+              <a:buSzPct val="100000"/>
+              <a:buFont typeface="+mj-lt"/>
+              <a:buAutoNum type="arabicPeriod" startAt="5"/>
+            </a:pPr>
+            <a:r>
+              <a:rPr lang="en-US" dirty="0"/>
+              <a:t>K: 1,3,4</a:t>
+            </a:r>
+          </a:p>
+        </p:txBody>
+      </p:sp>
     </p:spTree>
     <p:extLst>
       <p:ext uri="{BB962C8B-B14F-4D97-AF65-F5344CB8AC3E}">
-        <p14:creationId xmlns:p14="http://schemas.microsoft.com/office/powerpoint/2010/main" val="36604772"/>
+        <p14:creationId xmlns:p14="http://schemas.microsoft.com/office/powerpoint/2010/main" val="2309873418"/>
       </p:ext>
     </p:extLst>
   </p:cSld>
   <p:clrMapOvr>
     <a:masterClrMapping/>
   </p:clrMapOvr>
-  <p:timing>
-    <p:tnLst>
-      <p:par>
-        <p:cTn id="1" dur="indefinite" restart="never" nodeType="tmRoot"/>
-      </p:par>
-    </p:tnLst>
-  </p:timing>
 </p:sld>
 </file>
 
@@ -8673,10 +8745,9 @@
           <a:lstStyle/>
           <a:p>
             <a:r>
-              <a:rPr lang="en-US" dirty="0" smtClean="0"/>
+              <a:rPr lang="en-US" dirty="0"/>
               <a:t>Testing..</a:t>
             </a:r>
-            <a:endParaRPr lang="en-US" dirty="0"/>
           </a:p>
         </p:txBody>
       </p:sp>
@@ -8687,9 +8758,9 @@
           <p:nvPr/>
         </p:nvCxnSpPr>
         <p:spPr bwMode="auto">
-          <a:xfrm rot="5400000">
+          <a:xfrm>
             <a:off x="4276725" y="3857625"/>
-            <a:ext cx="1447799" cy="0"/>
+            <a:ext cx="1447800" cy="0"/>
           </a:xfrm>
           <a:prstGeom prst="line">
             <a:avLst/>
@@ -8712,20 +8783,13 @@
     </p:spTree>
     <p:extLst>
       <p:ext uri="{BB962C8B-B14F-4D97-AF65-F5344CB8AC3E}">
-        <p14:creationId xmlns:p14="http://schemas.microsoft.com/office/powerpoint/2010/main" val="3957535457"/>
+        <p14:creationId xmlns:p14="http://schemas.microsoft.com/office/powerpoint/2010/main" val="2945612239"/>
       </p:ext>
     </p:extLst>
   </p:cSld>
   <p:clrMapOvr>
     <a:masterClrMapping/>
   </p:clrMapOvr>
-  <p:timing>
-    <p:tnLst>
-      <p:par>
-        <p:cTn id="1" dur="indefinite" restart="never" nodeType="tmRoot"/>
-      </p:par>
-    </p:tnLst>
-  </p:timing>
 </p:sld>
 </file>
 
@@ -8762,10 +8826,9 @@
           <a:lstStyle/>
           <a:p>
             <a:r>
-              <a:rPr lang="en-US" dirty="0" smtClean="0"/>
+              <a:rPr lang="en-US" dirty="0"/>
               <a:t>Testing..</a:t>
             </a:r>
-            <a:endParaRPr lang="en-US" dirty="0"/>
           </a:p>
         </p:txBody>
       </p:sp>
@@ -8776,9 +8839,9 @@
           <p:nvPr/>
         </p:nvCxnSpPr>
         <p:spPr bwMode="auto">
-          <a:xfrm flipH="1">
-            <a:off x="4657725" y="3324225"/>
-            <a:ext cx="990600" cy="1181100"/>
+          <a:xfrm rot="5400000">
+            <a:off x="4276725" y="3857625"/>
+            <a:ext cx="1447799" cy="0"/>
           </a:xfrm>
           <a:prstGeom prst="line">
             <a:avLst/>
@@ -8801,20 +8864,13 @@
     </p:spTree>
     <p:extLst>
       <p:ext uri="{BB962C8B-B14F-4D97-AF65-F5344CB8AC3E}">
-        <p14:creationId xmlns:p14="http://schemas.microsoft.com/office/powerpoint/2010/main" val="992787503"/>
+        <p14:creationId xmlns:p14="http://schemas.microsoft.com/office/powerpoint/2010/main" val="2271814463"/>
       </p:ext>
     </p:extLst>
   </p:cSld>
   <p:clrMapOvr>
     <a:masterClrMapping/>
   </p:clrMapOvr>
-  <p:timing>
-    <p:tnLst>
-      <p:par>
-        <p:cTn id="1" dur="indefinite" restart="never" nodeType="tmRoot"/>
-      </p:par>
-    </p:tnLst>
-  </p:timing>
 </p:sld>
 </file>
 

--- a/ccn/randy_slides/oreilly_ccn_neuron.pptx
+++ b/ccn/randy_slides/oreilly_ccn_neuron.pptx
@@ -5,7 +5,7 @@
     <p:sldMasterId id="2147483648" r:id="rId1"/>
   </p:sldMasterIdLst>
   <p:notesMasterIdLst>
-    <p:notesMasterId r:id="rId41"/>
+    <p:notesMasterId r:id="rId42"/>
   </p:notesMasterIdLst>
   <p:sldIdLst>
     <p:sldId id="256" r:id="rId2"/>
@@ -43,10 +43,11 @@
     <p:sldId id="286" r:id="rId34"/>
     <p:sldId id="287" r:id="rId35"/>
     <p:sldId id="289" r:id="rId36"/>
-    <p:sldId id="288" r:id="rId37"/>
-    <p:sldId id="291" r:id="rId38"/>
-    <p:sldId id="290" r:id="rId39"/>
-    <p:sldId id="285" r:id="rId40"/>
+    <p:sldId id="295" r:id="rId37"/>
+    <p:sldId id="288" r:id="rId38"/>
+    <p:sldId id="291" r:id="rId39"/>
+    <p:sldId id="290" r:id="rId40"/>
+    <p:sldId id="285" r:id="rId41"/>
   </p:sldIdLst>
   <p:sldSz cx="10077450" cy="7562850"/>
   <p:notesSz cx="7772400" cy="10058400"/>
@@ -7417,14 +7418,19 @@
             <p:ph type="title"/>
           </p:nvPr>
         </p:nvSpPr>
-        <p:spPr/>
+        <p:spPr>
+          <a:xfrm>
+            <a:off x="503240" y="90487"/>
+            <a:ext cx="9067799" cy="660400"/>
+          </a:xfrm>
+        </p:spPr>
         <p:txBody>
           <a:bodyPr/>
           <a:lstStyle/>
           <a:p>
             <a:r>
               <a:rPr lang="en-US" dirty="0"/>
-              <a:t>Generating Output</a:t>
+              <a:t>Spiking Output</a:t>
             </a:r>
           </a:p>
         </p:txBody>
@@ -7439,11 +7445,24 @@
             <p:ph idx="1"/>
           </p:nvPr>
         </p:nvSpPr>
-        <p:spPr/>
+        <p:spPr>
+          <a:xfrm>
+            <a:off x="503240" y="5686425"/>
+            <a:ext cx="9067799" cy="1531938"/>
+          </a:xfrm>
+        </p:spPr>
         <p:txBody>
           <a:bodyPr/>
           <a:lstStyle/>
           <a:p>
+            <a:pPr>
+              <a:lnSpc>
+                <a:spcPct val="100000"/>
+              </a:lnSpc>
+              <a:spcAft>
+                <a:spcPts val="0"/>
+              </a:spcAft>
+            </a:pPr>
             <a:r>
               <a:rPr lang="en-US" dirty="0"/>
               <a:t>If </a:t>
@@ -7458,22 +7477,84 @@
             </a:r>
           </a:p>
           <a:p>
+            <a:pPr>
+              <a:lnSpc>
+                <a:spcPct val="100000"/>
+              </a:lnSpc>
+              <a:spcAft>
+                <a:spcPts val="0"/>
+              </a:spcAft>
+            </a:pPr>
             <a:r>
               <a:rPr lang="en-US" dirty="0"/>
               <a:t>Spike resets membrane potential back to rest.</a:t>
             </a:r>
           </a:p>
           <a:p>
+            <a:pPr>
+              <a:lnSpc>
+                <a:spcPct val="100000"/>
+              </a:lnSpc>
+              <a:spcAft>
+                <a:spcPts val="0"/>
+              </a:spcAft>
+            </a:pPr>
             <a:r>
               <a:rPr lang="en-US" dirty="0"/>
               <a:t>Has to climb back up to threshold to spike again</a:t>
             </a:r>
           </a:p>
           <a:p>
+            <a:pPr>
+              <a:lnSpc>
+                <a:spcPct val="100000"/>
+              </a:lnSpc>
+              <a:spcAft>
+                <a:spcPts val="0"/>
+              </a:spcAft>
+            </a:pPr>
             <a:endParaRPr lang="en-US" dirty="0"/>
           </a:p>
         </p:txBody>
       </p:sp>
+      <p:pic>
+        <p:nvPicPr>
+          <p:cNvPr id="4" name="Content Placeholder 4">
+            <a:extLst>
+              <a:ext uri="{FF2B5EF4-FFF2-40B4-BE49-F238E27FC236}">
+                <a16:creationId xmlns:a16="http://schemas.microsoft.com/office/drawing/2014/main" id="{0BF2831A-66E9-DA4F-92A7-95E151A263F2}"/>
+              </a:ext>
+            </a:extLst>
+          </p:cNvPr>
+          <p:cNvPicPr>
+            <a:picLocks noChangeAspect="1"/>
+          </p:cNvPicPr>
+          <p:nvPr/>
+        </p:nvPicPr>
+        <p:blipFill>
+          <a:blip r:embed="rId2"/>
+          <a:stretch>
+            <a:fillRect/>
+          </a:stretch>
+        </p:blipFill>
+        <p:spPr bwMode="auto">
+          <a:xfrm>
+            <a:off x="1076325" y="957007"/>
+            <a:ext cx="7802384" cy="4698072"/>
+          </a:xfrm>
+          <a:prstGeom prst="rect">
+            <a:avLst/>
+          </a:prstGeom>
+          <a:noFill/>
+          <a:ln w="9525">
+            <a:noFill/>
+            <a:round/>
+            <a:headEnd/>
+            <a:tailEnd/>
+          </a:ln>
+          <a:effectLst/>
+        </p:spPr>
+      </p:pic>
     </p:spTree>
     <p:extLst>
       <p:ext uri="{BB962C8B-B14F-4D97-AF65-F5344CB8AC3E}">
@@ -7634,7 +7715,7 @@
           <a:p>
             <a:r>
               <a:rPr lang="en-US" dirty="0"/>
-              <a:t>Sigmoidal Activation</a:t>
+              <a:t>Sigmoidal Shape: Noisy X/X+1</a:t>
             </a:r>
           </a:p>
         </p:txBody>
@@ -7764,7 +7845,13 @@
       </p:grpSpPr>
       <p:sp>
         <p:nvSpPr>
-          <p:cNvPr id="2" name="Title 1"/>
+          <p:cNvPr id="2" name="Title 1">
+            <a:extLst>
+              <a:ext uri="{FF2B5EF4-FFF2-40B4-BE49-F238E27FC236}">
+                <a16:creationId xmlns:a16="http://schemas.microsoft.com/office/drawing/2014/main" id="{545632C3-0692-DF43-AE41-BAF8C83A8B07}"/>
+              </a:ext>
+            </a:extLst>
+          </p:cNvPr>
           <p:cNvSpPr>
             <a:spLocks noGrp="1"/>
           </p:cNvSpPr>
@@ -7779,174 +7866,44 @@
           <a:p>
             <a:r>
               <a:rPr lang="en-US" dirty="0"/>
-              <a:t>Rate Code Equations</a:t>
-            </a:r>
-          </a:p>
-        </p:txBody>
-      </p:sp>
-      <p:sp>
-        <p:nvSpPr>
-          <p:cNvPr id="3" name="Content Placeholder 2"/>
-          <p:cNvSpPr>
-            <a:spLocks noGrp="1"/>
-          </p:cNvSpPr>
-          <p:nvPr>
-            <p:ph idx="1"/>
-          </p:nvPr>
-        </p:nvSpPr>
-        <p:spPr/>
-        <p:txBody>
-          <a:bodyPr/>
-          <a:lstStyle/>
-          <a:p>
-            <a:r>
-              <a:rPr lang="en-US" dirty="0"/>
-              <a:t>A little bit tricky because </a:t>
-            </a:r>
-            <a:r>
-              <a:rPr lang="en-US" dirty="0" err="1"/>
-              <a:t>Vm</a:t>
-            </a:r>
-            <a:r>
-              <a:rPr lang="en-US" dirty="0"/>
-              <a:t> doesn’t work.</a:t>
-            </a:r>
-          </a:p>
-          <a:p>
-            <a:r>
-              <a:rPr lang="en-US" dirty="0"/>
-              <a:t>Need to use excitatory conductance – threshold</a:t>
-            </a:r>
-          </a:p>
-          <a:p>
-            <a:r>
-              <a:rPr lang="en-US" dirty="0"/>
-              <a:t>XX1 equation:</a:t>
-            </a:r>
-          </a:p>
-          <a:p>
-            <a:endParaRPr lang="en-US" dirty="0"/>
-          </a:p>
-          <a:p>
-            <a:r>
-              <a:rPr lang="en-US" dirty="0" err="1"/>
-              <a:t>ge</a:t>
-            </a:r>
-            <a:r>
-              <a:rPr lang="en-US" dirty="0"/>
-              <a:t>-theta:</a:t>
-            </a:r>
-          </a:p>
-          <a:p>
-            <a:endParaRPr lang="en-US" dirty="0"/>
-          </a:p>
-          <a:p>
-            <a:r>
-              <a:rPr lang="en-US" dirty="0"/>
-              <a:t>Time </a:t>
-            </a:r>
-            <a:r>
-              <a:rPr lang="en-US"/>
-              <a:t>dyn: </a:t>
-            </a:r>
-            <a:endParaRPr lang="en-US" dirty="0"/>
+              <a:t>Noisy X/X+1 Approximates Spikes</a:t>
+            </a:r>
           </a:p>
         </p:txBody>
       </p:sp>
       <p:pic>
         <p:nvPicPr>
-          <p:cNvPr id="4" name="Picture 3" descr="Screen shot 2011-01-18 at 12.58.31 AM.png"/>
+          <p:cNvPr id="9" name="Content Placeholder 8">
+            <a:extLst>
+              <a:ext uri="{FF2B5EF4-FFF2-40B4-BE49-F238E27FC236}">
+                <a16:creationId xmlns:a16="http://schemas.microsoft.com/office/drawing/2014/main" id="{35617220-C822-AC4F-90BC-23395A639DF9}"/>
+              </a:ext>
+            </a:extLst>
+          </p:cNvPr>
           <p:cNvPicPr>
-            <a:picLocks noChangeAspect="1"/>
+            <a:picLocks noGrp="1" noChangeAspect="1"/>
           </p:cNvPicPr>
-          <p:nvPr/>
+          <p:nvPr>
+            <p:ph idx="1"/>
+          </p:nvPr>
         </p:nvPicPr>
         <p:blipFill>
-          <a:blip r:embed="rId2">
-            <a:extLst>
-              <a:ext uri="{28A0092B-C50C-407E-A947-70E740481C1C}">
-                <a14:useLocalDpi xmlns:a14="http://schemas.microsoft.com/office/drawing/2010/main" val="0"/>
-              </a:ext>
-            </a:extLst>
-          </a:blip>
+          <a:blip r:embed="rId2"/>
           <a:stretch>
             <a:fillRect/>
           </a:stretch>
         </p:blipFill>
         <p:spPr>
           <a:xfrm>
-            <a:off x="3819525" y="3019425"/>
-            <a:ext cx="2273300" cy="838200"/>
-          </a:xfrm>
-          <a:prstGeom prst="rect">
-            <a:avLst/>
-          </a:prstGeom>
-        </p:spPr>
-      </p:pic>
-      <p:pic>
-        <p:nvPicPr>
-          <p:cNvPr id="5" name="Picture 4" descr="Screen shot 2011-01-18 at 12.59.00 AM.png"/>
-          <p:cNvPicPr>
-            <a:picLocks noChangeAspect="1"/>
-          </p:cNvPicPr>
-          <p:nvPr/>
-        </p:nvPicPr>
-        <p:blipFill>
-          <a:blip r:embed="rId3">
-            <a:extLst>
-              <a:ext uri="{28A0092B-C50C-407E-A947-70E740481C1C}">
-                <a14:useLocalDpi xmlns:a14="http://schemas.microsoft.com/office/drawing/2010/main" val="0"/>
-              </a:ext>
-            </a:extLst>
-          </a:blip>
-          <a:stretch>
-            <a:fillRect/>
-          </a:stretch>
-        </p:blipFill>
-        <p:spPr>
-          <a:xfrm>
-            <a:off x="3362325" y="4238626"/>
-            <a:ext cx="3378200" cy="723900"/>
-          </a:xfrm>
-          <a:prstGeom prst="rect">
-            <a:avLst/>
-          </a:prstGeom>
-        </p:spPr>
-      </p:pic>
-      <p:pic>
-        <p:nvPicPr>
-          <p:cNvPr id="6" name="Picture 5"/>
-          <p:cNvPicPr>
-            <a:picLocks noChangeAspect="1"/>
-          </p:cNvPicPr>
-          <p:nvPr/>
-        </p:nvPicPr>
-        <p:blipFill>
-          <a:blip r:embed="rId4">
-            <a:extLst>
-              <a:ext uri="{28A0092B-C50C-407E-A947-70E740481C1C}">
-                <a14:useLocalDpi xmlns:a14="http://schemas.microsoft.com/office/drawing/2010/main" val="0"/>
-              </a:ext>
-            </a:extLst>
-          </a:blip>
-          <a:stretch>
-            <a:fillRect/>
-          </a:stretch>
-        </p:blipFill>
-        <p:spPr>
-          <a:xfrm>
-            <a:off x="3514725" y="5610225"/>
-            <a:ext cx="5791200" cy="475467"/>
-          </a:xfrm>
-          <a:prstGeom prst="rect">
-            <a:avLst/>
-          </a:prstGeom>
+            <a:off x="1699327" y="1770063"/>
+            <a:ext cx="6675622" cy="4989512"/>
+          </a:xfrm>
         </p:spPr>
       </p:pic>
     </p:spTree>
     <p:extLst>
       <p:ext uri="{BB962C8B-B14F-4D97-AF65-F5344CB8AC3E}">
-        <p14:creationId xmlns:p14="http://schemas.microsoft.com/office/powerpoint/2010/main" val="3600072711"/>
+        <p14:creationId xmlns:p14="http://schemas.microsoft.com/office/powerpoint/2010/main" val="3870241532"/>
       </p:ext>
     </p:extLst>
   </p:cSld>
@@ -7990,6 +7947,217 @@
           <a:p>
             <a:r>
               <a:rPr lang="en-US" dirty="0"/>
+              <a:t>Rate Code Equations</a:t>
+            </a:r>
+          </a:p>
+        </p:txBody>
+      </p:sp>
+      <p:sp>
+        <p:nvSpPr>
+          <p:cNvPr id="3" name="Content Placeholder 2"/>
+          <p:cNvSpPr>
+            <a:spLocks noGrp="1"/>
+          </p:cNvSpPr>
+          <p:nvPr>
+            <p:ph idx="1"/>
+          </p:nvPr>
+        </p:nvSpPr>
+        <p:spPr/>
+        <p:txBody>
+          <a:bodyPr/>
+          <a:lstStyle/>
+          <a:p>
+            <a:r>
+              <a:rPr lang="en-US" dirty="0"/>
+              <a:t>A little bit tricky because </a:t>
+            </a:r>
+            <a:r>
+              <a:rPr lang="en-US" dirty="0" err="1"/>
+              <a:t>Vm</a:t>
+            </a:r>
+            <a:r>
+              <a:rPr lang="en-US" dirty="0"/>
+              <a:t> doesn’t work.</a:t>
+            </a:r>
+          </a:p>
+          <a:p>
+            <a:r>
+              <a:rPr lang="en-US" dirty="0"/>
+              <a:t>Need to use excitatory conductance – threshold</a:t>
+            </a:r>
+          </a:p>
+          <a:p>
+            <a:r>
+              <a:rPr lang="en-US" dirty="0"/>
+              <a:t>XX1 equation:</a:t>
+            </a:r>
+          </a:p>
+          <a:p>
+            <a:endParaRPr lang="en-US" dirty="0"/>
+          </a:p>
+          <a:p>
+            <a:r>
+              <a:rPr lang="en-US" dirty="0" err="1"/>
+              <a:t>ge</a:t>
+            </a:r>
+            <a:r>
+              <a:rPr lang="en-US" dirty="0"/>
+              <a:t>-theta:</a:t>
+            </a:r>
+          </a:p>
+          <a:p>
+            <a:endParaRPr lang="en-US" dirty="0"/>
+          </a:p>
+          <a:p>
+            <a:r>
+              <a:rPr lang="en-US" dirty="0"/>
+              <a:t>Time </a:t>
+            </a:r>
+            <a:r>
+              <a:rPr lang="en-US"/>
+              <a:t>dyn: </a:t>
+            </a:r>
+            <a:endParaRPr lang="en-US" dirty="0"/>
+          </a:p>
+        </p:txBody>
+      </p:sp>
+      <p:pic>
+        <p:nvPicPr>
+          <p:cNvPr id="4" name="Picture 3" descr="Screen shot 2011-01-18 at 12.58.31 AM.png"/>
+          <p:cNvPicPr>
+            <a:picLocks noChangeAspect="1"/>
+          </p:cNvPicPr>
+          <p:nvPr/>
+        </p:nvPicPr>
+        <p:blipFill>
+          <a:blip r:embed="rId2">
+            <a:extLst>
+              <a:ext uri="{28A0092B-C50C-407E-A947-70E740481C1C}">
+                <a14:useLocalDpi xmlns:a14="http://schemas.microsoft.com/office/drawing/2010/main" val="0"/>
+              </a:ext>
+            </a:extLst>
+          </a:blip>
+          <a:stretch>
+            <a:fillRect/>
+          </a:stretch>
+        </p:blipFill>
+        <p:spPr>
+          <a:xfrm>
+            <a:off x="3819525" y="3019425"/>
+            <a:ext cx="2273300" cy="838200"/>
+          </a:xfrm>
+          <a:prstGeom prst="rect">
+            <a:avLst/>
+          </a:prstGeom>
+        </p:spPr>
+      </p:pic>
+      <p:pic>
+        <p:nvPicPr>
+          <p:cNvPr id="5" name="Picture 4" descr="Screen shot 2011-01-18 at 12.59.00 AM.png"/>
+          <p:cNvPicPr>
+            <a:picLocks noChangeAspect="1"/>
+          </p:cNvPicPr>
+          <p:nvPr/>
+        </p:nvPicPr>
+        <p:blipFill>
+          <a:blip r:embed="rId3">
+            <a:extLst>
+              <a:ext uri="{28A0092B-C50C-407E-A947-70E740481C1C}">
+                <a14:useLocalDpi xmlns:a14="http://schemas.microsoft.com/office/drawing/2010/main" val="0"/>
+              </a:ext>
+            </a:extLst>
+          </a:blip>
+          <a:stretch>
+            <a:fillRect/>
+          </a:stretch>
+        </p:blipFill>
+        <p:spPr>
+          <a:xfrm>
+            <a:off x="3362325" y="4238626"/>
+            <a:ext cx="3378200" cy="723900"/>
+          </a:xfrm>
+          <a:prstGeom prst="rect">
+            <a:avLst/>
+          </a:prstGeom>
+        </p:spPr>
+      </p:pic>
+      <p:pic>
+        <p:nvPicPr>
+          <p:cNvPr id="6" name="Picture 5"/>
+          <p:cNvPicPr>
+            <a:picLocks noChangeAspect="1"/>
+          </p:cNvPicPr>
+          <p:nvPr/>
+        </p:nvPicPr>
+        <p:blipFill>
+          <a:blip r:embed="rId4">
+            <a:extLst>
+              <a:ext uri="{28A0092B-C50C-407E-A947-70E740481C1C}">
+                <a14:useLocalDpi xmlns:a14="http://schemas.microsoft.com/office/drawing/2010/main" val="0"/>
+              </a:ext>
+            </a:extLst>
+          </a:blip>
+          <a:stretch>
+            <a:fillRect/>
+          </a:stretch>
+        </p:blipFill>
+        <p:spPr>
+          <a:xfrm>
+            <a:off x="3514725" y="5610225"/>
+            <a:ext cx="5791200" cy="475467"/>
+          </a:xfrm>
+          <a:prstGeom prst="rect">
+            <a:avLst/>
+          </a:prstGeom>
+        </p:spPr>
+      </p:pic>
+    </p:spTree>
+    <p:extLst>
+      <p:ext uri="{BB962C8B-B14F-4D97-AF65-F5344CB8AC3E}">
+        <p14:creationId xmlns:p14="http://schemas.microsoft.com/office/powerpoint/2010/main" val="3600072711"/>
+      </p:ext>
+    </p:extLst>
+  </p:cSld>
+  <p:clrMapOvr>
+    <a:masterClrMapping/>
+  </p:clrMapOvr>
+</p:sld>
+</file>
+
+<file path=ppt/slides/slide38.xml><?xml version="1.0" encoding="utf-8"?>
+<p:sld xmlns:a="http://schemas.openxmlformats.org/drawingml/2006/main" xmlns:r="http://schemas.openxmlformats.org/officeDocument/2006/relationships" xmlns:p="http://schemas.openxmlformats.org/presentationml/2006/main">
+  <p:cSld>
+    <p:spTree>
+      <p:nvGrpSpPr>
+        <p:cNvPr id="1" name=""/>
+        <p:cNvGrpSpPr/>
+        <p:nvPr/>
+      </p:nvGrpSpPr>
+      <p:grpSpPr>
+        <a:xfrm>
+          <a:off x="0" y="0"/>
+          <a:ext cx="0" cy="0"/>
+          <a:chOff x="0" y="0"/>
+          <a:chExt cx="0" cy="0"/>
+        </a:xfrm>
+      </p:grpSpPr>
+      <p:sp>
+        <p:nvSpPr>
+          <p:cNvPr id="2" name="Title 1"/>
+          <p:cNvSpPr>
+            <a:spLocks noGrp="1"/>
+          </p:cNvSpPr>
+          <p:nvPr>
+            <p:ph type="title"/>
+          </p:nvPr>
+        </p:nvSpPr>
+        <p:spPr/>
+        <p:txBody>
+          <a:bodyPr/>
+          <a:lstStyle/>
+          <a:p>
+            <a:r>
+              <a:rPr lang="en-US" dirty="0"/>
               <a:t>The Synapse</a:t>
             </a:r>
           </a:p>
@@ -8038,7 +8206,7 @@
             <a:fld id="{5689AE7F-56EB-8D49-9914-836A4F709789}" type="slidenum">
               <a:rPr lang="en-US" smtClean="0"/>
               <a:pPr/>
-              <a:t>37</a:t>
+              <a:t>38</a:t>
             </a:fld>
             <a:endParaRPr lang="en-US"/>
           </a:p>
@@ -8057,7 +8225,7 @@
 </p:sld>
 </file>
 
-<file path=ppt/slides/slide38.xml><?xml version="1.0" encoding="utf-8"?>
+<file path=ppt/slides/slide39.xml><?xml version="1.0" encoding="utf-8"?>
 <p:sld xmlns:a="http://schemas.openxmlformats.org/drawingml/2006/main" xmlns:r="http://schemas.openxmlformats.org/officeDocument/2006/relationships" xmlns:p="http://schemas.openxmlformats.org/presentationml/2006/main">
   <p:cSld>
     <p:spTree>
@@ -8134,7 +8302,91 @@
 </p:sld>
 </file>
 
-<file path=ppt/slides/slide39.xml><?xml version="1.0" encoding="utf-8"?>
+<file path=ppt/slides/slide4.xml><?xml version="1.0" encoding="utf-8"?>
+<p:sld xmlns:a="http://schemas.openxmlformats.org/drawingml/2006/main" xmlns:r="http://schemas.openxmlformats.org/officeDocument/2006/relationships" xmlns:p="http://schemas.openxmlformats.org/presentationml/2006/main">
+  <p:cSld>
+    <p:spTree>
+      <p:nvGrpSpPr>
+        <p:cNvPr id="1" name=""/>
+        <p:cNvGrpSpPr/>
+        <p:nvPr/>
+      </p:nvGrpSpPr>
+      <p:grpSpPr>
+        <a:xfrm>
+          <a:off x="0" y="0"/>
+          <a:ext cx="0" cy="0"/>
+          <a:chOff x="0" y="0"/>
+          <a:chExt cx="0" cy="0"/>
+        </a:xfrm>
+      </p:grpSpPr>
+      <p:sp>
+        <p:nvSpPr>
+          <p:cNvPr id="2" name="Title 1"/>
+          <p:cNvSpPr>
+            <a:spLocks noGrp="1"/>
+          </p:cNvSpPr>
+          <p:nvPr>
+            <p:ph type="title"/>
+          </p:nvPr>
+        </p:nvSpPr>
+        <p:spPr/>
+        <p:txBody>
+          <a:bodyPr/>
+          <a:lstStyle/>
+          <a:p>
+            <a:r>
+              <a:rPr lang="en-US" dirty="0"/>
+              <a:t>Pandemonium!</a:t>
+            </a:r>
+            <a:br>
+              <a:rPr lang="en-US" dirty="0"/>
+            </a:br>
+            <a:r>
+              <a:rPr lang="en-US" sz="2800" dirty="0"/>
+              <a:t>(Oliver Selfridge)</a:t>
+            </a:r>
+          </a:p>
+        </p:txBody>
+      </p:sp>
+      <p:pic>
+        <p:nvPicPr>
+          <p:cNvPr id="4" name="Content Placeholder 3" descr="fig_pandemonium_selfridge.png"/>
+          <p:cNvPicPr>
+            <a:picLocks noGrp="1" noChangeAspect="1"/>
+          </p:cNvPicPr>
+          <p:nvPr>
+            <p:ph idx="1"/>
+          </p:nvPr>
+        </p:nvPicPr>
+        <p:blipFill>
+          <a:blip r:embed="rId2">
+            <a:extLst>
+              <a:ext uri="{28A0092B-C50C-407E-A947-70E740481C1C}">
+                <a14:useLocalDpi xmlns:a14="http://schemas.microsoft.com/office/drawing/2010/main" val="0"/>
+              </a:ext>
+            </a:extLst>
+          </a:blip>
+          <a:srcRect t="1089" b="1089"/>
+          <a:stretch>
+            <a:fillRect/>
+          </a:stretch>
+        </p:blipFill>
+        <p:spPr/>
+      </p:pic>
+    </p:spTree>
+    <p:extLst>
+      <p:ext uri="{BB962C8B-B14F-4D97-AF65-F5344CB8AC3E}">
+        <p14:creationId xmlns:p14="http://schemas.microsoft.com/office/powerpoint/2010/main" val="1499894093"/>
+      </p:ext>
+    </p:extLst>
+  </p:cSld>
+  <p:clrMapOvr>
+    <a:masterClrMapping/>
+  </p:clrMapOvr>
+</p:sld>
+</file>
+
+<file path=ppt/slides/slide40.xml><?xml version="1.0" encoding="utf-8"?>
 <p:sld xmlns:a="http://schemas.openxmlformats.org/drawingml/2006/main" xmlns:r="http://schemas.openxmlformats.org/officeDocument/2006/relationships" xmlns:p="http://schemas.openxmlformats.org/presentationml/2006/main">
   <p:cSld>
     <p:spTree>
@@ -8314,90 +8566,6 @@
     <p:extLst>
       <p:ext uri="{BB962C8B-B14F-4D97-AF65-F5344CB8AC3E}">
         <p14:creationId xmlns:p14="http://schemas.microsoft.com/office/powerpoint/2010/main" val="2259824562"/>
-      </p:ext>
-    </p:extLst>
-  </p:cSld>
-  <p:clrMapOvr>
-    <a:masterClrMapping/>
-  </p:clrMapOvr>
-</p:sld>
-</file>
-
-<file path=ppt/slides/slide4.xml><?xml version="1.0" encoding="utf-8"?>
-<p:sld xmlns:a="http://schemas.openxmlformats.org/drawingml/2006/main" xmlns:r="http://schemas.openxmlformats.org/officeDocument/2006/relationships" xmlns:p="http://schemas.openxmlformats.org/presentationml/2006/main">
-  <p:cSld>
-    <p:spTree>
-      <p:nvGrpSpPr>
-        <p:cNvPr id="1" name=""/>
-        <p:cNvGrpSpPr/>
-        <p:nvPr/>
-      </p:nvGrpSpPr>
-      <p:grpSpPr>
-        <a:xfrm>
-          <a:off x="0" y="0"/>
-          <a:ext cx="0" cy="0"/>
-          <a:chOff x="0" y="0"/>
-          <a:chExt cx="0" cy="0"/>
-        </a:xfrm>
-      </p:grpSpPr>
-      <p:sp>
-        <p:nvSpPr>
-          <p:cNvPr id="2" name="Title 1"/>
-          <p:cNvSpPr>
-            <a:spLocks noGrp="1"/>
-          </p:cNvSpPr>
-          <p:nvPr>
-            <p:ph type="title"/>
-          </p:nvPr>
-        </p:nvSpPr>
-        <p:spPr/>
-        <p:txBody>
-          <a:bodyPr/>
-          <a:lstStyle/>
-          <a:p>
-            <a:r>
-              <a:rPr lang="en-US" dirty="0"/>
-              <a:t>Pandemonium!</a:t>
-            </a:r>
-            <a:br>
-              <a:rPr lang="en-US" dirty="0"/>
-            </a:br>
-            <a:r>
-              <a:rPr lang="en-US" sz="2800" dirty="0"/>
-              <a:t>(Oliver Selfridge)</a:t>
-            </a:r>
-          </a:p>
-        </p:txBody>
-      </p:sp>
-      <p:pic>
-        <p:nvPicPr>
-          <p:cNvPr id="4" name="Content Placeholder 3" descr="fig_pandemonium_selfridge.png"/>
-          <p:cNvPicPr>
-            <a:picLocks noGrp="1" noChangeAspect="1"/>
-          </p:cNvPicPr>
-          <p:nvPr>
-            <p:ph idx="1"/>
-          </p:nvPr>
-        </p:nvPicPr>
-        <p:blipFill>
-          <a:blip r:embed="rId2">
-            <a:extLst>
-              <a:ext uri="{28A0092B-C50C-407E-A947-70E740481C1C}">
-                <a14:useLocalDpi xmlns:a14="http://schemas.microsoft.com/office/drawing/2010/main" val="0"/>
-              </a:ext>
-            </a:extLst>
-          </a:blip>
-          <a:srcRect t="1089" b="1089"/>
-          <a:stretch>
-            <a:fillRect/>
-          </a:stretch>
-        </p:blipFill>
-        <p:spPr/>
-      </p:pic>
-    </p:spTree>
-    <p:extLst>
-      <p:ext uri="{BB962C8B-B14F-4D97-AF65-F5344CB8AC3E}">
-        <p14:creationId xmlns:p14="http://schemas.microsoft.com/office/powerpoint/2010/main" val="1499894093"/>
       </p:ext>
     </p:extLst>
   </p:cSld>
